--- a/doc/any-proxy-websocket.pptx
+++ b/doc/any-proxy-websocket.pptx
@@ -10,6 +10,8 @@
     <p:sldId id="261" r:id="rId4"/>
     <p:sldId id="257" r:id="rId5"/>
     <p:sldId id="258" r:id="rId6"/>
+    <p:sldId id="263" r:id="rId7"/>
+    <p:sldId id="262" r:id="rId8"/>
   </p:sldIdLst>
   <p:sldSz cx="9144000" cy="6858000" type="screen4x3"/>
   <p:notesSz cx="6858000" cy="9144000"/>
@@ -292,7 +294,7 @@
           <a:p>
             <a:fld id="{A19C318E-CEEE-5D42-8200-C8C83E0DAB31}" type="datetimeFigureOut">
               <a:rPr lang="en-US" smtClean="0"/>
-              <a:t>9/8/15</a:t>
+              <a:t>10/25/15</a:t>
             </a:fld>
             <a:endParaRPr lang="en-US"/>
           </a:p>
@@ -544,7 +546,7 @@
           <a:p>
             <a:fld id="{A19C318E-CEEE-5D42-8200-C8C83E0DAB31}" type="datetimeFigureOut">
               <a:rPr lang="en-US" smtClean="0"/>
-              <a:t>9/8/15</a:t>
+              <a:t>10/25/15</a:t>
             </a:fld>
             <a:endParaRPr lang="en-US"/>
           </a:p>
@@ -714,7 +716,7 @@
           <a:p>
             <a:fld id="{A19C318E-CEEE-5D42-8200-C8C83E0DAB31}" type="datetimeFigureOut">
               <a:rPr lang="en-US" smtClean="0"/>
-              <a:t>9/8/15</a:t>
+              <a:t>10/25/15</a:t>
             </a:fld>
             <a:endParaRPr lang="en-US"/>
           </a:p>
@@ -879,7 +881,7 @@
           <a:p>
             <a:fld id="{A19C318E-CEEE-5D42-8200-C8C83E0DAB31}" type="datetimeFigureOut">
               <a:rPr lang="en-US" smtClean="0"/>
-              <a:t>9/8/15</a:t>
+              <a:t>10/25/15</a:t>
             </a:fld>
             <a:endParaRPr lang="en-US"/>
           </a:p>
@@ -1164,7 +1166,7 @@
           <a:p>
             <a:fld id="{A19C318E-CEEE-5D42-8200-C8C83E0DAB31}" type="datetimeFigureOut">
               <a:rPr lang="en-US" smtClean="0"/>
-              <a:t>9/8/15</a:t>
+              <a:t>10/25/15</a:t>
             </a:fld>
             <a:endParaRPr lang="en-US"/>
           </a:p>
@@ -1447,7 +1449,7 @@
           <a:p>
             <a:fld id="{A19C318E-CEEE-5D42-8200-C8C83E0DAB31}" type="datetimeFigureOut">
               <a:rPr lang="en-US" smtClean="0"/>
-              <a:t>9/8/15</a:t>
+              <a:t>10/25/15</a:t>
             </a:fld>
             <a:endParaRPr lang="en-US"/>
           </a:p>
@@ -1903,7 +1905,7 @@
           <a:p>
             <a:fld id="{A19C318E-CEEE-5D42-8200-C8C83E0DAB31}" type="datetimeFigureOut">
               <a:rPr lang="en-US" smtClean="0"/>
-              <a:t>9/8/15</a:t>
+              <a:t>10/25/15</a:t>
             </a:fld>
             <a:endParaRPr lang="en-US"/>
           </a:p>
@@ -2055,7 +2057,7 @@
           <a:p>
             <a:fld id="{A19C318E-CEEE-5D42-8200-C8C83E0DAB31}" type="datetimeFigureOut">
               <a:rPr lang="en-US" smtClean="0"/>
-              <a:t>9/8/15</a:t>
+              <a:t>10/25/15</a:t>
             </a:fld>
             <a:endParaRPr lang="en-US"/>
           </a:p>
@@ -2145,7 +2147,7 @@
           <a:p>
             <a:fld id="{A19C318E-CEEE-5D42-8200-C8C83E0DAB31}" type="datetimeFigureOut">
               <a:rPr lang="en-US" smtClean="0"/>
-              <a:t>9/8/15</a:t>
+              <a:t>10/25/15</a:t>
             </a:fld>
             <a:endParaRPr lang="en-US"/>
           </a:p>
@@ -2417,7 +2419,7 @@
           <a:p>
             <a:fld id="{A19C318E-CEEE-5D42-8200-C8C83E0DAB31}" type="datetimeFigureOut">
               <a:rPr lang="en-US" smtClean="0"/>
-              <a:t>9/8/15</a:t>
+              <a:t>10/25/15</a:t>
             </a:fld>
             <a:endParaRPr lang="en-US"/>
           </a:p>
@@ -2664,7 +2666,7 @@
           <a:p>
             <a:fld id="{A19C318E-CEEE-5D42-8200-C8C83E0DAB31}" type="datetimeFigureOut">
               <a:rPr lang="en-US" smtClean="0"/>
-              <a:t>9/8/15</a:t>
+              <a:t>10/25/15</a:t>
             </a:fld>
             <a:endParaRPr lang="en-US"/>
           </a:p>
@@ -3051,11 +3053,7 @@
           <a:p>
             <a:r>
               <a:rPr lang="en-US" dirty="0" smtClean="0"/>
-              <a:t>any proxy </a:t>
-            </a:r>
-            <a:r>
-              <a:rPr lang="en-US" dirty="0" smtClean="0"/>
-              <a:t>and </a:t>
+              <a:t>any proxy and </a:t>
             </a:r>
             <a:r>
               <a:rPr lang="en-US" dirty="0" err="1" smtClean="0"/>
@@ -4531,14 +4529,7 @@
                 <a:latin typeface="Comic Sans MS"/>
                 <a:cs typeface="Comic Sans MS"/>
               </a:rPr>
-              <a:t> tunnel and </a:t>
-            </a:r>
-            <a:r>
-              <a:rPr lang="en-US" dirty="0" smtClean="0">
-                <a:latin typeface="Comic Sans MS"/>
-                <a:cs typeface="Comic Sans MS"/>
-              </a:rPr>
-              <a:t>any proxy.</a:t>
+              <a:t> tunnel and any proxy.</a:t>
             </a:r>
           </a:p>
           <a:p>
@@ -6888,7 +6879,7 @@
         </p:nvSpPr>
         <p:spPr>
           <a:xfrm>
-            <a:off x="539552" y="2680368"/>
+            <a:off x="539552" y="3960546"/>
             <a:ext cx="4031631" cy="1092094"/>
           </a:xfrm>
           <a:prstGeom prst="rect">
@@ -6935,7 +6926,7 @@
         </p:nvSpPr>
         <p:spPr>
           <a:xfrm>
-            <a:off x="539552" y="694024"/>
+            <a:off x="539552" y="1974202"/>
             <a:ext cx="4031631" cy="1786902"/>
           </a:xfrm>
           <a:prstGeom prst="rect">
@@ -6982,7 +6973,7 @@
         </p:nvSpPr>
         <p:spPr>
           <a:xfrm>
-            <a:off x="827584" y="880912"/>
+            <a:off x="827584" y="2161090"/>
             <a:ext cx="631034" cy="439295"/>
           </a:xfrm>
           <a:prstGeom prst="roundRect">
@@ -7009,9 +7000,10 @@
           <a:p>
             <a:pPr algn="ctr"/>
             <a:r>
-              <a:rPr lang="en-US" dirty="0"/>
+              <a:rPr lang="en-US" dirty="0" smtClean="0"/>
               <a:t>A</a:t>
             </a:r>
+            <a:endParaRPr lang="en-US" dirty="0"/>
           </a:p>
         </p:txBody>
       </p:sp>
@@ -7023,7 +7015,7 @@
         </p:nvSpPr>
         <p:spPr>
           <a:xfrm>
-            <a:off x="833017" y="1922359"/>
+            <a:off x="833017" y="3202537"/>
             <a:ext cx="631034" cy="439295"/>
           </a:xfrm>
           <a:prstGeom prst="roundRect">
@@ -7065,7 +7057,7 @@
         </p:nvSpPr>
         <p:spPr>
           <a:xfrm>
-            <a:off x="7677394" y="843376"/>
+            <a:off x="7677394" y="2123554"/>
             <a:ext cx="631034" cy="439295"/>
           </a:xfrm>
           <a:prstGeom prst="roundRect">
@@ -7092,9 +7084,10 @@
           <a:p>
             <a:pPr algn="ctr"/>
             <a:r>
-              <a:rPr lang="en-US" dirty="0"/>
+              <a:rPr lang="en-US" dirty="0" smtClean="0"/>
               <a:t>X</a:t>
             </a:r>
+            <a:endParaRPr lang="en-US" dirty="0"/>
           </a:p>
         </p:txBody>
       </p:sp>
@@ -7106,7 +7099,7 @@
         </p:nvSpPr>
         <p:spPr>
           <a:xfrm>
-            <a:off x="7682827" y="1884823"/>
+            <a:off x="7682827" y="3165001"/>
             <a:ext cx="631034" cy="439295"/>
           </a:xfrm>
           <a:prstGeom prst="roundRect">
@@ -7133,101 +7126,22 @@
           <a:p>
             <a:pPr algn="ctr"/>
             <a:r>
-              <a:rPr lang="en-US" dirty="0"/>
+              <a:rPr lang="en-US" dirty="0" smtClean="0"/>
               <a:t>Y</a:t>
             </a:r>
-          </a:p>
-        </p:txBody>
-      </p:sp>
-      <p:sp>
-        <p:nvSpPr>
-          <p:cNvPr id="8" name="Rounded Rectangle 7"/>
-          <p:cNvSpPr/>
-          <p:nvPr/>
-        </p:nvSpPr>
-        <p:spPr>
-          <a:xfrm>
-            <a:off x="7685382" y="3034992"/>
-            <a:ext cx="631034" cy="439295"/>
-          </a:xfrm>
-          <a:prstGeom prst="roundRect">
-            <a:avLst/>
-          </a:prstGeom>
-        </p:spPr>
-        <p:style>
-          <a:lnRef idx="1">
-            <a:schemeClr val="accent1"/>
-          </a:lnRef>
-          <a:fillRef idx="3">
-            <a:schemeClr val="accent1"/>
-          </a:fillRef>
-          <a:effectRef idx="2">
-            <a:schemeClr val="accent1"/>
-          </a:effectRef>
-          <a:fontRef idx="minor">
-            <a:schemeClr val="lt1"/>
-          </a:fontRef>
-        </p:style>
-        <p:txBody>
-          <a:bodyPr rtlCol="0" anchor="ctr"/>
-          <a:lstStyle/>
-          <a:p>
-            <a:pPr algn="ctr"/>
-            <a:r>
-              <a:rPr lang="en-US" dirty="0" smtClean="0"/>
-              <a:t>Z</a:t>
-            </a:r>
             <a:endParaRPr lang="en-US" dirty="0"/>
           </a:p>
         </p:txBody>
       </p:sp>
       <p:sp>
         <p:nvSpPr>
-          <p:cNvPr id="11" name="Rectangle 10"/>
-          <p:cNvSpPr/>
-          <p:nvPr/>
-        </p:nvSpPr>
-        <p:spPr>
-          <a:xfrm>
-            <a:off x="2699792" y="1224960"/>
-            <a:ext cx="1224136" cy="628274"/>
-          </a:xfrm>
-          <a:prstGeom prst="rect">
-            <a:avLst/>
-          </a:prstGeom>
-        </p:spPr>
-        <p:style>
-          <a:lnRef idx="1">
-            <a:schemeClr val="accent1"/>
-          </a:lnRef>
-          <a:fillRef idx="3">
-            <a:schemeClr val="accent1"/>
-          </a:fillRef>
-          <a:effectRef idx="2">
-            <a:schemeClr val="accent1"/>
-          </a:effectRef>
-          <a:fontRef idx="minor">
-            <a:schemeClr val="lt1"/>
-          </a:fontRef>
-        </p:style>
-        <p:txBody>
-          <a:bodyPr rtlCol="0" anchor="ctr"/>
-          <a:lstStyle/>
-          <a:p>
-            <a:pPr algn="ctr"/>
-            <a:endParaRPr lang="en-US"/>
-          </a:p>
-        </p:txBody>
-      </p:sp>
-      <p:sp>
-        <p:nvSpPr>
-          <p:cNvPr id="12" name="TextBox 11"/>
+          <p:cNvPr id="16" name="TextBox 15"/>
           <p:cNvSpPr txBox="1"/>
           <p:nvPr/>
         </p:nvSpPr>
         <p:spPr>
           <a:xfrm>
-            <a:off x="3419872" y="1202012"/>
+            <a:off x="5182536" y="2472898"/>
             <a:ext cx="576064" cy="369332"/>
           </a:xfrm>
           <a:prstGeom prst="rect">
@@ -7247,7 +7161,7 @@
                   <a:schemeClr val="bg1"/>
                 </a:solidFill>
               </a:rPr>
-              <a:t>L</a:t>
+              <a:t>G</a:t>
             </a:r>
             <a:r>
               <a:rPr lang="en-US" dirty="0" smtClean="0">
@@ -7265,285 +7179,52 @@
           </a:p>
         </p:txBody>
       </p:sp>
-      <p:sp>
-        <p:nvSpPr>
-          <p:cNvPr id="13" name="Rectangle 12"/>
-          <p:cNvSpPr/>
-          <p:nvPr/>
-        </p:nvSpPr>
-        <p:spPr>
-          <a:xfrm>
-            <a:off x="2699792" y="2940144"/>
-            <a:ext cx="1224136" cy="631267"/>
-          </a:xfrm>
-          <a:prstGeom prst="rect">
-            <a:avLst/>
-          </a:prstGeom>
-        </p:spPr>
-        <p:style>
-          <a:lnRef idx="1">
-            <a:schemeClr val="accent1"/>
-          </a:lnRef>
-          <a:fillRef idx="3">
-            <a:schemeClr val="accent1"/>
-          </a:fillRef>
-          <a:effectRef idx="2">
-            <a:schemeClr val="accent1"/>
-          </a:effectRef>
-          <a:fontRef idx="minor">
-            <a:schemeClr val="lt1"/>
-          </a:fontRef>
-        </p:style>
-        <p:txBody>
-          <a:bodyPr rtlCol="0" anchor="ctr"/>
-          <a:lstStyle/>
-          <a:p>
-            <a:pPr algn="ctr"/>
-            <a:endParaRPr lang="en-US"/>
-          </a:p>
-        </p:txBody>
-      </p:sp>
-      <p:sp>
-        <p:nvSpPr>
-          <p:cNvPr id="14" name="TextBox 13"/>
-          <p:cNvSpPr txBox="1"/>
-          <p:nvPr/>
-        </p:nvSpPr>
-        <p:spPr>
-          <a:xfrm>
-            <a:off x="3419872" y="2914047"/>
-            <a:ext cx="576064" cy="369332"/>
-          </a:xfrm>
-          <a:prstGeom prst="rect">
-            <a:avLst/>
-          </a:prstGeom>
-          <a:noFill/>
-        </p:spPr>
-        <p:txBody>
-          <a:bodyPr wrap="square" rtlCol="0">
-            <a:spAutoFit/>
-          </a:bodyPr>
-          <a:lstStyle/>
-          <a:p>
-            <a:r>
-              <a:rPr lang="en-US" dirty="0">
-                <a:solidFill>
-                  <a:srgbClr val="FFFFFF"/>
-                </a:solidFill>
-              </a:rPr>
-              <a:t>L</a:t>
-            </a:r>
-            <a:r>
-              <a:rPr lang="en-US" dirty="0" smtClean="0">
-                <a:solidFill>
-                  <a:srgbClr val="FFFFFF"/>
-                </a:solidFill>
-              </a:rPr>
-              <a:t>P2</a:t>
-            </a:r>
-            <a:endParaRPr lang="en-US" dirty="0">
-              <a:solidFill>
-                <a:srgbClr val="FFFFFF"/>
-              </a:solidFill>
-            </a:endParaRPr>
-          </a:p>
-        </p:txBody>
-      </p:sp>
-      <p:sp>
-        <p:nvSpPr>
-          <p:cNvPr id="15" name="Rectangle 14"/>
-          <p:cNvSpPr/>
-          <p:nvPr/>
-        </p:nvSpPr>
-        <p:spPr>
-          <a:xfrm>
-            <a:off x="5220072" y="1224961"/>
-            <a:ext cx="1224136" cy="628273"/>
-          </a:xfrm>
-          <a:prstGeom prst="rect">
-            <a:avLst/>
-          </a:prstGeom>
-        </p:spPr>
-        <p:style>
-          <a:lnRef idx="1">
-            <a:schemeClr val="accent1"/>
-          </a:lnRef>
-          <a:fillRef idx="3">
-            <a:schemeClr val="accent1"/>
-          </a:fillRef>
-          <a:effectRef idx="2">
-            <a:schemeClr val="accent1"/>
-          </a:effectRef>
-          <a:fontRef idx="minor">
-            <a:schemeClr val="lt1"/>
-          </a:fontRef>
-        </p:style>
-        <p:txBody>
-          <a:bodyPr rtlCol="0" anchor="ctr"/>
-          <a:lstStyle/>
-          <a:p>
-            <a:pPr algn="ctr"/>
-            <a:endParaRPr lang="en-US"/>
-          </a:p>
-        </p:txBody>
-      </p:sp>
-      <p:sp>
-        <p:nvSpPr>
-          <p:cNvPr id="16" name="TextBox 15"/>
-          <p:cNvSpPr txBox="1"/>
-          <p:nvPr/>
-        </p:nvSpPr>
-        <p:spPr>
-          <a:xfrm>
-            <a:off x="5182536" y="1192720"/>
-            <a:ext cx="576064" cy="369332"/>
-          </a:xfrm>
-          <a:prstGeom prst="rect">
-            <a:avLst/>
-          </a:prstGeom>
-          <a:noFill/>
-        </p:spPr>
-        <p:txBody>
-          <a:bodyPr wrap="square" rtlCol="0">
-            <a:spAutoFit/>
-          </a:bodyPr>
-          <a:lstStyle/>
-          <a:p>
-            <a:r>
-              <a:rPr lang="en-US" dirty="0">
-                <a:solidFill>
-                  <a:schemeClr val="bg1"/>
-                </a:solidFill>
-              </a:rPr>
-              <a:t>G</a:t>
-            </a:r>
-            <a:r>
-              <a:rPr lang="en-US" dirty="0" smtClean="0">
-                <a:solidFill>
-                  <a:schemeClr val="bg1"/>
-                </a:solidFill>
-              </a:rPr>
-              <a:t>P1</a:t>
-            </a:r>
-            <a:endParaRPr lang="en-US" dirty="0">
-              <a:solidFill>
-                <a:schemeClr val="bg1"/>
-              </a:solidFill>
-            </a:endParaRPr>
-          </a:p>
-        </p:txBody>
-      </p:sp>
       <p:cxnSp>
         <p:nvCxnSpPr>
-          <p:cNvPr id="18" name="Straight Connector 17"/>
-          <p:cNvCxnSpPr>
-            <a:stCxn id="6" idx="1"/>
-            <a:endCxn id="15" idx="3"/>
-          </p:cNvCxnSpPr>
+          <p:cNvPr id="31" name="Straight Connector 30"/>
+          <p:cNvCxnSpPr/>
           <p:nvPr/>
         </p:nvCxnSpPr>
         <p:spPr>
           <a:xfrm flipH="1">
-            <a:off x="6444208" y="1063024"/>
-            <a:ext cx="1233186" cy="476074"/>
+            <a:off x="4722574" y="3385080"/>
+            <a:ext cx="2945772" cy="0"/>
           </a:xfrm>
           <a:prstGeom prst="line">
             <a:avLst/>
           </a:prstGeom>
+          <a:ln>
+            <a:headEnd type="none"/>
+            <a:tailEnd type="arrow" w="lg" len="lg"/>
+          </a:ln>
         </p:spPr>
         <p:style>
           <a:lnRef idx="2">
-            <a:schemeClr val="accent1"/>
+            <a:schemeClr val="dk1"/>
           </a:lnRef>
           <a:fillRef idx="0">
-            <a:schemeClr val="accent1"/>
+            <a:schemeClr val="dk1"/>
           </a:fillRef>
           <a:effectRef idx="1">
-            <a:schemeClr val="accent1"/>
+            <a:schemeClr val="dk1"/>
           </a:effectRef>
           <a:fontRef idx="minor">
             <a:schemeClr val="tx1"/>
           </a:fontRef>
         </p:style>
       </p:cxnSp>
-      <p:cxnSp>
-        <p:nvCxnSpPr>
-          <p:cNvPr id="19" name="Straight Connector 18"/>
-          <p:cNvCxnSpPr>
-            <a:stCxn id="7" idx="1"/>
-            <a:endCxn id="15" idx="3"/>
-          </p:cNvCxnSpPr>
-          <p:nvPr/>
-        </p:nvCxnSpPr>
-        <p:spPr>
-          <a:xfrm flipH="1" flipV="1">
-            <a:off x="6444208" y="1539098"/>
-            <a:ext cx="1238619" cy="565373"/>
-          </a:xfrm>
-          <a:prstGeom prst="line">
-            <a:avLst/>
-          </a:prstGeom>
-        </p:spPr>
-        <p:style>
-          <a:lnRef idx="2">
-            <a:schemeClr val="accent1"/>
-          </a:lnRef>
-          <a:fillRef idx="0">
-            <a:schemeClr val="accent1"/>
-          </a:fillRef>
-          <a:effectRef idx="1">
-            <a:schemeClr val="accent1"/>
-          </a:effectRef>
-          <a:fontRef idx="minor">
-            <a:schemeClr val="tx1"/>
-          </a:fontRef>
-        </p:style>
-      </p:cxnSp>
-      <p:cxnSp>
-        <p:nvCxnSpPr>
-          <p:cNvPr id="23" name="Straight Connector 22"/>
-          <p:cNvCxnSpPr>
-            <a:stCxn id="8" idx="1"/>
-            <a:endCxn id="24" idx="3"/>
-          </p:cNvCxnSpPr>
-          <p:nvPr/>
-        </p:nvCxnSpPr>
-        <p:spPr>
-          <a:xfrm flipH="1" flipV="1">
-            <a:off x="6444208" y="3242729"/>
-            <a:ext cx="1241174" cy="11911"/>
-          </a:xfrm>
-          <a:prstGeom prst="line">
-            <a:avLst/>
-          </a:prstGeom>
-        </p:spPr>
-        <p:style>
-          <a:lnRef idx="2">
-            <a:schemeClr val="accent1"/>
-          </a:lnRef>
-          <a:fillRef idx="0">
-            <a:schemeClr val="accent1"/>
-          </a:fillRef>
-          <a:effectRef idx="1">
-            <a:schemeClr val="accent1"/>
-          </a:effectRef>
-          <a:fontRef idx="minor">
-            <a:schemeClr val="tx1"/>
-          </a:fontRef>
-        </p:style>
-      </p:cxnSp>
-      <p:sp>
-        <p:nvSpPr>
-          <p:cNvPr id="24" name="Rectangle 23"/>
+      <p:sp>
+        <p:nvSpPr>
+          <p:cNvPr id="20" name="Rounded Rectangle 19"/>
           <p:cNvSpPr/>
           <p:nvPr/>
         </p:nvSpPr>
         <p:spPr>
           <a:xfrm>
-            <a:off x="5220072" y="2914047"/>
-            <a:ext cx="1224136" cy="657364"/>
-          </a:xfrm>
-          <a:prstGeom prst="rect">
+            <a:off x="827584" y="4320163"/>
+            <a:ext cx="631034" cy="439295"/>
+          </a:xfrm>
+          <a:prstGeom prst="roundRect">
             <a:avLst/>
           </a:prstGeom>
         </p:spPr>
@@ -7566,20 +7247,24 @@
           <a:lstStyle/>
           <a:p>
             <a:pPr algn="ctr"/>
-            <a:endParaRPr lang="en-US"/>
-          </a:p>
-        </p:txBody>
-      </p:sp>
-      <p:sp>
-        <p:nvSpPr>
-          <p:cNvPr id="25" name="TextBox 24"/>
+            <a:r>
+              <a:rPr lang="en-US" dirty="0" smtClean="0"/>
+              <a:t>C</a:t>
+            </a:r>
+            <a:endParaRPr lang="en-US" dirty="0"/>
+          </a:p>
+        </p:txBody>
+      </p:sp>
+      <p:sp>
+        <p:nvSpPr>
+          <p:cNvPr id="36" name="TextBox 35"/>
           <p:cNvSpPr txBox="1"/>
           <p:nvPr/>
         </p:nvSpPr>
         <p:spPr>
           <a:xfrm>
-            <a:off x="5176280" y="2842039"/>
-            <a:ext cx="576064" cy="369332"/>
+            <a:off x="7139264" y="1985648"/>
+            <a:ext cx="648072" cy="261610"/>
           </a:xfrm>
           <a:prstGeom prst="rect">
             <a:avLst/>
@@ -7592,246 +7277,25 @@
           </a:bodyPr>
           <a:lstStyle/>
           <a:p>
-            <a:r>
-              <a:rPr lang="en-US" dirty="0">
-                <a:solidFill>
-                  <a:srgbClr val="FFFFFF"/>
-                </a:solidFill>
-              </a:rPr>
-              <a:t>G</a:t>
-            </a:r>
-            <a:r>
-              <a:rPr lang="en-US" dirty="0" smtClean="0">
-                <a:solidFill>
-                  <a:srgbClr val="FFFFFF"/>
-                </a:solidFill>
-              </a:rPr>
-              <a:t>P2</a:t>
-            </a:r>
-            <a:endParaRPr lang="en-US" dirty="0">
-              <a:solidFill>
-                <a:srgbClr val="FFFFFF"/>
-              </a:solidFill>
-            </a:endParaRPr>
-          </a:p>
-        </p:txBody>
-      </p:sp>
-      <p:cxnSp>
-        <p:nvCxnSpPr>
-          <p:cNvPr id="28" name="Straight Connector 27"/>
-          <p:cNvCxnSpPr>
-            <a:stCxn id="11" idx="1"/>
-            <a:endCxn id="4" idx="3"/>
-          </p:cNvCxnSpPr>
-          <p:nvPr/>
-        </p:nvCxnSpPr>
-        <p:spPr>
-          <a:xfrm flipH="1" flipV="1">
-            <a:off x="1458618" y="1100560"/>
-            <a:ext cx="1241174" cy="438537"/>
-          </a:xfrm>
-          <a:prstGeom prst="line">
-            <a:avLst/>
-          </a:prstGeom>
-        </p:spPr>
-        <p:style>
-          <a:lnRef idx="2">
-            <a:schemeClr val="accent1"/>
-          </a:lnRef>
-          <a:fillRef idx="0">
-            <a:schemeClr val="accent1"/>
-          </a:fillRef>
-          <a:effectRef idx="1">
-            <a:schemeClr val="accent1"/>
-          </a:effectRef>
-          <a:fontRef idx="minor">
-            <a:schemeClr val="tx1"/>
-          </a:fontRef>
-        </p:style>
-      </p:cxnSp>
-      <p:cxnSp>
-        <p:nvCxnSpPr>
-          <p:cNvPr id="31" name="Straight Connector 30"/>
-          <p:cNvCxnSpPr>
-            <a:stCxn id="11" idx="1"/>
-            <a:endCxn id="5" idx="3"/>
-          </p:cNvCxnSpPr>
-          <p:nvPr/>
-        </p:nvCxnSpPr>
-        <p:spPr>
-          <a:xfrm flipH="1">
-            <a:off x="1464051" y="1539097"/>
-            <a:ext cx="1235741" cy="602910"/>
-          </a:xfrm>
-          <a:prstGeom prst="line">
-            <a:avLst/>
-          </a:prstGeom>
-        </p:spPr>
-        <p:style>
-          <a:lnRef idx="2">
-            <a:schemeClr val="accent1"/>
-          </a:lnRef>
-          <a:fillRef idx="0">
-            <a:schemeClr val="accent1"/>
-          </a:fillRef>
-          <a:effectRef idx="1">
-            <a:schemeClr val="accent1"/>
-          </a:effectRef>
-          <a:fontRef idx="minor">
-            <a:schemeClr val="tx1"/>
-          </a:fontRef>
-        </p:style>
-      </p:cxnSp>
-      <p:sp>
-        <p:nvSpPr>
-          <p:cNvPr id="20" name="Rounded Rectangle 19"/>
-          <p:cNvSpPr/>
-          <p:nvPr/>
-        </p:nvSpPr>
-        <p:spPr>
-          <a:xfrm>
-            <a:off x="827584" y="3039985"/>
-            <a:ext cx="631034" cy="439295"/>
-          </a:xfrm>
-          <a:prstGeom prst="roundRect">
-            <a:avLst/>
-          </a:prstGeom>
-        </p:spPr>
-        <p:style>
-          <a:lnRef idx="1">
-            <a:schemeClr val="accent1"/>
-          </a:lnRef>
-          <a:fillRef idx="3">
-            <a:schemeClr val="accent1"/>
-          </a:fillRef>
-          <a:effectRef idx="2">
-            <a:schemeClr val="accent1"/>
-          </a:effectRef>
-          <a:fontRef idx="minor">
-            <a:schemeClr val="lt1"/>
-          </a:fontRef>
-        </p:style>
-        <p:txBody>
-          <a:bodyPr rtlCol="0" anchor="ctr"/>
-          <a:lstStyle/>
-          <a:p>
             <a:pPr algn="ctr"/>
             <a:r>
-              <a:rPr lang="en-US" dirty="0"/>
-              <a:t>C</a:t>
-            </a:r>
-          </a:p>
-        </p:txBody>
-      </p:sp>
-      <p:cxnSp>
-        <p:nvCxnSpPr>
-          <p:cNvPr id="21" name="Straight Connector 20"/>
-          <p:cNvCxnSpPr>
-            <a:stCxn id="13" idx="1"/>
-            <a:endCxn id="20" idx="3"/>
-          </p:cNvCxnSpPr>
-          <p:nvPr/>
-        </p:nvCxnSpPr>
-        <p:spPr>
-          <a:xfrm flipH="1">
-            <a:off x="1458618" y="3255778"/>
-            <a:ext cx="1241174" cy="3855"/>
-          </a:xfrm>
-          <a:prstGeom prst="line">
-            <a:avLst/>
-          </a:prstGeom>
-        </p:spPr>
-        <p:style>
-          <a:lnRef idx="2">
-            <a:schemeClr val="accent1"/>
-          </a:lnRef>
-          <a:fillRef idx="0">
-            <a:schemeClr val="accent1"/>
-          </a:fillRef>
-          <a:effectRef idx="1">
-            <a:schemeClr val="accent1"/>
-          </a:effectRef>
-          <a:fontRef idx="minor">
-            <a:schemeClr val="tx1"/>
-          </a:fontRef>
-        </p:style>
-      </p:cxnSp>
-      <p:cxnSp>
-        <p:nvCxnSpPr>
-          <p:cNvPr id="26" name="Straight Connector 25"/>
-          <p:cNvCxnSpPr>
-            <a:stCxn id="15" idx="1"/>
-            <a:endCxn id="11" idx="3"/>
-          </p:cNvCxnSpPr>
-          <p:nvPr/>
-        </p:nvCxnSpPr>
-        <p:spPr>
-          <a:xfrm flipH="1" flipV="1">
-            <a:off x="3923928" y="1539097"/>
-            <a:ext cx="1296144" cy="1"/>
-          </a:xfrm>
-          <a:prstGeom prst="line">
-            <a:avLst/>
-          </a:prstGeom>
-        </p:spPr>
-        <p:style>
-          <a:lnRef idx="2">
-            <a:schemeClr val="accent1"/>
-          </a:lnRef>
-          <a:fillRef idx="0">
-            <a:schemeClr val="accent1"/>
-          </a:fillRef>
-          <a:effectRef idx="1">
-            <a:schemeClr val="accent1"/>
-          </a:effectRef>
-          <a:fontRef idx="minor">
-            <a:schemeClr val="tx1"/>
-          </a:fontRef>
-        </p:style>
-      </p:cxnSp>
-      <p:cxnSp>
-        <p:nvCxnSpPr>
-          <p:cNvPr id="29" name="Straight Connector 28"/>
-          <p:cNvCxnSpPr>
-            <a:stCxn id="24" idx="1"/>
-            <a:endCxn id="13" idx="3"/>
-          </p:cNvCxnSpPr>
-          <p:nvPr/>
-        </p:nvCxnSpPr>
-        <p:spPr>
-          <a:xfrm flipH="1">
-            <a:off x="3923928" y="3242729"/>
-            <a:ext cx="1296144" cy="13049"/>
-          </a:xfrm>
-          <a:prstGeom prst="line">
-            <a:avLst/>
-          </a:prstGeom>
-        </p:spPr>
-        <p:style>
-          <a:lnRef idx="2">
-            <a:schemeClr val="accent1"/>
-          </a:lnRef>
-          <a:fillRef idx="0">
-            <a:schemeClr val="accent1"/>
-          </a:fillRef>
-          <a:effectRef idx="1">
-            <a:schemeClr val="accent1"/>
-          </a:effectRef>
-          <a:fontRef idx="minor">
-            <a:schemeClr val="tx1"/>
-          </a:fontRef>
-        </p:style>
-      </p:cxnSp>
-      <p:sp>
-        <p:nvSpPr>
-          <p:cNvPr id="27" name="TextBox 26"/>
+              <a:rPr lang="en-US" sz="1100" dirty="0" smtClean="0"/>
+              <a:t>URL-X</a:t>
+            </a:r>
+            <a:endParaRPr lang="en-US" sz="1100" dirty="0"/>
+          </a:p>
+        </p:txBody>
+      </p:sp>
+      <p:sp>
+        <p:nvSpPr>
+          <p:cNvPr id="37" name="TextBox 36"/>
           <p:cNvSpPr txBox="1"/>
           <p:nvPr/>
         </p:nvSpPr>
         <p:spPr>
           <a:xfrm>
-            <a:off x="6403480" y="1050830"/>
-            <a:ext cx="841026" cy="261610"/>
+            <a:off x="7145520" y="3385080"/>
+            <a:ext cx="648072" cy="261610"/>
           </a:xfrm>
           <a:prstGeom prst="rect">
             <a:avLst/>
@@ -7844,9 +7308,10 @@
           </a:bodyPr>
           <a:lstStyle/>
           <a:p>
+            <a:pPr algn="ctr"/>
             <a:r>
               <a:rPr lang="en-US" sz="1100" dirty="0" smtClean="0"/>
-              <a:t>URL-GP1-C</a:t>
+              <a:t>URL-Y</a:t>
             </a:r>
             <a:endParaRPr lang="en-US" sz="1100" dirty="0"/>
           </a:p>
@@ -7854,14 +7319,14 @@
       </p:sp>
       <p:sp>
         <p:nvSpPr>
-          <p:cNvPr id="30" name="TextBox 29"/>
+          <p:cNvPr id="38" name="TextBox 37"/>
           <p:cNvSpPr txBox="1"/>
           <p:nvPr/>
         </p:nvSpPr>
         <p:spPr>
           <a:xfrm>
-            <a:off x="6406525" y="920845"/>
-            <a:ext cx="841027" cy="261610"/>
+            <a:off x="1347344" y="3452230"/>
+            <a:ext cx="648072" cy="261610"/>
           </a:xfrm>
           <a:prstGeom prst="rect">
             <a:avLst/>
@@ -7874,183 +7339,6 @@
           </a:bodyPr>
           <a:lstStyle/>
           <a:p>
-            <a:r>
-              <a:rPr lang="en-US" sz="1100" dirty="0" smtClean="0"/>
-              <a:t>URL-GP1-B</a:t>
-            </a:r>
-            <a:endParaRPr lang="en-US" sz="1100" dirty="0"/>
-          </a:p>
-        </p:txBody>
-      </p:sp>
-      <p:sp>
-        <p:nvSpPr>
-          <p:cNvPr id="34" name="TextBox 33"/>
-          <p:cNvSpPr txBox="1"/>
-          <p:nvPr/>
-        </p:nvSpPr>
-        <p:spPr>
-          <a:xfrm>
-            <a:off x="434964" y="3801814"/>
-            <a:ext cx="4209044" cy="707886"/>
-          </a:xfrm>
-          <a:prstGeom prst="rect">
-            <a:avLst/>
-          </a:prstGeom>
-          <a:noFill/>
-        </p:spPr>
-        <p:txBody>
-          <a:bodyPr wrap="square" rtlCol="0">
-            <a:spAutoFit/>
-          </a:bodyPr>
-          <a:lstStyle/>
-          <a:p>
-            <a:r>
-              <a:rPr lang="ja-JP" altLang="en-US" sz="1600" dirty="0" smtClean="0">
-                <a:latin typeface="ＭＳ Ｐゴシック"/>
-                <a:ea typeface="ＭＳ Ｐゴシック"/>
-                <a:cs typeface="ＭＳ Ｐゴシック"/>
-              </a:rPr>
-              <a:t>内外</a:t>
-            </a:r>
-            <a:r>
-              <a:rPr lang="en-US" altLang="ja-JP" sz="1600" dirty="0" smtClean="0">
-                <a:latin typeface="ＭＳ Ｐゴシック"/>
-                <a:ea typeface="ＭＳ Ｐゴシック"/>
-                <a:cs typeface="ＭＳ Ｐゴシック"/>
-              </a:rPr>
-              <a:t>Proxy</a:t>
-            </a:r>
-            <a:r>
-              <a:rPr lang="ja-JP" altLang="en-US" sz="1600" dirty="0" smtClean="0">
-                <a:latin typeface="ＭＳ Ｐゴシック"/>
-                <a:ea typeface="ＭＳ Ｐゴシック"/>
-                <a:cs typeface="ＭＳ Ｐゴシック"/>
-              </a:rPr>
-              <a:t>方式＆外中仮想</a:t>
-            </a:r>
-            <a:r>
-              <a:rPr lang="en-US" altLang="ja-JP" sz="1600" dirty="0" smtClean="0">
-                <a:latin typeface="ＭＳ Ｐゴシック"/>
-                <a:ea typeface="ＭＳ Ｐゴシック"/>
-                <a:cs typeface="ＭＳ Ｐゴシック"/>
-              </a:rPr>
-              <a:t>URL</a:t>
-            </a:r>
-            <a:r>
-              <a:rPr lang="ja-JP" altLang="en-US" sz="1600" dirty="0" smtClean="0">
-                <a:latin typeface="ＭＳ Ｐゴシック"/>
-                <a:ea typeface="ＭＳ Ｐゴシック"/>
-                <a:cs typeface="ＭＳ Ｐゴシック"/>
-              </a:rPr>
-              <a:t>方式</a:t>
-            </a:r>
-            <a:endParaRPr lang="en-US" altLang="ja-JP" sz="1600" dirty="0" smtClean="0">
-              <a:latin typeface="ＭＳ Ｐゴシック"/>
-              <a:ea typeface="ＭＳ Ｐゴシック"/>
-              <a:cs typeface="ＭＳ Ｐゴシック"/>
-            </a:endParaRPr>
-          </a:p>
-          <a:p>
-            <a:r>
-              <a:rPr lang="ja-JP" altLang="en-US" sz="1200" dirty="0" smtClean="0">
-                <a:latin typeface="ＭＳ Ｐゴシック"/>
-                <a:ea typeface="ＭＳ Ｐゴシック"/>
-                <a:cs typeface="ＭＳ Ｐゴシック"/>
-              </a:rPr>
-              <a:t>プロキシをコンポーネントの外部で行えれば、コンポーネントに変更は必要ない。</a:t>
-            </a:r>
-            <a:endParaRPr lang="en-US" sz="1200" dirty="0" smtClean="0">
-              <a:latin typeface="ＭＳ Ｐゴシック"/>
-              <a:ea typeface="ＭＳ Ｐゴシック"/>
-              <a:cs typeface="ＭＳ Ｐゴシック"/>
-            </a:endParaRPr>
-          </a:p>
-        </p:txBody>
-      </p:sp>
-      <p:sp>
-        <p:nvSpPr>
-          <p:cNvPr id="36" name="TextBox 35"/>
-          <p:cNvSpPr txBox="1"/>
-          <p:nvPr/>
-        </p:nvSpPr>
-        <p:spPr>
-          <a:xfrm>
-            <a:off x="7139264" y="705470"/>
-            <a:ext cx="648072" cy="261610"/>
-          </a:xfrm>
-          <a:prstGeom prst="rect">
-            <a:avLst/>
-          </a:prstGeom>
-          <a:noFill/>
-        </p:spPr>
-        <p:txBody>
-          <a:bodyPr wrap="square" rtlCol="0">
-            <a:spAutoFit/>
-          </a:bodyPr>
-          <a:lstStyle/>
-          <a:p>
-            <a:pPr algn="ctr"/>
-            <a:r>
-              <a:rPr lang="en-US" sz="1100" dirty="0" smtClean="0"/>
-              <a:t>URL-X</a:t>
-            </a:r>
-            <a:endParaRPr lang="en-US" sz="1100" dirty="0"/>
-          </a:p>
-        </p:txBody>
-      </p:sp>
-      <p:sp>
-        <p:nvSpPr>
-          <p:cNvPr id="37" name="TextBox 36"/>
-          <p:cNvSpPr txBox="1"/>
-          <p:nvPr/>
-        </p:nvSpPr>
-        <p:spPr>
-          <a:xfrm>
-            <a:off x="7145520" y="2104902"/>
-            <a:ext cx="648072" cy="261610"/>
-          </a:xfrm>
-          <a:prstGeom prst="rect">
-            <a:avLst/>
-          </a:prstGeom>
-          <a:noFill/>
-        </p:spPr>
-        <p:txBody>
-          <a:bodyPr wrap="square" rtlCol="0">
-            <a:spAutoFit/>
-          </a:bodyPr>
-          <a:lstStyle/>
-          <a:p>
-            <a:pPr algn="ctr"/>
-            <a:r>
-              <a:rPr lang="en-US" sz="1100" dirty="0" smtClean="0"/>
-              <a:t>URL-Y</a:t>
-            </a:r>
-            <a:endParaRPr lang="en-US" sz="1100" dirty="0"/>
-          </a:p>
-        </p:txBody>
-      </p:sp>
-      <p:sp>
-        <p:nvSpPr>
-          <p:cNvPr id="38" name="TextBox 37"/>
-          <p:cNvSpPr txBox="1"/>
-          <p:nvPr/>
-        </p:nvSpPr>
-        <p:spPr>
-          <a:xfrm>
-            <a:off x="1347344" y="2172052"/>
-            <a:ext cx="648072" cy="261610"/>
-          </a:xfrm>
-          <a:prstGeom prst="rect">
-            <a:avLst/>
-          </a:prstGeom>
-          <a:noFill/>
-        </p:spPr>
-        <p:txBody>
-          <a:bodyPr wrap="square" rtlCol="0">
-            <a:spAutoFit/>
-          </a:bodyPr>
-          <a:lstStyle/>
-          <a:p>
             <a:pPr algn="ctr"/>
             <a:r>
               <a:rPr lang="en-US" sz="1100" dirty="0" smtClean="0"/>
@@ -8068,7 +7356,7 @@
         </p:nvSpPr>
         <p:spPr>
           <a:xfrm>
-            <a:off x="1344152" y="783734"/>
+            <a:off x="1344152" y="2063912"/>
             <a:ext cx="648072" cy="261610"/>
           </a:xfrm>
           <a:prstGeom prst="rect">
@@ -8099,7 +7387,7 @@
         </p:nvGrpSpPr>
         <p:grpSpPr>
           <a:xfrm>
-            <a:off x="539552" y="768186"/>
+            <a:off x="539552" y="2048364"/>
             <a:ext cx="4032448" cy="1737484"/>
             <a:chOff x="395536" y="546902"/>
             <a:chExt cx="4176464" cy="1737484"/>
@@ -8186,7 +7474,7 @@
         </p:nvGrpSpPr>
         <p:grpSpPr>
           <a:xfrm>
-            <a:off x="539552" y="2657200"/>
+            <a:off x="539552" y="3937378"/>
             <a:ext cx="4032448" cy="1147806"/>
             <a:chOff x="395536" y="2500410"/>
             <a:chExt cx="4176464" cy="931765"/>
@@ -8267,14 +7555,14 @@
       </p:grpSp>
       <p:sp>
         <p:nvSpPr>
-          <p:cNvPr id="47" name="TextBox 46"/>
+          <p:cNvPr id="49" name="TextBox 48"/>
           <p:cNvSpPr txBox="1"/>
           <p:nvPr/>
         </p:nvSpPr>
         <p:spPr>
           <a:xfrm>
-            <a:off x="6398334" y="2728559"/>
-            <a:ext cx="856730" cy="261610"/>
+            <a:off x="1344152" y="4174737"/>
+            <a:ext cx="648072" cy="261610"/>
           </a:xfrm>
           <a:prstGeom prst="rect">
             <a:avLst/>
@@ -8287,9 +7575,10 @@
           </a:bodyPr>
           <a:lstStyle/>
           <a:p>
+            <a:pPr algn="ctr"/>
             <a:r>
               <a:rPr lang="en-US" sz="1100" dirty="0" smtClean="0"/>
-              <a:t>URL-GP2-C</a:t>
+              <a:t>URL-C</a:t>
             </a:r>
             <a:endParaRPr lang="en-US" sz="1100" dirty="0"/>
           </a:p>
@@ -8297,14 +7586,14 @@
       </p:sp>
       <p:sp>
         <p:nvSpPr>
-          <p:cNvPr id="48" name="TextBox 47"/>
+          <p:cNvPr id="3" name="TextBox 2"/>
           <p:cNvSpPr txBox="1"/>
           <p:nvPr/>
         </p:nvSpPr>
         <p:spPr>
           <a:xfrm>
-            <a:off x="7139264" y="2885267"/>
-            <a:ext cx="648072" cy="261610"/>
+            <a:off x="179951" y="5301208"/>
+            <a:ext cx="8892480" cy="954107"/>
           </a:xfrm>
           <a:prstGeom prst="rect">
             <a:avLst/>
@@ -8317,25 +7606,58 @@
           </a:bodyPr>
           <a:lstStyle/>
           <a:p>
-            <a:pPr algn="ctr"/>
-            <a:r>
-              <a:rPr lang="en-US" sz="1100" dirty="0" smtClean="0"/>
-              <a:t>URL-X</a:t>
-            </a:r>
-            <a:endParaRPr lang="en-US" sz="1100" dirty="0"/>
-          </a:p>
-        </p:txBody>
-      </p:sp>
-      <p:sp>
-        <p:nvSpPr>
-          <p:cNvPr id="49" name="TextBox 48"/>
+            <a:r>
+              <a:rPr lang="en-US" altLang="ja-JP" sz="1400" dirty="0"/>
+              <a:t>Currently, IEEE1888 system can not deal with the following requirements:</a:t>
+            </a:r>
+          </a:p>
+          <a:p>
+            <a:r>
+              <a:rPr lang="en-US" altLang="ja-JP" sz="1400" dirty="0" smtClean="0"/>
+              <a:t>- access </a:t>
+            </a:r>
+            <a:r>
+              <a:rPr lang="en-US" altLang="ja-JP" sz="1400" dirty="0"/>
+              <a:t>to the inside of a border box from the outside.</a:t>
+            </a:r>
+          </a:p>
+          <a:p>
+            <a:r>
+              <a:rPr lang="en-US" altLang="ja-JP" sz="1400" dirty="0" smtClean="0"/>
+              <a:t>- access </a:t>
+            </a:r>
+            <a:r>
+              <a:rPr lang="en-US" altLang="ja-JP" sz="1400" dirty="0"/>
+              <a:t>to a component behind of a border box from another component behind of another border box.</a:t>
+            </a:r>
+          </a:p>
+          <a:p>
+            <a:r>
+              <a:rPr lang="en-US" altLang="ja-JP" sz="1400" dirty="0" smtClean="0"/>
+              <a:t>- access </a:t>
+            </a:r>
+            <a:r>
+              <a:rPr lang="en-US" altLang="ja-JP" sz="1400" dirty="0"/>
+              <a:t>to a component in the network from the other network, where there is no direct network route between them</a:t>
+            </a:r>
+            <a:r>
+              <a:rPr lang="en-US" altLang="ja-JP" sz="1400" dirty="0" smtClean="0"/>
+              <a:t>.</a:t>
+            </a:r>
+            <a:endParaRPr lang="en-US" altLang="ja-JP" sz="1400" dirty="0"/>
+          </a:p>
+        </p:txBody>
+      </p:sp>
+      <p:sp>
+        <p:nvSpPr>
+          <p:cNvPr id="112" name="TextBox 111"/>
           <p:cNvSpPr txBox="1"/>
           <p:nvPr/>
         </p:nvSpPr>
         <p:spPr>
           <a:xfrm>
-            <a:off x="1344152" y="2894559"/>
-            <a:ext cx="648072" cy="261610"/>
+            <a:off x="3635896" y="1900866"/>
+            <a:ext cx="792088" cy="369332"/>
           </a:xfrm>
           <a:prstGeom prst="rect">
             <a:avLst/>
@@ -8348,25 +7670,24 @@
           </a:bodyPr>
           <a:lstStyle/>
           <a:p>
-            <a:pPr algn="ctr"/>
-            <a:r>
-              <a:rPr lang="en-US" sz="1100" dirty="0" smtClean="0"/>
-              <a:t>URL-C</a:t>
-            </a:r>
-            <a:endParaRPr lang="en-US" sz="1100" dirty="0"/>
-          </a:p>
-        </p:txBody>
-      </p:sp>
-      <p:sp>
-        <p:nvSpPr>
-          <p:cNvPr id="53" name="TextBox 52"/>
+            <a:r>
+              <a:rPr lang="en-US" dirty="0" smtClean="0"/>
+              <a:t>Net-P</a:t>
+            </a:r>
+            <a:endParaRPr lang="en-US" dirty="0"/>
+          </a:p>
+        </p:txBody>
+      </p:sp>
+      <p:sp>
+        <p:nvSpPr>
+          <p:cNvPr id="113" name="TextBox 112"/>
           <p:cNvSpPr txBox="1"/>
           <p:nvPr/>
         </p:nvSpPr>
         <p:spPr>
           <a:xfrm>
-            <a:off x="2065450" y="1079158"/>
-            <a:ext cx="792038" cy="261610"/>
+            <a:off x="3635896" y="4699886"/>
+            <a:ext cx="792088" cy="369332"/>
           </a:xfrm>
           <a:prstGeom prst="rect">
             <a:avLst/>
@@ -8380,202 +7701,395 @@
           <a:lstStyle/>
           <a:p>
             <a:r>
-              <a:rPr lang="en-US" sz="1100" dirty="0" smtClean="0"/>
-              <a:t>URL-LP1</a:t>
-            </a:r>
-            <a:endParaRPr lang="en-US" sz="1100" dirty="0"/>
-          </a:p>
-        </p:txBody>
-      </p:sp>
-      <p:sp>
-        <p:nvSpPr>
-          <p:cNvPr id="54" name="TextBox 53"/>
-          <p:cNvSpPr txBox="1"/>
-          <p:nvPr/>
-        </p:nvSpPr>
-        <p:spPr>
-          <a:xfrm>
-            <a:off x="2070512" y="2879358"/>
-            <a:ext cx="773296" cy="261610"/>
-          </a:xfrm>
-          <a:prstGeom prst="rect">
-            <a:avLst/>
-          </a:prstGeom>
-          <a:noFill/>
-        </p:spPr>
-        <p:txBody>
-          <a:bodyPr wrap="square" rtlCol="0">
-            <a:spAutoFit/>
-          </a:bodyPr>
-          <a:lstStyle/>
-          <a:p>
-            <a:r>
-              <a:rPr lang="en-US" sz="1100" dirty="0" smtClean="0"/>
-              <a:t>URL-LP2</a:t>
-            </a:r>
-            <a:endParaRPr lang="en-US" sz="1100" dirty="0"/>
-          </a:p>
-        </p:txBody>
-      </p:sp>
-      <p:sp>
-        <p:nvSpPr>
-          <p:cNvPr id="56" name="TextBox 55"/>
-          <p:cNvSpPr txBox="1"/>
-          <p:nvPr/>
-        </p:nvSpPr>
-        <p:spPr>
-          <a:xfrm>
-            <a:off x="1259632" y="4526010"/>
-            <a:ext cx="3672408" cy="923330"/>
-          </a:xfrm>
-          <a:prstGeom prst="rect">
-            <a:avLst/>
-          </a:prstGeom>
-          <a:noFill/>
-        </p:spPr>
-        <p:txBody>
-          <a:bodyPr wrap="square" rtlCol="0">
-            <a:spAutoFit/>
-          </a:bodyPr>
-          <a:lstStyle/>
-          <a:p>
-            <a:r>
-              <a:rPr lang="en-US" sz="900" b="1" dirty="0" err="1" smtClean="0">
-                <a:latin typeface="Courier"/>
-                <a:cs typeface="Courier"/>
-              </a:rPr>
-              <a:t>A</a:t>
-            </a:r>
-            <a:r>
-              <a:rPr lang="en-US" sz="900" b="1" dirty="0" err="1" smtClean="0">
-                <a:latin typeface="Courier"/>
-                <a:cs typeface="Courier"/>
-                <a:sym typeface="Wingdings"/>
-              </a:rPr>
-              <a:t>X</a:t>
-            </a:r>
-            <a:endParaRPr lang="en-US" sz="900" b="1" dirty="0">
-              <a:latin typeface="Courier"/>
-              <a:cs typeface="Courier"/>
-              <a:sym typeface="Wingdings"/>
-            </a:endParaRPr>
-          </a:p>
-          <a:p>
-            <a:r>
-              <a:rPr lang="en-US" sz="900" dirty="0" smtClean="0">
-                <a:latin typeface="Courier"/>
-                <a:cs typeface="Courier"/>
-                <a:sym typeface="Wingdings"/>
-              </a:rPr>
-              <a:t>http://&lt;URL-X&gt;-_-&lt;URL-LP1&gt;/</a:t>
-            </a:r>
-          </a:p>
-          <a:p>
-            <a:r>
-              <a:rPr lang="en-US" sz="900" dirty="0">
-                <a:latin typeface="Courier"/>
-                <a:cs typeface="Courier"/>
-                <a:sym typeface="Wingdings"/>
-              </a:rPr>
-              <a:t>	</a:t>
-            </a:r>
-            <a:r>
-              <a:rPr lang="en-US" sz="900" dirty="0" smtClean="0">
-                <a:latin typeface="Courier"/>
-                <a:cs typeface="Courier"/>
-                <a:sym typeface="Wingdings"/>
-              </a:rPr>
-              <a:t>A&lt;URL-X&gt; via GP1</a:t>
-            </a:r>
-          </a:p>
-          <a:p>
-            <a:r>
-              <a:rPr lang="en-US" sz="900" b="1" dirty="0" err="1" smtClean="0">
-                <a:latin typeface="Courier"/>
-                <a:cs typeface="Courier"/>
-                <a:sym typeface="Wingdings"/>
-              </a:rPr>
-              <a:t>AC</a:t>
-            </a:r>
-            <a:endParaRPr lang="en-US" sz="900" b="1" dirty="0" smtClean="0">
-              <a:latin typeface="Courier"/>
-              <a:cs typeface="Courier"/>
-              <a:sym typeface="Wingdings"/>
-            </a:endParaRPr>
-          </a:p>
-          <a:p>
-            <a:r>
-              <a:rPr lang="en-US" sz="900" dirty="0" smtClean="0">
-                <a:latin typeface="Courier"/>
-                <a:cs typeface="Courier"/>
-                <a:sym typeface="Wingdings"/>
-              </a:rPr>
-              <a:t>http://&lt;URL-GP1-C&gt;-_-&lt;URL-LP1&gt;/</a:t>
-            </a:r>
-          </a:p>
-          <a:p>
-            <a:r>
-              <a:rPr lang="en-US" sz="900" dirty="0">
-                <a:latin typeface="Courier"/>
-                <a:cs typeface="Courier"/>
-                <a:sym typeface="Wingdings"/>
-              </a:rPr>
-              <a:t>	</a:t>
-            </a:r>
-            <a:r>
-              <a:rPr lang="en-US" sz="900" dirty="0" smtClean="0">
-                <a:latin typeface="Courier"/>
-                <a:cs typeface="Courier"/>
-                <a:sym typeface="Wingdings"/>
-              </a:rPr>
-              <a:t>A&lt;URL-GP1-C&gt; via GP1</a:t>
-            </a:r>
-          </a:p>
-        </p:txBody>
-      </p:sp>
+              <a:rPr lang="en-US" dirty="0" smtClean="0"/>
+              <a:t>Net-Q</a:t>
+            </a:r>
+            <a:endParaRPr lang="en-US" dirty="0"/>
+          </a:p>
+        </p:txBody>
+      </p:sp>
+      <p:grpSp>
+        <p:nvGrpSpPr>
+          <p:cNvPr id="33" name="Group 32"/>
+          <p:cNvGrpSpPr/>
+          <p:nvPr/>
+        </p:nvGrpSpPr>
+        <p:grpSpPr>
+          <a:xfrm>
+            <a:off x="4427984" y="4042591"/>
+            <a:ext cx="294589" cy="932339"/>
+            <a:chOff x="4427984" y="990020"/>
+            <a:chExt cx="294589" cy="932339"/>
+          </a:xfrm>
+        </p:grpSpPr>
+        <p:sp>
+          <p:nvSpPr>
+            <p:cNvPr id="22" name="Rectangle 21"/>
+            <p:cNvSpPr/>
+            <p:nvPr/>
+          </p:nvSpPr>
+          <p:spPr>
+            <a:xfrm>
+              <a:off x="4427984" y="990020"/>
+              <a:ext cx="288032" cy="932339"/>
+            </a:xfrm>
+            <a:prstGeom prst="rect">
+              <a:avLst/>
+            </a:prstGeom>
+          </p:spPr>
+          <p:style>
+            <a:lnRef idx="1">
+              <a:schemeClr val="accent2"/>
+            </a:lnRef>
+            <a:fillRef idx="2">
+              <a:schemeClr val="accent2"/>
+            </a:fillRef>
+            <a:effectRef idx="1">
+              <a:schemeClr val="accent2"/>
+            </a:effectRef>
+            <a:fontRef idx="minor">
+              <a:schemeClr val="dk1"/>
+            </a:fontRef>
+          </p:style>
+          <p:txBody>
+            <a:bodyPr rtlCol="0" anchor="ctr"/>
+            <a:lstStyle/>
+            <a:p>
+              <a:pPr algn="ctr"/>
+              <a:endParaRPr lang="en-US"/>
+            </a:p>
+          </p:txBody>
+        </p:sp>
+        <p:sp>
+          <p:nvSpPr>
+            <p:cNvPr id="32" name="TextBox 31"/>
+            <p:cNvSpPr txBox="1"/>
+            <p:nvPr/>
+          </p:nvSpPr>
+          <p:spPr>
+            <a:xfrm rot="5400000">
+              <a:off x="4191721" y="1317730"/>
+              <a:ext cx="784706" cy="276999"/>
+            </a:xfrm>
+            <a:prstGeom prst="rect">
+              <a:avLst/>
+            </a:prstGeom>
+            <a:noFill/>
+          </p:spPr>
+          <p:txBody>
+            <a:bodyPr wrap="square" rtlCol="0">
+              <a:spAutoFit/>
+            </a:bodyPr>
+            <a:lstStyle/>
+            <a:p>
+              <a:pPr algn="ctr"/>
+              <a:r>
+                <a:rPr lang="en-US" sz="1200" dirty="0" smtClean="0"/>
+                <a:t>FW/NAT</a:t>
+              </a:r>
+              <a:endParaRPr lang="en-US" sz="1200" dirty="0"/>
+            </a:p>
+          </p:txBody>
+        </p:sp>
+      </p:grpSp>
+      <p:grpSp>
+        <p:nvGrpSpPr>
+          <p:cNvPr id="58" name="Group 57"/>
+          <p:cNvGrpSpPr/>
+          <p:nvPr/>
+        </p:nvGrpSpPr>
+        <p:grpSpPr>
+          <a:xfrm>
+            <a:off x="4427984" y="2161090"/>
+            <a:ext cx="294589" cy="1513931"/>
+            <a:chOff x="4427984" y="990020"/>
+            <a:chExt cx="294589" cy="932339"/>
+          </a:xfrm>
+        </p:grpSpPr>
+        <p:sp>
+          <p:nvSpPr>
+            <p:cNvPr id="59" name="Rectangle 58"/>
+            <p:cNvSpPr/>
+            <p:nvPr/>
+          </p:nvSpPr>
+          <p:spPr>
+            <a:xfrm>
+              <a:off x="4427984" y="990020"/>
+              <a:ext cx="288032" cy="932339"/>
+            </a:xfrm>
+            <a:prstGeom prst="rect">
+              <a:avLst/>
+            </a:prstGeom>
+          </p:spPr>
+          <p:style>
+            <a:lnRef idx="1">
+              <a:schemeClr val="accent2"/>
+            </a:lnRef>
+            <a:fillRef idx="2">
+              <a:schemeClr val="accent2"/>
+            </a:fillRef>
+            <a:effectRef idx="1">
+              <a:schemeClr val="accent2"/>
+            </a:effectRef>
+            <a:fontRef idx="minor">
+              <a:schemeClr val="dk1"/>
+            </a:fontRef>
+          </p:style>
+          <p:txBody>
+            <a:bodyPr rtlCol="0" anchor="ctr"/>
+            <a:lstStyle/>
+            <a:p>
+              <a:pPr algn="ctr"/>
+              <a:endParaRPr lang="en-US"/>
+            </a:p>
+          </p:txBody>
+        </p:sp>
+        <p:sp>
+          <p:nvSpPr>
+            <p:cNvPr id="61" name="TextBox 60"/>
+            <p:cNvSpPr txBox="1"/>
+            <p:nvPr/>
+          </p:nvSpPr>
+          <p:spPr>
+            <a:xfrm rot="5400000">
+              <a:off x="4191721" y="1317730"/>
+              <a:ext cx="784706" cy="276999"/>
+            </a:xfrm>
+            <a:prstGeom prst="rect">
+              <a:avLst/>
+            </a:prstGeom>
+            <a:noFill/>
+          </p:spPr>
+          <p:txBody>
+            <a:bodyPr wrap="square" rtlCol="0">
+              <a:spAutoFit/>
+            </a:bodyPr>
+            <a:lstStyle/>
+            <a:p>
+              <a:pPr algn="ctr"/>
+              <a:r>
+                <a:rPr lang="en-US" sz="1200" dirty="0" smtClean="0"/>
+                <a:t>FW/NAT</a:t>
+              </a:r>
+              <a:endParaRPr lang="en-US" sz="1200" dirty="0"/>
+            </a:p>
+          </p:txBody>
+        </p:sp>
+      </p:grpSp>
       <p:cxnSp>
         <p:nvCxnSpPr>
-          <p:cNvPr id="57" name="Straight Connector 56"/>
-          <p:cNvCxnSpPr>
-            <a:stCxn id="15" idx="1"/>
-            <a:endCxn id="13" idx="3"/>
-          </p:cNvCxnSpPr>
+          <p:cNvPr id="28" name="Straight Connector 27"/>
+          <p:cNvCxnSpPr/>
           <p:nvPr/>
         </p:nvCxnSpPr>
         <p:spPr>
-          <a:xfrm flipH="1">
-            <a:off x="3923928" y="1539098"/>
-            <a:ext cx="1296144" cy="1716680"/>
+          <a:xfrm>
+            <a:off x="1475656" y="2380738"/>
+            <a:ext cx="6192688" cy="0"/>
           </a:xfrm>
           <a:prstGeom prst="line">
             <a:avLst/>
           </a:prstGeom>
+          <a:ln>
+            <a:headEnd type="none"/>
+            <a:tailEnd type="arrow" w="lg" len="lg"/>
+          </a:ln>
         </p:spPr>
         <p:style>
           <a:lnRef idx="2">
-            <a:schemeClr val="accent1"/>
+            <a:schemeClr val="dk1"/>
           </a:lnRef>
           <a:fillRef idx="0">
-            <a:schemeClr val="accent1"/>
+            <a:schemeClr val="dk1"/>
           </a:fillRef>
           <a:effectRef idx="1">
-            <a:schemeClr val="accent1"/>
+            <a:schemeClr val="dk1"/>
           </a:effectRef>
           <a:fontRef idx="minor">
             <a:schemeClr val="tx1"/>
           </a:fontRef>
         </p:style>
       </p:cxnSp>
-      <p:sp>
-        <p:nvSpPr>
-          <p:cNvPr id="60" name="TextBox 59"/>
+      <p:grpSp>
+        <p:nvGrpSpPr>
+          <p:cNvPr id="68" name="Group 67"/>
+          <p:cNvGrpSpPr/>
+          <p:nvPr/>
+        </p:nvGrpSpPr>
+        <p:grpSpPr>
+          <a:xfrm>
+            <a:off x="1475656" y="3435314"/>
+            <a:ext cx="2592288" cy="5168"/>
+            <a:chOff x="1475656" y="2155136"/>
+            <a:chExt cx="2592288" cy="5168"/>
+          </a:xfrm>
+        </p:grpSpPr>
+        <p:cxnSp>
+          <p:nvCxnSpPr>
+            <p:cNvPr id="62" name="Straight Connector 61"/>
+            <p:cNvCxnSpPr/>
+            <p:nvPr/>
+          </p:nvCxnSpPr>
+          <p:spPr>
+            <a:xfrm>
+              <a:off x="1475656" y="2155136"/>
+              <a:ext cx="1512168" cy="0"/>
+            </a:xfrm>
+            <a:prstGeom prst="line">
+              <a:avLst/>
+            </a:prstGeom>
+            <a:ln>
+              <a:headEnd type="none"/>
+              <a:tailEnd type="none" w="lg" len="lg"/>
+            </a:ln>
+          </p:spPr>
+          <p:style>
+            <a:lnRef idx="2">
+              <a:schemeClr val="dk1"/>
+            </a:lnRef>
+            <a:fillRef idx="0">
+              <a:schemeClr val="dk1"/>
+            </a:fillRef>
+            <a:effectRef idx="1">
+              <a:schemeClr val="dk1"/>
+            </a:effectRef>
+            <a:fontRef idx="minor">
+              <a:schemeClr val="tx1"/>
+            </a:fontRef>
+          </p:style>
+        </p:cxnSp>
+        <p:cxnSp>
+          <p:nvCxnSpPr>
+            <p:cNvPr id="67" name="Straight Connector 66"/>
+            <p:cNvCxnSpPr/>
+            <p:nvPr/>
+          </p:nvCxnSpPr>
+          <p:spPr>
+            <a:xfrm>
+              <a:off x="2987824" y="2160304"/>
+              <a:ext cx="1080120" cy="0"/>
+            </a:xfrm>
+            <a:prstGeom prst="line">
+              <a:avLst/>
+            </a:prstGeom>
+            <a:ln>
+              <a:prstDash val="dash"/>
+              <a:headEnd type="none"/>
+              <a:tailEnd type="arrow" w="lg" len="lg"/>
+            </a:ln>
+          </p:spPr>
+          <p:style>
+            <a:lnRef idx="2">
+              <a:schemeClr val="dk1"/>
+            </a:lnRef>
+            <a:fillRef idx="0">
+              <a:schemeClr val="dk1"/>
+            </a:fillRef>
+            <a:effectRef idx="1">
+              <a:schemeClr val="dk1"/>
+            </a:effectRef>
+            <a:fontRef idx="minor">
+              <a:schemeClr val="tx1"/>
+            </a:fontRef>
+          </p:style>
+        </p:cxnSp>
+      </p:grpSp>
+      <p:sp>
+        <p:nvSpPr>
+          <p:cNvPr id="52" name="Multiply 51"/>
+          <p:cNvSpPr/>
+          <p:nvPr/>
+        </p:nvSpPr>
+        <p:spPr>
+          <a:xfrm>
+            <a:off x="4867151" y="3119840"/>
+            <a:ext cx="504056" cy="534441"/>
+          </a:xfrm>
+          <a:prstGeom prst="mathMultiply">
+            <a:avLst>
+              <a:gd name="adj1" fmla="val 12470"/>
+            </a:avLst>
+          </a:prstGeom>
+          <a:solidFill>
+            <a:srgbClr val="FF0000"/>
+          </a:solidFill>
+        </p:spPr>
+        <p:style>
+          <a:lnRef idx="1">
+            <a:schemeClr val="accent1"/>
+          </a:lnRef>
+          <a:fillRef idx="3">
+            <a:schemeClr val="accent1"/>
+          </a:fillRef>
+          <a:effectRef idx="2">
+            <a:schemeClr val="accent1"/>
+          </a:effectRef>
+          <a:fontRef idx="minor">
+            <a:schemeClr val="lt1"/>
+          </a:fontRef>
+        </p:style>
+        <p:txBody>
+          <a:bodyPr rtlCol="0" anchor="ctr"/>
+          <a:lstStyle/>
+          <a:p>
+            <a:pPr algn="ctr"/>
+            <a:endParaRPr lang="en-US"/>
+          </a:p>
+        </p:txBody>
+      </p:sp>
+      <p:sp>
+        <p:nvSpPr>
+          <p:cNvPr id="70" name="Multiply 69"/>
+          <p:cNvSpPr/>
+          <p:nvPr/>
+        </p:nvSpPr>
+        <p:spPr>
+          <a:xfrm>
+            <a:off x="3419872" y="3173261"/>
+            <a:ext cx="504056" cy="534441"/>
+          </a:xfrm>
+          <a:prstGeom prst="mathMultiply">
+            <a:avLst>
+              <a:gd name="adj1" fmla="val 12470"/>
+            </a:avLst>
+          </a:prstGeom>
+          <a:solidFill>
+            <a:srgbClr val="FF0000"/>
+          </a:solidFill>
+        </p:spPr>
+        <p:style>
+          <a:lnRef idx="1">
+            <a:schemeClr val="accent1"/>
+          </a:lnRef>
+          <a:fillRef idx="3">
+            <a:schemeClr val="accent1"/>
+          </a:fillRef>
+          <a:effectRef idx="2">
+            <a:schemeClr val="accent1"/>
+          </a:effectRef>
+          <a:fontRef idx="minor">
+            <a:schemeClr val="lt1"/>
+          </a:fontRef>
+        </p:style>
+        <p:txBody>
+          <a:bodyPr rtlCol="0" anchor="ctr"/>
+          <a:lstStyle/>
+          <a:p>
+            <a:pPr algn="ctr"/>
+            <a:endParaRPr lang="en-US"/>
+          </a:p>
+        </p:txBody>
+      </p:sp>
+      <p:sp>
+        <p:nvSpPr>
+          <p:cNvPr id="66" name="TextBox 65"/>
           <p:cNvSpPr txBox="1"/>
           <p:nvPr/>
         </p:nvSpPr>
         <p:spPr>
           <a:xfrm>
-            <a:off x="5115484" y="4437112"/>
-            <a:ext cx="3344948" cy="923330"/>
+            <a:off x="1475656" y="3057820"/>
+            <a:ext cx="2160240" cy="307777"/>
           </a:xfrm>
           <a:prstGeom prst="rect">
             <a:avLst/>
@@ -8589,107 +8103,23 @@
           <a:lstStyle/>
           <a:p>
             <a:r>
-              <a:rPr lang="en-US" sz="900" b="1" dirty="0" err="1" smtClean="0">
-                <a:latin typeface="Courier"/>
-                <a:cs typeface="Courier"/>
-                <a:sym typeface="Wingdings"/>
-              </a:rPr>
-              <a:t>YB</a:t>
-            </a:r>
-            <a:endParaRPr lang="en-US" sz="900" b="1" dirty="0" smtClean="0">
-              <a:latin typeface="Courier"/>
-              <a:cs typeface="Courier"/>
-              <a:sym typeface="Wingdings"/>
-            </a:endParaRPr>
-          </a:p>
-          <a:p>
-            <a:r>
-              <a:rPr lang="en-US" sz="900" dirty="0" smtClean="0">
-                <a:latin typeface="Courier"/>
-                <a:cs typeface="Courier"/>
-                <a:sym typeface="Wingdings"/>
-              </a:rPr>
-              <a:t>http://&lt;URL-GP1-B&gt;/</a:t>
-            </a:r>
-          </a:p>
-          <a:p>
-            <a:r>
-              <a:rPr lang="en-US" sz="900" dirty="0">
-                <a:latin typeface="Courier"/>
-                <a:cs typeface="Courier"/>
-                <a:sym typeface="Wingdings"/>
-              </a:rPr>
-              <a:t>	</a:t>
-            </a:r>
-            <a:r>
-              <a:rPr lang="en-US" sz="900" dirty="0" smtClean="0">
-                <a:latin typeface="Courier"/>
-                <a:cs typeface="Courier"/>
-                <a:sym typeface="Wingdings"/>
-              </a:rPr>
-              <a:t>Y&lt;URL-GP1-B&gt; to &lt;URL-B&gt; via LP1</a:t>
-            </a:r>
-          </a:p>
-          <a:p>
-            <a:r>
-              <a:rPr lang="en-US" sz="900" dirty="0" err="1" smtClean="0">
-                <a:latin typeface="Courier"/>
-                <a:cs typeface="Courier"/>
-                <a:sym typeface="Wingdings"/>
-              </a:rPr>
-              <a:t>AC</a:t>
-            </a:r>
-            <a:endParaRPr lang="en-US" sz="900" dirty="0" smtClean="0">
-              <a:latin typeface="Courier"/>
-              <a:cs typeface="Courier"/>
-              <a:sym typeface="Wingdings"/>
-            </a:endParaRPr>
-          </a:p>
-          <a:p>
-            <a:r>
-              <a:rPr lang="en-US" sz="900" dirty="0" smtClean="0">
-                <a:latin typeface="Courier"/>
-                <a:cs typeface="Courier"/>
-                <a:sym typeface="Wingdings"/>
-              </a:rPr>
-              <a:t>http://&lt;URL-GP1-C&gt;/</a:t>
-            </a:r>
-          </a:p>
-          <a:p>
-            <a:r>
-              <a:rPr lang="en-US" sz="900" dirty="0">
-                <a:latin typeface="Courier"/>
-                <a:cs typeface="Courier"/>
-                <a:sym typeface="Wingdings"/>
-              </a:rPr>
-              <a:t>	</a:t>
-            </a:r>
-            <a:r>
-              <a:rPr lang="en-US" sz="900" dirty="0" smtClean="0">
-                <a:latin typeface="Courier"/>
-                <a:cs typeface="Courier"/>
-                <a:sym typeface="Wingdings"/>
-              </a:rPr>
-              <a:t>A&lt;URL-GP1-C&gt; to &lt;URL-C&gt; via LP2</a:t>
-            </a:r>
-            <a:endParaRPr lang="en-US" sz="900" dirty="0">
-              <a:latin typeface="Courier"/>
-              <a:cs typeface="Courier"/>
-              <a:sym typeface="Wingdings"/>
-            </a:endParaRPr>
-          </a:p>
-        </p:txBody>
-      </p:sp>
-      <p:sp>
-        <p:nvSpPr>
-          <p:cNvPr id="3" name="TextBox 2"/>
+              <a:rPr lang="en-US" sz="1400" dirty="0" smtClean="0"/>
+              <a:t>trying to access to URL-C</a:t>
+            </a:r>
+            <a:endParaRPr lang="en-US" sz="1400" dirty="0"/>
+          </a:p>
+        </p:txBody>
+      </p:sp>
+      <p:sp>
+        <p:nvSpPr>
+          <p:cNvPr id="76" name="TextBox 75"/>
           <p:cNvSpPr txBox="1"/>
           <p:nvPr/>
         </p:nvSpPr>
         <p:spPr>
           <a:xfrm>
-            <a:off x="488139" y="35332"/>
-            <a:ext cx="8136904" cy="523220"/>
+            <a:off x="5436096" y="3019372"/>
+            <a:ext cx="2160240" cy="307777"/>
           </a:xfrm>
           <a:prstGeom prst="rect">
             <a:avLst/>
@@ -8703,148 +8133,40 @@
           <a:lstStyle/>
           <a:p>
             <a:r>
-              <a:rPr lang="ja-JP" altLang="en-US" sz="1400" dirty="0" smtClean="0"/>
-              <a:t>内部から外部への通信は自由に開始できるが、外部からの通信は制限しているようなドメイン（</a:t>
-            </a:r>
-            <a:r>
-              <a:rPr lang="en-US" altLang="ja-JP" sz="1400" dirty="0" smtClean="0"/>
-              <a:t>Net-P</a:t>
-            </a:r>
-            <a:r>
-              <a:rPr lang="ja-JP" altLang="en-US" sz="1400" dirty="0" smtClean="0"/>
-              <a:t>や</a:t>
-            </a:r>
-            <a:r>
-              <a:rPr lang="en-US" altLang="ja-JP" sz="1400" dirty="0" smtClean="0"/>
-              <a:t>Net-Q</a:t>
-            </a:r>
-            <a:r>
-              <a:rPr lang="ja-JP" altLang="en-US" sz="1400" dirty="0" smtClean="0"/>
-              <a:t>）においても、外部ホスト</a:t>
-            </a:r>
-            <a:r>
               <a:rPr lang="en-US" sz="1400" dirty="0" smtClean="0"/>
-              <a:t>X</a:t>
-            </a:r>
-            <a:r>
-              <a:rPr lang="ja-JP" altLang="en-US" sz="1400" dirty="0" smtClean="0"/>
-              <a:t>から内部ホスト</a:t>
-            </a:r>
-            <a:r>
-              <a:rPr lang="en-US" altLang="ja-JP" sz="1400" dirty="0" smtClean="0"/>
-              <a:t>A</a:t>
-            </a:r>
-            <a:r>
-              <a:rPr lang="ja-JP" altLang="en-US" sz="1400" dirty="0" smtClean="0"/>
-              <a:t>や</a:t>
-            </a:r>
-            <a:r>
-              <a:rPr lang="en-US" altLang="ja-JP" sz="1400" dirty="0" smtClean="0"/>
-              <a:t>C</a:t>
-            </a:r>
-            <a:r>
-              <a:rPr lang="ja-JP" altLang="en-US" sz="1400" dirty="0" smtClean="0"/>
-              <a:t>に対して</a:t>
-            </a:r>
-            <a:r>
-              <a:rPr lang="en-US" altLang="ja-JP" sz="1400" dirty="0" smtClean="0"/>
-              <a:t>IEEE1888</a:t>
-            </a:r>
-            <a:r>
-              <a:rPr lang="ja-JP" altLang="en-US" sz="1400" dirty="0" smtClean="0"/>
-              <a:t>通信を開始したい問題を解決する。</a:t>
-            </a:r>
-            <a:endParaRPr lang="en-US" altLang="ja-JP" sz="1400" dirty="0" smtClean="0"/>
-          </a:p>
-        </p:txBody>
-      </p:sp>
-      <p:sp>
-        <p:nvSpPr>
-          <p:cNvPr id="112" name="TextBox 111"/>
-          <p:cNvSpPr txBox="1"/>
-          <p:nvPr/>
-        </p:nvSpPr>
-        <p:spPr>
-          <a:xfrm>
-            <a:off x="3851920" y="620688"/>
-            <a:ext cx="792088" cy="369332"/>
-          </a:xfrm>
-          <a:prstGeom prst="rect">
-            <a:avLst/>
-          </a:prstGeom>
-          <a:noFill/>
-        </p:spPr>
-        <p:txBody>
-          <a:bodyPr wrap="square" rtlCol="0">
-            <a:spAutoFit/>
+              <a:t>trying to access to URL-A</a:t>
+            </a:r>
+            <a:endParaRPr lang="en-US" sz="1400" dirty="0"/>
+          </a:p>
+        </p:txBody>
+      </p:sp>
+      <p:sp>
+        <p:nvSpPr>
+          <p:cNvPr id="72" name="Title 71"/>
+          <p:cNvSpPr>
+            <a:spLocks noGrp="1"/>
+          </p:cNvSpPr>
+          <p:nvPr>
+            <p:ph type="title"/>
+          </p:nvPr>
+        </p:nvSpPr>
+        <p:spPr>
+          <a:xfrm>
+            <a:off x="457200" y="22344"/>
+            <a:ext cx="8229600" cy="720551"/>
+          </a:xfrm>
+        </p:spPr>
+        <p:txBody>
+          <a:bodyPr>
+            <a:normAutofit fontScale="90000"/>
           </a:bodyPr>
           <a:lstStyle/>
           <a:p>
             <a:r>
               <a:rPr lang="en-US" dirty="0" smtClean="0"/>
-              <a:t>Net-P</a:t>
+              <a:t>NAT Traverse Issue</a:t>
             </a:r>
             <a:endParaRPr lang="en-US" dirty="0"/>
-          </a:p>
-        </p:txBody>
-      </p:sp>
-      <p:sp>
-        <p:nvSpPr>
-          <p:cNvPr id="113" name="TextBox 112"/>
-          <p:cNvSpPr txBox="1"/>
-          <p:nvPr/>
-        </p:nvSpPr>
-        <p:spPr>
-          <a:xfrm>
-            <a:off x="3851920" y="3419708"/>
-            <a:ext cx="792088" cy="369332"/>
-          </a:xfrm>
-          <a:prstGeom prst="rect">
-            <a:avLst/>
-          </a:prstGeom>
-          <a:noFill/>
-        </p:spPr>
-        <p:txBody>
-          <a:bodyPr wrap="square" rtlCol="0">
-            <a:spAutoFit/>
-          </a:bodyPr>
-          <a:lstStyle/>
-          <a:p>
-            <a:r>
-              <a:rPr lang="en-US" dirty="0" smtClean="0"/>
-              <a:t>Net-Q</a:t>
-            </a:r>
-            <a:endParaRPr lang="en-US" dirty="0"/>
-          </a:p>
-        </p:txBody>
-      </p:sp>
-      <p:sp>
-        <p:nvSpPr>
-          <p:cNvPr id="114" name="TextBox 113"/>
-          <p:cNvSpPr txBox="1"/>
-          <p:nvPr/>
-        </p:nvSpPr>
-        <p:spPr>
-          <a:xfrm>
-            <a:off x="6403018" y="792164"/>
-            <a:ext cx="841027" cy="261610"/>
-          </a:xfrm>
-          <a:prstGeom prst="rect">
-            <a:avLst/>
-          </a:prstGeom>
-          <a:noFill/>
-        </p:spPr>
-        <p:txBody>
-          <a:bodyPr wrap="square" rtlCol="0">
-            <a:spAutoFit/>
-          </a:bodyPr>
-          <a:lstStyle/>
-          <a:p>
-            <a:r>
-              <a:rPr lang="en-US" sz="1100" dirty="0" smtClean="0"/>
-              <a:t>URL-GP1-A</a:t>
-            </a:r>
-            <a:endParaRPr lang="en-US" sz="1100" dirty="0"/>
           </a:p>
         </p:txBody>
       </p:sp>
@@ -8886,7 +8208,7 @@
         </p:nvSpPr>
         <p:spPr>
           <a:xfrm>
-            <a:off x="539552" y="2680368"/>
+            <a:off x="539552" y="3960546"/>
             <a:ext cx="4031631" cy="1092094"/>
           </a:xfrm>
           <a:prstGeom prst="rect">
@@ -8933,7 +8255,7 @@
         </p:nvSpPr>
         <p:spPr>
           <a:xfrm>
-            <a:off x="539552" y="694024"/>
+            <a:off x="539552" y="1974202"/>
             <a:ext cx="4031631" cy="1786902"/>
           </a:xfrm>
           <a:prstGeom prst="rect">
@@ -8980,7 +8302,7 @@
         </p:nvSpPr>
         <p:spPr>
           <a:xfrm>
-            <a:off x="827584" y="880912"/>
+            <a:off x="827584" y="2161090"/>
             <a:ext cx="631034" cy="439295"/>
           </a:xfrm>
           <a:prstGeom prst="roundRect">
@@ -9007,9 +8329,10 @@
           <a:p>
             <a:pPr algn="ctr"/>
             <a:r>
-              <a:rPr lang="en-US" dirty="0"/>
+              <a:rPr lang="en-US" dirty="0" smtClean="0"/>
               <a:t>A</a:t>
             </a:r>
+            <a:endParaRPr lang="en-US" dirty="0"/>
           </a:p>
         </p:txBody>
       </p:sp>
@@ -9021,7 +8344,7 @@
         </p:nvSpPr>
         <p:spPr>
           <a:xfrm>
-            <a:off x="833017" y="1922359"/>
+            <a:off x="833017" y="3202537"/>
             <a:ext cx="631034" cy="439295"/>
           </a:xfrm>
           <a:prstGeom prst="roundRect">
@@ -9063,7 +8386,7 @@
         </p:nvSpPr>
         <p:spPr>
           <a:xfrm>
-            <a:off x="7677394" y="843376"/>
+            <a:off x="7677394" y="2123554"/>
             <a:ext cx="631034" cy="439295"/>
           </a:xfrm>
           <a:prstGeom prst="roundRect">
@@ -9090,9 +8413,10 @@
           <a:p>
             <a:pPr algn="ctr"/>
             <a:r>
-              <a:rPr lang="en-US" dirty="0"/>
+              <a:rPr lang="en-US" dirty="0" smtClean="0"/>
               <a:t>X</a:t>
             </a:r>
+            <a:endParaRPr lang="en-US" dirty="0"/>
           </a:p>
         </p:txBody>
       </p:sp>
@@ -9104,7 +8428,7 @@
         </p:nvSpPr>
         <p:spPr>
           <a:xfrm>
-            <a:off x="7682827" y="1884823"/>
+            <a:off x="7682827" y="3165001"/>
             <a:ext cx="631034" cy="439295"/>
           </a:xfrm>
           <a:prstGeom prst="roundRect">
@@ -9131,24 +8455,25 @@
           <a:p>
             <a:pPr algn="ctr"/>
             <a:r>
-              <a:rPr lang="en-US" dirty="0"/>
+              <a:rPr lang="en-US" dirty="0" smtClean="0"/>
               <a:t>Y</a:t>
             </a:r>
-          </a:p>
-        </p:txBody>
-      </p:sp>
-      <p:sp>
-        <p:nvSpPr>
-          <p:cNvPr id="8" name="Rounded Rectangle 7"/>
+            <a:endParaRPr lang="en-US" dirty="0"/>
+          </a:p>
+        </p:txBody>
+      </p:sp>
+      <p:sp>
+        <p:nvSpPr>
+          <p:cNvPr id="11" name="Rectangle 10"/>
           <p:cNvSpPr/>
           <p:nvPr/>
         </p:nvSpPr>
         <p:spPr>
           <a:xfrm>
-            <a:off x="7685382" y="3034992"/>
-            <a:ext cx="631034" cy="439295"/>
-          </a:xfrm>
-          <a:prstGeom prst="roundRect">
+            <a:off x="2699792" y="2505138"/>
+            <a:ext cx="1224136" cy="628274"/>
+          </a:xfrm>
+          <a:prstGeom prst="rect">
             <a:avLst/>
           </a:prstGeom>
         </p:spPr>
@@ -9171,48 +8496,6 @@
           <a:lstStyle/>
           <a:p>
             <a:pPr algn="ctr"/>
-            <a:r>
-              <a:rPr lang="en-US" dirty="0" smtClean="0"/>
-              <a:t>Z</a:t>
-            </a:r>
-            <a:endParaRPr lang="en-US" dirty="0"/>
-          </a:p>
-        </p:txBody>
-      </p:sp>
-      <p:sp>
-        <p:nvSpPr>
-          <p:cNvPr id="11" name="Rectangle 10"/>
-          <p:cNvSpPr/>
-          <p:nvPr/>
-        </p:nvSpPr>
-        <p:spPr>
-          <a:xfrm>
-            <a:off x="2699792" y="1224960"/>
-            <a:ext cx="1224136" cy="628274"/>
-          </a:xfrm>
-          <a:prstGeom prst="rect">
-            <a:avLst/>
-          </a:prstGeom>
-        </p:spPr>
-        <p:style>
-          <a:lnRef idx="1">
-            <a:schemeClr val="accent1"/>
-          </a:lnRef>
-          <a:fillRef idx="3">
-            <a:schemeClr val="accent1"/>
-          </a:fillRef>
-          <a:effectRef idx="2">
-            <a:schemeClr val="accent1"/>
-          </a:effectRef>
-          <a:fontRef idx="minor">
-            <a:schemeClr val="lt1"/>
-          </a:fontRef>
-        </p:style>
-        <p:txBody>
-          <a:bodyPr rtlCol="0" anchor="ctr"/>
-          <a:lstStyle/>
-          <a:p>
-            <a:pPr algn="ctr"/>
             <a:endParaRPr lang="en-US"/>
           </a:p>
         </p:txBody>
@@ -9225,7 +8508,7 @@
         </p:nvSpPr>
         <p:spPr>
           <a:xfrm>
-            <a:off x="3419872" y="1202012"/>
+            <a:off x="3419872" y="2482190"/>
             <a:ext cx="576064" cy="369332"/>
           </a:xfrm>
           <a:prstGeom prst="rect">
@@ -9271,7 +8554,7 @@
         </p:nvSpPr>
         <p:spPr>
           <a:xfrm>
-            <a:off x="2699792" y="2940144"/>
+            <a:off x="2699792" y="4220322"/>
             <a:ext cx="1224136" cy="631267"/>
           </a:xfrm>
           <a:prstGeom prst="rect">
@@ -9309,7 +8592,7 @@
         </p:nvSpPr>
         <p:spPr>
           <a:xfrm>
-            <a:off x="3419872" y="2914047"/>
+            <a:off x="3419872" y="4194225"/>
             <a:ext cx="576064" cy="369332"/>
           </a:xfrm>
           <a:prstGeom prst="rect">
@@ -9355,7 +8638,7 @@
         </p:nvSpPr>
         <p:spPr>
           <a:xfrm>
-            <a:off x="5220072" y="1224961"/>
+            <a:off x="5220072" y="2505139"/>
             <a:ext cx="1224136" cy="628273"/>
           </a:xfrm>
           <a:prstGeom prst="rect">
@@ -9393,7 +8676,7 @@
         </p:nvSpPr>
         <p:spPr>
           <a:xfrm>
-            <a:off x="5182536" y="1192720"/>
+            <a:off x="5182536" y="2472898"/>
             <a:ext cx="576064" cy="369332"/>
           </a:xfrm>
           <a:prstGeom prst="rect">
@@ -9442,22 +8725,26 @@
         </p:nvCxnSpPr>
         <p:spPr>
           <a:xfrm flipH="1">
-            <a:off x="6444208" y="1063024"/>
+            <a:off x="6444208" y="2343202"/>
             <a:ext cx="1233186" cy="476074"/>
           </a:xfrm>
           <a:prstGeom prst="line">
             <a:avLst/>
           </a:prstGeom>
+          <a:ln>
+            <a:headEnd type="arrow" w="lg" len="lg"/>
+            <a:tailEnd type="none"/>
+          </a:ln>
         </p:spPr>
         <p:style>
           <a:lnRef idx="2">
-            <a:schemeClr val="accent1"/>
+            <a:schemeClr val="dk1"/>
           </a:lnRef>
           <a:fillRef idx="0">
-            <a:schemeClr val="accent1"/>
+            <a:schemeClr val="dk1"/>
           </a:fillRef>
           <a:effectRef idx="1">
-            <a:schemeClr val="accent1"/>
+            <a:schemeClr val="dk1"/>
           </a:effectRef>
           <a:fontRef idx="minor">
             <a:schemeClr val="tx1"/>
@@ -9475,22 +8762,26 @@
         </p:nvCxnSpPr>
         <p:spPr>
           <a:xfrm flipH="1" flipV="1">
-            <a:off x="6444208" y="1539098"/>
+            <a:off x="6444208" y="2819276"/>
             <a:ext cx="1238619" cy="565373"/>
           </a:xfrm>
           <a:prstGeom prst="line">
             <a:avLst/>
           </a:prstGeom>
+          <a:ln>
+            <a:headEnd type="none"/>
+            <a:tailEnd type="arrow" w="lg" len="lg"/>
+          </a:ln>
         </p:spPr>
         <p:style>
           <a:lnRef idx="2">
-            <a:schemeClr val="accent1"/>
+            <a:schemeClr val="dk1"/>
           </a:lnRef>
           <a:fillRef idx="0">
-            <a:schemeClr val="accent1"/>
+            <a:schemeClr val="dk1"/>
           </a:fillRef>
           <a:effectRef idx="1">
-            <a:schemeClr val="accent1"/>
+            <a:schemeClr val="dk1"/>
           </a:effectRef>
           <a:fontRef idx="minor">
             <a:schemeClr val="tx1"/>
@@ -9499,123 +8790,6 @@
       </p:cxnSp>
       <p:cxnSp>
         <p:nvCxnSpPr>
-          <p:cNvPr id="23" name="Straight Connector 22"/>
-          <p:cNvCxnSpPr>
-            <a:stCxn id="8" idx="1"/>
-            <a:endCxn id="24" idx="3"/>
-          </p:cNvCxnSpPr>
-          <p:nvPr/>
-        </p:nvCxnSpPr>
-        <p:spPr>
-          <a:xfrm flipH="1" flipV="1">
-            <a:off x="6444208" y="3242729"/>
-            <a:ext cx="1241174" cy="11911"/>
-          </a:xfrm>
-          <a:prstGeom prst="line">
-            <a:avLst/>
-          </a:prstGeom>
-        </p:spPr>
-        <p:style>
-          <a:lnRef idx="2">
-            <a:schemeClr val="accent1"/>
-          </a:lnRef>
-          <a:fillRef idx="0">
-            <a:schemeClr val="accent1"/>
-          </a:fillRef>
-          <a:effectRef idx="1">
-            <a:schemeClr val="accent1"/>
-          </a:effectRef>
-          <a:fontRef idx="minor">
-            <a:schemeClr val="tx1"/>
-          </a:fontRef>
-        </p:style>
-      </p:cxnSp>
-      <p:sp>
-        <p:nvSpPr>
-          <p:cNvPr id="24" name="Rectangle 23"/>
-          <p:cNvSpPr/>
-          <p:nvPr/>
-        </p:nvSpPr>
-        <p:spPr>
-          <a:xfrm>
-            <a:off x="5220072" y="2914047"/>
-            <a:ext cx="1224136" cy="657364"/>
-          </a:xfrm>
-          <a:prstGeom prst="rect">
-            <a:avLst/>
-          </a:prstGeom>
-        </p:spPr>
-        <p:style>
-          <a:lnRef idx="1">
-            <a:schemeClr val="accent1"/>
-          </a:lnRef>
-          <a:fillRef idx="3">
-            <a:schemeClr val="accent1"/>
-          </a:fillRef>
-          <a:effectRef idx="2">
-            <a:schemeClr val="accent1"/>
-          </a:effectRef>
-          <a:fontRef idx="minor">
-            <a:schemeClr val="lt1"/>
-          </a:fontRef>
-        </p:style>
-        <p:txBody>
-          <a:bodyPr rtlCol="0" anchor="ctr"/>
-          <a:lstStyle/>
-          <a:p>
-            <a:pPr algn="ctr"/>
-            <a:endParaRPr lang="en-US"/>
-          </a:p>
-        </p:txBody>
-      </p:sp>
-      <p:sp>
-        <p:nvSpPr>
-          <p:cNvPr id="25" name="TextBox 24"/>
-          <p:cNvSpPr txBox="1"/>
-          <p:nvPr/>
-        </p:nvSpPr>
-        <p:spPr>
-          <a:xfrm>
-            <a:off x="5176280" y="2842039"/>
-            <a:ext cx="576064" cy="369332"/>
-          </a:xfrm>
-          <a:prstGeom prst="rect">
-            <a:avLst/>
-          </a:prstGeom>
-          <a:noFill/>
-        </p:spPr>
-        <p:txBody>
-          <a:bodyPr wrap="square" rtlCol="0">
-            <a:spAutoFit/>
-          </a:bodyPr>
-          <a:lstStyle/>
-          <a:p>
-            <a:r>
-              <a:rPr lang="en-US" dirty="0">
-                <a:solidFill>
-                  <a:srgbClr val="FFFFFF"/>
-                </a:solidFill>
-              </a:rPr>
-              <a:t>G</a:t>
-            </a:r>
-            <a:r>
-              <a:rPr lang="en-US" dirty="0" smtClean="0">
-                <a:solidFill>
-                  <a:srgbClr val="FFFFFF"/>
-                </a:solidFill>
-              </a:rPr>
-              <a:t>P2</a:t>
-            </a:r>
-            <a:endParaRPr lang="en-US" dirty="0">
-              <a:solidFill>
-                <a:srgbClr val="FFFFFF"/>
-              </a:solidFill>
-            </a:endParaRPr>
-          </a:p>
-        </p:txBody>
-      </p:sp>
-      <p:cxnSp>
-        <p:nvCxnSpPr>
           <p:cNvPr id="28" name="Straight Connector 27"/>
           <p:cNvCxnSpPr>
             <a:stCxn id="11" idx="1"/>
@@ -9625,22 +8799,26 @@
         </p:nvCxnSpPr>
         <p:spPr>
           <a:xfrm flipH="1" flipV="1">
-            <a:off x="1458618" y="1100560"/>
+            <a:off x="1458618" y="2380738"/>
             <a:ext cx="1241174" cy="438537"/>
           </a:xfrm>
           <a:prstGeom prst="line">
             <a:avLst/>
           </a:prstGeom>
+          <a:ln>
+            <a:headEnd type="none" w="lg" len="lg"/>
+            <a:tailEnd type="arrow" w="lg" len="lg"/>
+          </a:ln>
         </p:spPr>
         <p:style>
           <a:lnRef idx="2">
-            <a:schemeClr val="accent1"/>
+            <a:schemeClr val="dk1"/>
           </a:lnRef>
           <a:fillRef idx="0">
-            <a:schemeClr val="accent1"/>
+            <a:schemeClr val="dk1"/>
           </a:fillRef>
           <a:effectRef idx="1">
-            <a:schemeClr val="accent1"/>
+            <a:schemeClr val="dk1"/>
           </a:effectRef>
           <a:fontRef idx="minor">
             <a:schemeClr val="tx1"/>
@@ -9658,22 +8836,26 @@
         </p:nvCxnSpPr>
         <p:spPr>
           <a:xfrm flipH="1">
-            <a:off x="1464051" y="1539097"/>
+            <a:off x="1464051" y="2819275"/>
             <a:ext cx="1235741" cy="602910"/>
           </a:xfrm>
           <a:prstGeom prst="line">
             <a:avLst/>
           </a:prstGeom>
+          <a:ln>
+            <a:headEnd type="arrow" w="lg" len="lg"/>
+            <a:tailEnd type="none"/>
+          </a:ln>
         </p:spPr>
         <p:style>
           <a:lnRef idx="2">
-            <a:schemeClr val="accent1"/>
+            <a:schemeClr val="dk1"/>
           </a:lnRef>
           <a:fillRef idx="0">
-            <a:schemeClr val="accent1"/>
+            <a:schemeClr val="dk1"/>
           </a:fillRef>
           <a:effectRef idx="1">
-            <a:schemeClr val="accent1"/>
+            <a:schemeClr val="dk1"/>
           </a:effectRef>
           <a:fontRef idx="minor">
             <a:schemeClr val="tx1"/>
@@ -9688,7 +8870,7 @@
         </p:nvSpPr>
         <p:spPr>
           <a:xfrm>
-            <a:off x="827584" y="3039985"/>
+            <a:off x="827584" y="4320163"/>
             <a:ext cx="631034" cy="439295"/>
           </a:xfrm>
           <a:prstGeom prst="roundRect">
@@ -9715,9 +8897,10 @@
           <a:p>
             <a:pPr algn="ctr"/>
             <a:r>
-              <a:rPr lang="en-US" dirty="0"/>
+              <a:rPr lang="en-US" dirty="0" smtClean="0"/>
               <a:t>C</a:t>
             </a:r>
+            <a:endParaRPr lang="en-US" dirty="0"/>
           </a:p>
         </p:txBody>
       </p:sp>
@@ -9732,104 +8915,42 @@
         </p:nvCxnSpPr>
         <p:spPr>
           <a:xfrm flipH="1">
-            <a:off x="1458618" y="3255778"/>
+            <a:off x="1458618" y="4535956"/>
             <a:ext cx="1241174" cy="3855"/>
           </a:xfrm>
           <a:prstGeom prst="line">
             <a:avLst/>
           </a:prstGeom>
+          <a:ln>
+            <a:headEnd type="none"/>
+            <a:tailEnd type="arrow" w="lg" len="lg"/>
+          </a:ln>
         </p:spPr>
         <p:style>
           <a:lnRef idx="2">
-            <a:schemeClr val="accent1"/>
+            <a:schemeClr val="dk1"/>
           </a:lnRef>
           <a:fillRef idx="0">
-            <a:schemeClr val="accent1"/>
+            <a:schemeClr val="dk1"/>
           </a:fillRef>
           <a:effectRef idx="1">
-            <a:schemeClr val="accent1"/>
+            <a:schemeClr val="dk1"/>
           </a:effectRef>
           <a:fontRef idx="minor">
             <a:schemeClr val="tx1"/>
           </a:fontRef>
         </p:style>
       </p:cxnSp>
-      <p:cxnSp>
-        <p:nvCxnSpPr>
-          <p:cNvPr id="26" name="Straight Connector 25"/>
-          <p:cNvCxnSpPr>
-            <a:stCxn id="15" idx="1"/>
-            <a:endCxn id="11" idx="3"/>
-          </p:cNvCxnSpPr>
-          <p:nvPr/>
-        </p:nvCxnSpPr>
-        <p:spPr>
-          <a:xfrm flipH="1" flipV="1">
-            <a:off x="3923928" y="1539097"/>
-            <a:ext cx="1296144" cy="1"/>
-          </a:xfrm>
-          <a:prstGeom prst="line">
-            <a:avLst/>
-          </a:prstGeom>
-        </p:spPr>
-        <p:style>
-          <a:lnRef idx="2">
-            <a:schemeClr val="accent1"/>
-          </a:lnRef>
-          <a:fillRef idx="0">
-            <a:schemeClr val="accent1"/>
-          </a:fillRef>
-          <a:effectRef idx="1">
-            <a:schemeClr val="accent1"/>
-          </a:effectRef>
-          <a:fontRef idx="minor">
-            <a:schemeClr val="tx1"/>
-          </a:fontRef>
-        </p:style>
-      </p:cxnSp>
-      <p:cxnSp>
-        <p:nvCxnSpPr>
-          <p:cNvPr id="29" name="Straight Connector 28"/>
-          <p:cNvCxnSpPr>
-            <a:stCxn id="24" idx="1"/>
-            <a:endCxn id="13" idx="3"/>
-          </p:cNvCxnSpPr>
-          <p:nvPr/>
-        </p:nvCxnSpPr>
-        <p:spPr>
-          <a:xfrm flipH="1">
-            <a:off x="3923928" y="3242729"/>
-            <a:ext cx="1296144" cy="13049"/>
-          </a:xfrm>
-          <a:prstGeom prst="line">
-            <a:avLst/>
-          </a:prstGeom>
-        </p:spPr>
-        <p:style>
-          <a:lnRef idx="2">
-            <a:schemeClr val="accent1"/>
-          </a:lnRef>
-          <a:fillRef idx="0">
-            <a:schemeClr val="accent1"/>
-          </a:fillRef>
-          <a:effectRef idx="1">
-            <a:schemeClr val="accent1"/>
-          </a:effectRef>
-          <a:fontRef idx="minor">
-            <a:schemeClr val="tx1"/>
-          </a:fontRef>
-        </p:style>
-      </p:cxnSp>
-      <p:sp>
-        <p:nvSpPr>
-          <p:cNvPr id="2" name="TextBox 1"/>
+      <p:sp>
+        <p:nvSpPr>
+          <p:cNvPr id="36" name="TextBox 35"/>
           <p:cNvSpPr txBox="1"/>
           <p:nvPr/>
         </p:nvSpPr>
         <p:spPr>
           <a:xfrm>
-            <a:off x="1979738" y="940442"/>
-            <a:ext cx="792038" cy="261610"/>
+            <a:off x="7139264" y="1985648"/>
+            <a:ext cx="648072" cy="261610"/>
           </a:xfrm>
           <a:prstGeom prst="rect">
             <a:avLst/>
@@ -9842,32 +8963,25 @@
           </a:bodyPr>
           <a:lstStyle/>
           <a:p>
-            <a:r>
-              <a:rPr lang="en-US" sz="1100" dirty="0" smtClean="0">
-                <a:solidFill>
-                  <a:srgbClr val="FF0000"/>
-                </a:solidFill>
-              </a:rPr>
-              <a:t>URL-LP1-Y</a:t>
-            </a:r>
-            <a:endParaRPr lang="en-US" sz="1100" dirty="0">
-              <a:solidFill>
-                <a:srgbClr val="FF0000"/>
-              </a:solidFill>
-            </a:endParaRPr>
-          </a:p>
-        </p:txBody>
-      </p:sp>
-      <p:sp>
-        <p:nvSpPr>
-          <p:cNvPr id="32" name="TextBox 31"/>
+            <a:pPr algn="ctr"/>
+            <a:r>
+              <a:rPr lang="en-US" sz="1100" dirty="0" smtClean="0"/>
+              <a:t>URL-X</a:t>
+            </a:r>
+            <a:endParaRPr lang="en-US" sz="1100" dirty="0"/>
+          </a:p>
+        </p:txBody>
+      </p:sp>
+      <p:sp>
+        <p:nvSpPr>
+          <p:cNvPr id="37" name="TextBox 36"/>
           <p:cNvSpPr txBox="1"/>
           <p:nvPr/>
         </p:nvSpPr>
         <p:spPr>
           <a:xfrm>
-            <a:off x="1979738" y="776260"/>
-            <a:ext cx="792038" cy="261610"/>
+            <a:off x="7145520" y="3385080"/>
+            <a:ext cx="648072" cy="261610"/>
           </a:xfrm>
           <a:prstGeom prst="rect">
             <a:avLst/>
@@ -9880,31 +8994,24 @@
           </a:bodyPr>
           <a:lstStyle/>
           <a:p>
-            <a:r>
-              <a:rPr lang="en-US" sz="1100" dirty="0" smtClean="0">
-                <a:solidFill>
-                  <a:srgbClr val="FF0000"/>
-                </a:solidFill>
-              </a:rPr>
-              <a:t>URL-LP1-X</a:t>
-            </a:r>
-            <a:endParaRPr lang="en-US" sz="1100" dirty="0">
-              <a:solidFill>
-                <a:srgbClr val="FF0000"/>
-              </a:solidFill>
-            </a:endParaRPr>
-          </a:p>
-        </p:txBody>
-      </p:sp>
-      <p:sp>
-        <p:nvSpPr>
-          <p:cNvPr id="36" name="TextBox 35"/>
+            <a:pPr algn="ctr"/>
+            <a:r>
+              <a:rPr lang="en-US" sz="1100" dirty="0" smtClean="0"/>
+              <a:t>URL-Y</a:t>
+            </a:r>
+            <a:endParaRPr lang="en-US" sz="1100" dirty="0"/>
+          </a:p>
+        </p:txBody>
+      </p:sp>
+      <p:sp>
+        <p:nvSpPr>
+          <p:cNvPr id="38" name="TextBox 37"/>
           <p:cNvSpPr txBox="1"/>
           <p:nvPr/>
         </p:nvSpPr>
         <p:spPr>
           <a:xfrm>
-            <a:off x="7139264" y="705470"/>
+            <a:off x="1347344" y="3452230"/>
             <a:ext cx="648072" cy="261610"/>
           </a:xfrm>
           <a:prstGeom prst="rect">
@@ -9921,68 +9028,6 @@
             <a:pPr algn="ctr"/>
             <a:r>
               <a:rPr lang="en-US" sz="1100" dirty="0" smtClean="0"/>
-              <a:t>URL-X</a:t>
-            </a:r>
-            <a:endParaRPr lang="en-US" sz="1100" dirty="0"/>
-          </a:p>
-        </p:txBody>
-      </p:sp>
-      <p:sp>
-        <p:nvSpPr>
-          <p:cNvPr id="37" name="TextBox 36"/>
-          <p:cNvSpPr txBox="1"/>
-          <p:nvPr/>
-        </p:nvSpPr>
-        <p:spPr>
-          <a:xfrm>
-            <a:off x="7145520" y="2104902"/>
-            <a:ext cx="648072" cy="261610"/>
-          </a:xfrm>
-          <a:prstGeom prst="rect">
-            <a:avLst/>
-          </a:prstGeom>
-          <a:noFill/>
-        </p:spPr>
-        <p:txBody>
-          <a:bodyPr wrap="square" rtlCol="0">
-            <a:spAutoFit/>
-          </a:bodyPr>
-          <a:lstStyle/>
-          <a:p>
-            <a:pPr algn="ctr"/>
-            <a:r>
-              <a:rPr lang="en-US" sz="1100" dirty="0" smtClean="0"/>
-              <a:t>URL-Y</a:t>
-            </a:r>
-            <a:endParaRPr lang="en-US" sz="1100" dirty="0"/>
-          </a:p>
-        </p:txBody>
-      </p:sp>
-      <p:sp>
-        <p:nvSpPr>
-          <p:cNvPr id="38" name="TextBox 37"/>
-          <p:cNvSpPr txBox="1"/>
-          <p:nvPr/>
-        </p:nvSpPr>
-        <p:spPr>
-          <a:xfrm>
-            <a:off x="1347344" y="2172052"/>
-            <a:ext cx="648072" cy="261610"/>
-          </a:xfrm>
-          <a:prstGeom prst="rect">
-            <a:avLst/>
-          </a:prstGeom>
-          <a:noFill/>
-        </p:spPr>
-        <p:txBody>
-          <a:bodyPr wrap="square" rtlCol="0">
-            <a:spAutoFit/>
-          </a:bodyPr>
-          <a:lstStyle/>
-          <a:p>
-            <a:pPr algn="ctr"/>
-            <a:r>
-              <a:rPr lang="en-US" sz="1100" dirty="0" smtClean="0"/>
               <a:t>URL-B</a:t>
             </a:r>
             <a:endParaRPr lang="en-US" sz="1100" dirty="0"/>
@@ -9997,7 +9042,7 @@
         </p:nvSpPr>
         <p:spPr>
           <a:xfrm>
-            <a:off x="1344152" y="783734"/>
+            <a:off x="1344152" y="2063912"/>
             <a:ext cx="648072" cy="261610"/>
           </a:xfrm>
           <a:prstGeom prst="rect">
@@ -10028,7 +9073,7 @@
         </p:nvGrpSpPr>
         <p:grpSpPr>
           <a:xfrm>
-            <a:off x="539552" y="768186"/>
+            <a:off x="539552" y="2048364"/>
             <a:ext cx="4032448" cy="1737484"/>
             <a:chOff x="395536" y="546902"/>
             <a:chExt cx="4176464" cy="1737484"/>
@@ -10115,7 +9160,7 @@
         </p:nvGrpSpPr>
         <p:grpSpPr>
           <a:xfrm>
-            <a:off x="539552" y="2657200"/>
+            <a:off x="539552" y="3937378"/>
             <a:ext cx="4032448" cy="1147806"/>
             <a:chOff x="395536" y="2500410"/>
             <a:chExt cx="4176464" cy="931765"/>
@@ -10196,6 +9241,2431 @@
       </p:grpSp>
       <p:sp>
         <p:nvSpPr>
+          <p:cNvPr id="49" name="TextBox 48"/>
+          <p:cNvSpPr txBox="1"/>
+          <p:nvPr/>
+        </p:nvSpPr>
+        <p:spPr>
+          <a:xfrm>
+            <a:off x="1344152" y="4174737"/>
+            <a:ext cx="648072" cy="261610"/>
+          </a:xfrm>
+          <a:prstGeom prst="rect">
+            <a:avLst/>
+          </a:prstGeom>
+          <a:noFill/>
+        </p:spPr>
+        <p:txBody>
+          <a:bodyPr wrap="square" rtlCol="0">
+            <a:spAutoFit/>
+          </a:bodyPr>
+          <a:lstStyle/>
+          <a:p>
+            <a:pPr algn="ctr"/>
+            <a:r>
+              <a:rPr lang="en-US" sz="1100" dirty="0" smtClean="0"/>
+              <a:t>URL-C</a:t>
+            </a:r>
+            <a:endParaRPr lang="en-US" sz="1100" dirty="0"/>
+          </a:p>
+        </p:txBody>
+      </p:sp>
+      <p:sp>
+        <p:nvSpPr>
+          <p:cNvPr id="52" name="TextBox 51"/>
+          <p:cNvSpPr txBox="1"/>
+          <p:nvPr/>
+        </p:nvSpPr>
+        <p:spPr>
+          <a:xfrm>
+            <a:off x="467544" y="5250686"/>
+            <a:ext cx="4214982" cy="338554"/>
+          </a:xfrm>
+          <a:prstGeom prst="rect">
+            <a:avLst/>
+          </a:prstGeom>
+          <a:noFill/>
+        </p:spPr>
+        <p:txBody>
+          <a:bodyPr wrap="square" rtlCol="0">
+            <a:spAutoFit/>
+          </a:bodyPr>
+          <a:lstStyle/>
+          <a:p>
+            <a:r>
+              <a:rPr lang="en-US" altLang="ja-JP" sz="1600" dirty="0" smtClean="0">
+                <a:latin typeface="ＭＳ Ｐゴシック"/>
+                <a:ea typeface="ＭＳ Ｐゴシック"/>
+                <a:cs typeface="ＭＳ Ｐゴシック"/>
+              </a:rPr>
+              <a:t>IEEE1888 </a:t>
+            </a:r>
+            <a:r>
+              <a:rPr lang="en-US" altLang="ja-JP" sz="1600" dirty="0" err="1" smtClean="0">
+                <a:latin typeface="ＭＳ Ｐゴシック"/>
+                <a:ea typeface="ＭＳ Ｐゴシック"/>
+                <a:cs typeface="ＭＳ Ｐゴシック"/>
+              </a:rPr>
+              <a:t>WebSocket</a:t>
+            </a:r>
+            <a:r>
+              <a:rPr lang="en-US" altLang="ja-JP" sz="1600" dirty="0" smtClean="0">
+                <a:latin typeface="ＭＳ Ｐゴシック"/>
+                <a:ea typeface="ＭＳ Ｐゴシック"/>
+                <a:cs typeface="ＭＳ Ｐゴシック"/>
+              </a:rPr>
+              <a:t> URL mapping</a:t>
+            </a:r>
+            <a:endParaRPr lang="en-US" altLang="ja-JP" sz="1600" dirty="0" smtClean="0">
+              <a:latin typeface="ＭＳ Ｐゴシック"/>
+              <a:ea typeface="ＭＳ Ｐゴシック"/>
+              <a:cs typeface="ＭＳ Ｐゴシック"/>
+            </a:endParaRPr>
+          </a:p>
+        </p:txBody>
+      </p:sp>
+      <p:sp>
+        <p:nvSpPr>
+          <p:cNvPr id="55" name="TextBox 54"/>
+          <p:cNvSpPr txBox="1"/>
+          <p:nvPr/>
+        </p:nvSpPr>
+        <p:spPr>
+          <a:xfrm>
+            <a:off x="5025512" y="5607531"/>
+            <a:ext cx="3630930" cy="1061829"/>
+          </a:xfrm>
+          <a:prstGeom prst="rect">
+            <a:avLst/>
+          </a:prstGeom>
+          <a:noFill/>
+        </p:spPr>
+        <p:txBody>
+          <a:bodyPr wrap="square" rtlCol="0">
+            <a:spAutoFit/>
+          </a:bodyPr>
+          <a:lstStyle/>
+          <a:p>
+            <a:r>
+              <a:rPr lang="en-US" sz="900" b="1" dirty="0" err="1" smtClean="0">
+                <a:latin typeface="Courier"/>
+                <a:cs typeface="Courier"/>
+                <a:sym typeface="Wingdings"/>
+              </a:rPr>
+              <a:t>B</a:t>
+            </a:r>
+            <a:r>
+              <a:rPr lang="en-US" sz="900" b="1" dirty="0" err="1" smtClean="0">
+                <a:latin typeface="Courier"/>
+                <a:cs typeface="Courier"/>
+                <a:sym typeface="Wingdings"/>
+              </a:rPr>
+              <a:t>C</a:t>
+            </a:r>
+            <a:endParaRPr lang="en-US" sz="900" b="1" dirty="0" smtClean="0">
+              <a:latin typeface="Courier"/>
+              <a:cs typeface="Courier"/>
+              <a:sym typeface="Wingdings"/>
+            </a:endParaRPr>
+          </a:p>
+          <a:p>
+            <a:r>
+              <a:rPr lang="en-US" sz="900" dirty="0" smtClean="0">
+                <a:latin typeface="Courier"/>
+                <a:cs typeface="Courier"/>
+                <a:sym typeface="Wingdings"/>
+              </a:rPr>
+              <a:t>B sends a request to &lt;</a:t>
+            </a:r>
+            <a:r>
+              <a:rPr lang="en-US" sz="900" dirty="0" smtClean="0">
+                <a:latin typeface="Courier"/>
+                <a:cs typeface="Courier"/>
+                <a:sym typeface="Wingdings"/>
+              </a:rPr>
+              <a:t>URL-LP1-C</a:t>
+            </a:r>
+            <a:r>
+              <a:rPr lang="en-US" sz="900" dirty="0" smtClean="0">
+                <a:latin typeface="Courier"/>
+                <a:cs typeface="Courier"/>
+                <a:sym typeface="Wingdings"/>
+              </a:rPr>
+              <a:t>&gt; of LP1.</a:t>
+            </a:r>
+            <a:endParaRPr lang="en-US" sz="900" dirty="0" smtClean="0">
+              <a:latin typeface="Courier"/>
+              <a:cs typeface="Courier"/>
+              <a:sym typeface="Wingdings"/>
+            </a:endParaRPr>
+          </a:p>
+          <a:p>
+            <a:r>
+              <a:rPr lang="en-US" sz="900" dirty="0" smtClean="0">
+                <a:latin typeface="Courier"/>
+                <a:cs typeface="Courier"/>
+                <a:sym typeface="Wingdings"/>
+              </a:rPr>
+              <a:t>LP1 maps &lt;URL-LP1-&gt;C&gt; </a:t>
+            </a:r>
+            <a:r>
+              <a:rPr lang="en-US" sz="900" dirty="0" smtClean="0">
+                <a:latin typeface="Courier"/>
+                <a:cs typeface="Courier"/>
+                <a:sym typeface="Wingdings"/>
+              </a:rPr>
+              <a:t>to </a:t>
+            </a:r>
+            <a:r>
+              <a:rPr lang="en-US" sz="900" dirty="0" smtClean="0">
+                <a:latin typeface="Courier"/>
+                <a:cs typeface="Courier"/>
+                <a:sym typeface="Wingdings"/>
+              </a:rPr>
+              <a:t>&lt;URL-GP1-C</a:t>
+            </a:r>
+            <a:r>
+              <a:rPr lang="en-US" sz="900" dirty="0" smtClean="0">
+                <a:latin typeface="Courier"/>
+                <a:cs typeface="Courier"/>
+                <a:sym typeface="Wingdings"/>
+              </a:rPr>
+              <a:t>&gt;.</a:t>
+            </a:r>
+          </a:p>
+          <a:p>
+            <a:r>
+              <a:rPr lang="en-US" sz="900" dirty="0" smtClean="0">
+                <a:latin typeface="Courier"/>
+                <a:cs typeface="Courier"/>
+                <a:sym typeface="Wingdings"/>
+              </a:rPr>
+              <a:t>LP1 forwards it to GP1.</a:t>
+            </a:r>
+          </a:p>
+          <a:p>
+            <a:r>
+              <a:rPr lang="en-US" sz="900" dirty="0" smtClean="0">
+                <a:latin typeface="Courier"/>
+                <a:cs typeface="Courier"/>
+                <a:sym typeface="Wingdings"/>
+              </a:rPr>
+              <a:t>GP1 maps &lt;URL-&gt;GP1-&gt;C&gt; to URL-C&gt;.</a:t>
+            </a:r>
+          </a:p>
+          <a:p>
+            <a:r>
+              <a:rPr lang="en-US" sz="900" dirty="0" smtClean="0">
+                <a:latin typeface="Courier"/>
+                <a:cs typeface="Courier"/>
+                <a:sym typeface="Wingdings"/>
+              </a:rPr>
+              <a:t>GP1 forwards it to LP2.</a:t>
+            </a:r>
+          </a:p>
+          <a:p>
+            <a:r>
+              <a:rPr lang="en-US" sz="900" dirty="0" smtClean="0">
+                <a:latin typeface="Courier"/>
+                <a:cs typeface="Courier"/>
+                <a:sym typeface="Wingdings"/>
+              </a:rPr>
+              <a:t>LP2 acts as a proxy to access &lt;URL-C&gt;.</a:t>
+            </a:r>
+            <a:endParaRPr lang="en-US" sz="900" dirty="0" smtClean="0">
+              <a:latin typeface="Courier"/>
+              <a:cs typeface="Courier"/>
+              <a:sym typeface="Wingdings"/>
+            </a:endParaRPr>
+          </a:p>
+        </p:txBody>
+      </p:sp>
+      <p:sp>
+        <p:nvSpPr>
+          <p:cNvPr id="61" name="TextBox 60"/>
+          <p:cNvSpPr txBox="1"/>
+          <p:nvPr/>
+        </p:nvSpPr>
+        <p:spPr>
+          <a:xfrm>
+            <a:off x="611560" y="5589240"/>
+            <a:ext cx="3384376" cy="784830"/>
+          </a:xfrm>
+          <a:prstGeom prst="rect">
+            <a:avLst/>
+          </a:prstGeom>
+          <a:noFill/>
+        </p:spPr>
+        <p:txBody>
+          <a:bodyPr wrap="square" rtlCol="0">
+            <a:spAutoFit/>
+          </a:bodyPr>
+          <a:lstStyle/>
+          <a:p>
+            <a:r>
+              <a:rPr lang="en-US" sz="900" dirty="0" err="1" smtClean="0">
+                <a:latin typeface="Courier"/>
+                <a:cs typeface="Courier"/>
+                <a:sym typeface="Wingdings"/>
+              </a:rPr>
+              <a:t>Y</a:t>
+            </a:r>
+            <a:r>
+              <a:rPr lang="en-US" sz="900" dirty="0" err="1" smtClean="0">
+                <a:latin typeface="Courier"/>
+                <a:cs typeface="Courier"/>
+                <a:sym typeface="Wingdings"/>
+              </a:rPr>
+              <a:t>A</a:t>
+            </a:r>
+            <a:endParaRPr lang="en-US" sz="900" dirty="0" smtClean="0">
+              <a:latin typeface="Courier"/>
+              <a:cs typeface="Courier"/>
+              <a:sym typeface="Wingdings"/>
+            </a:endParaRPr>
+          </a:p>
+          <a:p>
+            <a:r>
+              <a:rPr lang="en-US" sz="900" dirty="0" smtClean="0">
+                <a:latin typeface="Courier"/>
+                <a:cs typeface="Courier"/>
+                <a:sym typeface="Wingdings"/>
+              </a:rPr>
+              <a:t>Y sends a request to </a:t>
+            </a:r>
+            <a:r>
+              <a:rPr lang="en-US" sz="900" dirty="0" smtClean="0">
+                <a:latin typeface="Courier"/>
+                <a:cs typeface="Courier"/>
+                <a:sym typeface="Wingdings"/>
+              </a:rPr>
+              <a:t>&lt;URL-GP1-A&gt; of GP1.</a:t>
+            </a:r>
+          </a:p>
+          <a:p>
+            <a:r>
+              <a:rPr lang="en-US" sz="900" dirty="0" smtClean="0">
+                <a:latin typeface="Courier"/>
+                <a:cs typeface="Courier"/>
+                <a:sym typeface="Wingdings"/>
+              </a:rPr>
+              <a:t>GP1 maps &lt;URL-GP1-A&gt; to &lt;URL-A&gt;.</a:t>
+            </a:r>
+          </a:p>
+          <a:p>
+            <a:r>
+              <a:rPr lang="en-US" sz="900" dirty="0" smtClean="0">
+                <a:latin typeface="Courier"/>
+                <a:cs typeface="Courier"/>
+                <a:sym typeface="Wingdings"/>
+              </a:rPr>
+              <a:t>GP1 forwards it to LP1.</a:t>
+            </a:r>
+          </a:p>
+          <a:p>
+            <a:r>
+              <a:rPr lang="en-US" sz="900" dirty="0" smtClean="0">
+                <a:latin typeface="Courier"/>
+                <a:cs typeface="Courier"/>
+                <a:sym typeface="Wingdings"/>
+              </a:rPr>
+              <a:t>LP1 acts as a proxy to access &lt;URL-A&gt;.</a:t>
+            </a:r>
+          </a:p>
+        </p:txBody>
+      </p:sp>
+      <p:sp>
+        <p:nvSpPr>
+          <p:cNvPr id="51" name="TextBox 50"/>
+          <p:cNvSpPr txBox="1"/>
+          <p:nvPr/>
+        </p:nvSpPr>
+        <p:spPr>
+          <a:xfrm>
+            <a:off x="2123778" y="3139942"/>
+            <a:ext cx="792038" cy="261610"/>
+          </a:xfrm>
+          <a:prstGeom prst="rect">
+            <a:avLst/>
+          </a:prstGeom>
+          <a:noFill/>
+        </p:spPr>
+        <p:txBody>
+          <a:bodyPr wrap="square" rtlCol="0">
+            <a:spAutoFit/>
+          </a:bodyPr>
+          <a:lstStyle/>
+          <a:p>
+            <a:r>
+              <a:rPr lang="en-US" sz="1100" dirty="0" smtClean="0">
+                <a:solidFill>
+                  <a:srgbClr val="FF0000"/>
+                </a:solidFill>
+              </a:rPr>
+              <a:t>URL-LP1-C</a:t>
+            </a:r>
+            <a:endParaRPr lang="en-US" sz="1100" dirty="0">
+              <a:solidFill>
+                <a:srgbClr val="FF0000"/>
+              </a:solidFill>
+            </a:endParaRPr>
+          </a:p>
+        </p:txBody>
+      </p:sp>
+      <p:sp>
+        <p:nvSpPr>
+          <p:cNvPr id="3" name="TextBox 2"/>
+          <p:cNvSpPr txBox="1"/>
+          <p:nvPr/>
+        </p:nvSpPr>
+        <p:spPr>
+          <a:xfrm>
+            <a:off x="251520" y="631721"/>
+            <a:ext cx="8568952" cy="523220"/>
+          </a:xfrm>
+          <a:prstGeom prst="rect">
+            <a:avLst/>
+          </a:prstGeom>
+          <a:noFill/>
+        </p:spPr>
+        <p:txBody>
+          <a:bodyPr wrap="square" rtlCol="0">
+            <a:spAutoFit/>
+          </a:bodyPr>
+          <a:lstStyle/>
+          <a:p>
+            <a:r>
+              <a:rPr lang="en-US" altLang="ja-JP" sz="1400" dirty="0" smtClean="0"/>
+              <a:t>The IEEE1888 </a:t>
+            </a:r>
+            <a:r>
+              <a:rPr lang="en-US" altLang="ja-JP" sz="1400" dirty="0" err="1" smtClean="0"/>
+              <a:t>WebSocket</a:t>
+            </a:r>
+            <a:r>
+              <a:rPr lang="en-US" altLang="ja-JP" sz="1400" dirty="0" smtClean="0"/>
+              <a:t> technology introduces dedicated proxies: LP1, LP2, GP.</a:t>
+            </a:r>
+          </a:p>
+          <a:p>
+            <a:r>
+              <a:rPr lang="en-US" altLang="ja-JP" sz="1400" dirty="0" smtClean="0"/>
+              <a:t>LP1 (and LP2) keeps a tunnel with GP1.</a:t>
+            </a:r>
+          </a:p>
+        </p:txBody>
+      </p:sp>
+      <p:sp>
+        <p:nvSpPr>
+          <p:cNvPr id="62" name="TextBox 61"/>
+          <p:cNvSpPr txBox="1"/>
+          <p:nvPr/>
+        </p:nvSpPr>
+        <p:spPr>
+          <a:xfrm>
+            <a:off x="6228184" y="3139942"/>
+            <a:ext cx="841027" cy="261610"/>
+          </a:xfrm>
+          <a:prstGeom prst="rect">
+            <a:avLst/>
+          </a:prstGeom>
+          <a:noFill/>
+        </p:spPr>
+        <p:txBody>
+          <a:bodyPr wrap="square" rtlCol="0">
+            <a:spAutoFit/>
+          </a:bodyPr>
+          <a:lstStyle/>
+          <a:p>
+            <a:r>
+              <a:rPr lang="en-US" sz="1100" dirty="0" smtClean="0">
+                <a:solidFill>
+                  <a:srgbClr val="FF0000"/>
+                </a:solidFill>
+              </a:rPr>
+              <a:t>URL-GP1-A</a:t>
+            </a:r>
+            <a:endParaRPr lang="en-US" sz="1100" dirty="0">
+              <a:solidFill>
+                <a:srgbClr val="FF0000"/>
+              </a:solidFill>
+            </a:endParaRPr>
+          </a:p>
+        </p:txBody>
+      </p:sp>
+      <p:sp>
+        <p:nvSpPr>
+          <p:cNvPr id="53" name="TextBox 52"/>
+          <p:cNvSpPr txBox="1"/>
+          <p:nvPr/>
+        </p:nvSpPr>
+        <p:spPr>
+          <a:xfrm>
+            <a:off x="3635896" y="1900866"/>
+            <a:ext cx="792088" cy="369332"/>
+          </a:xfrm>
+          <a:prstGeom prst="rect">
+            <a:avLst/>
+          </a:prstGeom>
+          <a:noFill/>
+        </p:spPr>
+        <p:txBody>
+          <a:bodyPr wrap="square" rtlCol="0">
+            <a:spAutoFit/>
+          </a:bodyPr>
+          <a:lstStyle/>
+          <a:p>
+            <a:r>
+              <a:rPr lang="en-US" dirty="0" smtClean="0"/>
+              <a:t>Net-P</a:t>
+            </a:r>
+            <a:endParaRPr lang="en-US" dirty="0"/>
+          </a:p>
+        </p:txBody>
+      </p:sp>
+      <p:sp>
+        <p:nvSpPr>
+          <p:cNvPr id="54" name="TextBox 53"/>
+          <p:cNvSpPr txBox="1"/>
+          <p:nvPr/>
+        </p:nvSpPr>
+        <p:spPr>
+          <a:xfrm>
+            <a:off x="3635896" y="4699886"/>
+            <a:ext cx="792088" cy="369332"/>
+          </a:xfrm>
+          <a:prstGeom prst="rect">
+            <a:avLst/>
+          </a:prstGeom>
+          <a:noFill/>
+        </p:spPr>
+        <p:txBody>
+          <a:bodyPr wrap="square" rtlCol="0">
+            <a:spAutoFit/>
+          </a:bodyPr>
+          <a:lstStyle/>
+          <a:p>
+            <a:r>
+              <a:rPr lang="en-US" dirty="0" smtClean="0"/>
+              <a:t>Net-Q</a:t>
+            </a:r>
+            <a:endParaRPr lang="en-US" dirty="0"/>
+          </a:p>
+        </p:txBody>
+      </p:sp>
+      <p:grpSp>
+        <p:nvGrpSpPr>
+          <p:cNvPr id="56" name="Group 55"/>
+          <p:cNvGrpSpPr/>
+          <p:nvPr/>
+        </p:nvGrpSpPr>
+        <p:grpSpPr>
+          <a:xfrm>
+            <a:off x="4427984" y="4042591"/>
+            <a:ext cx="294589" cy="932339"/>
+            <a:chOff x="4427984" y="990020"/>
+            <a:chExt cx="294589" cy="932339"/>
+          </a:xfrm>
+        </p:grpSpPr>
+        <p:sp>
+          <p:nvSpPr>
+            <p:cNvPr id="60" name="Rectangle 59"/>
+            <p:cNvSpPr/>
+            <p:nvPr/>
+          </p:nvSpPr>
+          <p:spPr>
+            <a:xfrm>
+              <a:off x="4427984" y="990020"/>
+              <a:ext cx="288032" cy="932339"/>
+            </a:xfrm>
+            <a:prstGeom prst="rect">
+              <a:avLst/>
+            </a:prstGeom>
+          </p:spPr>
+          <p:style>
+            <a:lnRef idx="1">
+              <a:schemeClr val="accent2"/>
+            </a:lnRef>
+            <a:fillRef idx="2">
+              <a:schemeClr val="accent2"/>
+            </a:fillRef>
+            <a:effectRef idx="1">
+              <a:schemeClr val="accent2"/>
+            </a:effectRef>
+            <a:fontRef idx="minor">
+              <a:schemeClr val="dk1"/>
+            </a:fontRef>
+          </p:style>
+          <p:txBody>
+            <a:bodyPr rtlCol="0" anchor="ctr"/>
+            <a:lstStyle/>
+            <a:p>
+              <a:pPr algn="ctr"/>
+              <a:endParaRPr lang="en-US"/>
+            </a:p>
+          </p:txBody>
+        </p:sp>
+        <p:sp>
+          <p:nvSpPr>
+            <p:cNvPr id="63" name="TextBox 62"/>
+            <p:cNvSpPr txBox="1"/>
+            <p:nvPr/>
+          </p:nvSpPr>
+          <p:spPr>
+            <a:xfrm rot="5400000">
+              <a:off x="4191721" y="1317730"/>
+              <a:ext cx="784706" cy="276999"/>
+            </a:xfrm>
+            <a:prstGeom prst="rect">
+              <a:avLst/>
+            </a:prstGeom>
+            <a:noFill/>
+          </p:spPr>
+          <p:txBody>
+            <a:bodyPr wrap="square" rtlCol="0">
+              <a:spAutoFit/>
+            </a:bodyPr>
+            <a:lstStyle/>
+            <a:p>
+              <a:pPr algn="ctr"/>
+              <a:r>
+                <a:rPr lang="en-US" sz="1200" dirty="0" smtClean="0"/>
+                <a:t>FW/NAT</a:t>
+              </a:r>
+              <a:endParaRPr lang="en-US" sz="1200" dirty="0"/>
+            </a:p>
+          </p:txBody>
+        </p:sp>
+      </p:grpSp>
+      <p:grpSp>
+        <p:nvGrpSpPr>
+          <p:cNvPr id="64" name="Group 63"/>
+          <p:cNvGrpSpPr/>
+          <p:nvPr/>
+        </p:nvGrpSpPr>
+        <p:grpSpPr>
+          <a:xfrm>
+            <a:off x="4427984" y="2161090"/>
+            <a:ext cx="294589" cy="1513931"/>
+            <a:chOff x="4427984" y="990020"/>
+            <a:chExt cx="294589" cy="932339"/>
+          </a:xfrm>
+        </p:grpSpPr>
+        <p:sp>
+          <p:nvSpPr>
+            <p:cNvPr id="65" name="Rectangle 64"/>
+            <p:cNvSpPr/>
+            <p:nvPr/>
+          </p:nvSpPr>
+          <p:spPr>
+            <a:xfrm>
+              <a:off x="4427984" y="990020"/>
+              <a:ext cx="288032" cy="932339"/>
+            </a:xfrm>
+            <a:prstGeom prst="rect">
+              <a:avLst/>
+            </a:prstGeom>
+          </p:spPr>
+          <p:style>
+            <a:lnRef idx="1">
+              <a:schemeClr val="accent2"/>
+            </a:lnRef>
+            <a:fillRef idx="2">
+              <a:schemeClr val="accent2"/>
+            </a:fillRef>
+            <a:effectRef idx="1">
+              <a:schemeClr val="accent2"/>
+            </a:effectRef>
+            <a:fontRef idx="minor">
+              <a:schemeClr val="dk1"/>
+            </a:fontRef>
+          </p:style>
+          <p:txBody>
+            <a:bodyPr rtlCol="0" anchor="ctr"/>
+            <a:lstStyle/>
+            <a:p>
+              <a:pPr algn="ctr"/>
+              <a:endParaRPr lang="en-US"/>
+            </a:p>
+          </p:txBody>
+        </p:sp>
+        <p:sp>
+          <p:nvSpPr>
+            <p:cNvPr id="66" name="TextBox 65"/>
+            <p:cNvSpPr txBox="1"/>
+            <p:nvPr/>
+          </p:nvSpPr>
+          <p:spPr>
+            <a:xfrm rot="5400000">
+              <a:off x="4191721" y="1317730"/>
+              <a:ext cx="784706" cy="276999"/>
+            </a:xfrm>
+            <a:prstGeom prst="rect">
+              <a:avLst/>
+            </a:prstGeom>
+            <a:noFill/>
+          </p:spPr>
+          <p:txBody>
+            <a:bodyPr wrap="square" rtlCol="0">
+              <a:spAutoFit/>
+            </a:bodyPr>
+            <a:lstStyle/>
+            <a:p>
+              <a:pPr algn="ctr"/>
+              <a:r>
+                <a:rPr lang="en-US" sz="1200" dirty="0" smtClean="0"/>
+                <a:t>FW/NAT</a:t>
+              </a:r>
+              <a:endParaRPr lang="en-US" sz="1200" dirty="0"/>
+            </a:p>
+          </p:txBody>
+        </p:sp>
+      </p:grpSp>
+      <p:grpSp>
+        <p:nvGrpSpPr>
+          <p:cNvPr id="27" name="Group 26"/>
+          <p:cNvGrpSpPr/>
+          <p:nvPr/>
+        </p:nvGrpSpPr>
+        <p:grpSpPr>
+          <a:xfrm>
+            <a:off x="3923928" y="2836628"/>
+            <a:ext cx="1296144" cy="1726929"/>
+            <a:chOff x="3923928" y="1556450"/>
+            <a:chExt cx="1296144" cy="1726929"/>
+          </a:xfrm>
+        </p:grpSpPr>
+        <p:cxnSp>
+          <p:nvCxnSpPr>
+            <p:cNvPr id="29" name="Straight Connector 28"/>
+            <p:cNvCxnSpPr/>
+            <p:nvPr/>
+          </p:nvCxnSpPr>
+          <p:spPr>
+            <a:xfrm flipH="1">
+              <a:off x="3923928" y="3262362"/>
+              <a:ext cx="1224136" cy="0"/>
+            </a:xfrm>
+            <a:prstGeom prst="line">
+              <a:avLst/>
+            </a:prstGeom>
+            <a:ln>
+              <a:headEnd type="none"/>
+              <a:tailEnd type="arrow" w="lg" len="lg"/>
+            </a:ln>
+          </p:spPr>
+          <p:style>
+            <a:lnRef idx="2">
+              <a:schemeClr val="dk1"/>
+            </a:lnRef>
+            <a:fillRef idx="0">
+              <a:schemeClr val="dk1"/>
+            </a:fillRef>
+            <a:effectRef idx="1">
+              <a:schemeClr val="dk1"/>
+            </a:effectRef>
+            <a:fontRef idx="minor">
+              <a:schemeClr val="tx1"/>
+            </a:fontRef>
+          </p:style>
+        </p:cxnSp>
+        <p:cxnSp>
+          <p:nvCxnSpPr>
+            <p:cNvPr id="57" name="Straight Connector 56"/>
+            <p:cNvCxnSpPr/>
+            <p:nvPr/>
+          </p:nvCxnSpPr>
+          <p:spPr>
+            <a:xfrm flipH="1">
+              <a:off x="5148064" y="1556450"/>
+              <a:ext cx="72008" cy="383261"/>
+            </a:xfrm>
+            <a:prstGeom prst="line">
+              <a:avLst/>
+            </a:prstGeom>
+          </p:spPr>
+          <p:style>
+            <a:lnRef idx="2">
+              <a:schemeClr val="dk1"/>
+            </a:lnRef>
+            <a:fillRef idx="0">
+              <a:schemeClr val="dk1"/>
+            </a:fillRef>
+            <a:effectRef idx="1">
+              <a:schemeClr val="dk1"/>
+            </a:effectRef>
+            <a:fontRef idx="minor">
+              <a:schemeClr val="tx1"/>
+            </a:fontRef>
+          </p:style>
+        </p:cxnSp>
+        <p:cxnSp>
+          <p:nvCxnSpPr>
+            <p:cNvPr id="67" name="Straight Connector 66"/>
+            <p:cNvCxnSpPr/>
+            <p:nvPr/>
+          </p:nvCxnSpPr>
+          <p:spPr>
+            <a:xfrm>
+              <a:off x="5148064" y="1922359"/>
+              <a:ext cx="0" cy="1361020"/>
+            </a:xfrm>
+            <a:prstGeom prst="line">
+              <a:avLst/>
+            </a:prstGeom>
+          </p:spPr>
+          <p:style>
+            <a:lnRef idx="2">
+              <a:schemeClr val="dk1"/>
+            </a:lnRef>
+            <a:fillRef idx="0">
+              <a:schemeClr val="dk1"/>
+            </a:fillRef>
+            <a:effectRef idx="1">
+              <a:schemeClr val="dk1"/>
+            </a:effectRef>
+            <a:fontRef idx="minor">
+              <a:schemeClr val="tx1"/>
+            </a:fontRef>
+          </p:style>
+        </p:cxnSp>
+      </p:grpSp>
+      <p:cxnSp>
+        <p:nvCxnSpPr>
+          <p:cNvPr id="26" name="Straight Connector 25"/>
+          <p:cNvCxnSpPr>
+            <a:stCxn id="15" idx="1"/>
+            <a:endCxn id="11" idx="3"/>
+          </p:cNvCxnSpPr>
+          <p:nvPr/>
+        </p:nvCxnSpPr>
+        <p:spPr>
+          <a:xfrm flipH="1" flipV="1">
+            <a:off x="3923928" y="2819275"/>
+            <a:ext cx="1296144" cy="1"/>
+          </a:xfrm>
+          <a:prstGeom prst="line">
+            <a:avLst/>
+          </a:prstGeom>
+          <a:ln>
+            <a:headEnd type="arrow" w="lg" len="lg"/>
+            <a:tailEnd type="arrow" w="lg" len="lg"/>
+          </a:ln>
+        </p:spPr>
+        <p:style>
+          <a:lnRef idx="2">
+            <a:schemeClr val="dk1"/>
+          </a:lnRef>
+          <a:fillRef idx="0">
+            <a:schemeClr val="dk1"/>
+          </a:fillRef>
+          <a:effectRef idx="1">
+            <a:schemeClr val="dk1"/>
+          </a:effectRef>
+          <a:fontRef idx="minor">
+            <a:schemeClr val="tx1"/>
+          </a:fontRef>
+        </p:style>
+      </p:cxnSp>
+      <p:sp>
+        <p:nvSpPr>
+          <p:cNvPr id="30" name="Can 29"/>
+          <p:cNvSpPr/>
+          <p:nvPr/>
+        </p:nvSpPr>
+        <p:spPr>
+          <a:xfrm rot="5400000">
+            <a:off x="4457611" y="2379080"/>
+            <a:ext cx="255403" cy="880399"/>
+          </a:xfrm>
+          <a:prstGeom prst="can">
+            <a:avLst/>
+          </a:prstGeom>
+        </p:spPr>
+        <p:style>
+          <a:lnRef idx="1">
+            <a:schemeClr val="accent1"/>
+          </a:lnRef>
+          <a:fillRef idx="3">
+            <a:schemeClr val="accent1"/>
+          </a:fillRef>
+          <a:effectRef idx="2">
+            <a:schemeClr val="accent1"/>
+          </a:effectRef>
+          <a:fontRef idx="minor">
+            <a:schemeClr val="lt1"/>
+          </a:fontRef>
+        </p:style>
+        <p:txBody>
+          <a:bodyPr rtlCol="0" anchor="ctr"/>
+          <a:lstStyle/>
+          <a:p>
+            <a:pPr algn="ctr"/>
+            <a:endParaRPr lang="en-US"/>
+          </a:p>
+        </p:txBody>
+      </p:sp>
+      <p:sp>
+        <p:nvSpPr>
+          <p:cNvPr id="68" name="Can 67"/>
+          <p:cNvSpPr/>
+          <p:nvPr/>
+        </p:nvSpPr>
+        <p:spPr>
+          <a:xfrm rot="5400000">
+            <a:off x="4463591" y="4069269"/>
+            <a:ext cx="255403" cy="880399"/>
+          </a:xfrm>
+          <a:prstGeom prst="can">
+            <a:avLst/>
+          </a:prstGeom>
+        </p:spPr>
+        <p:style>
+          <a:lnRef idx="1">
+            <a:schemeClr val="accent1"/>
+          </a:lnRef>
+          <a:fillRef idx="3">
+            <a:schemeClr val="accent1"/>
+          </a:fillRef>
+          <a:effectRef idx="2">
+            <a:schemeClr val="accent1"/>
+          </a:effectRef>
+          <a:fontRef idx="minor">
+            <a:schemeClr val="lt1"/>
+          </a:fontRef>
+        </p:style>
+        <p:txBody>
+          <a:bodyPr rtlCol="0" anchor="ctr"/>
+          <a:lstStyle/>
+          <a:p>
+            <a:pPr algn="ctr"/>
+            <a:endParaRPr lang="en-US"/>
+          </a:p>
+        </p:txBody>
+      </p:sp>
+      <p:sp>
+        <p:nvSpPr>
+          <p:cNvPr id="71" name="TextBox 70"/>
+          <p:cNvSpPr txBox="1"/>
+          <p:nvPr/>
+        </p:nvSpPr>
+        <p:spPr>
+          <a:xfrm>
+            <a:off x="6228184" y="3292342"/>
+            <a:ext cx="841027" cy="261610"/>
+          </a:xfrm>
+          <a:prstGeom prst="rect">
+            <a:avLst/>
+          </a:prstGeom>
+          <a:noFill/>
+        </p:spPr>
+        <p:txBody>
+          <a:bodyPr wrap="square" rtlCol="0">
+            <a:spAutoFit/>
+          </a:bodyPr>
+          <a:lstStyle/>
+          <a:p>
+            <a:r>
+              <a:rPr lang="en-US" sz="1100" dirty="0" smtClean="0">
+                <a:solidFill>
+                  <a:srgbClr val="FF0000"/>
+                </a:solidFill>
+              </a:rPr>
+              <a:t>URL-GP1</a:t>
+            </a:r>
+            <a:r>
+              <a:rPr lang="en-US" sz="1100" dirty="0" smtClean="0">
+                <a:solidFill>
+                  <a:srgbClr val="FF0000"/>
+                </a:solidFill>
+              </a:rPr>
+              <a:t>-C</a:t>
+            </a:r>
+            <a:endParaRPr lang="en-US" sz="1100" dirty="0">
+              <a:solidFill>
+                <a:srgbClr val="FF0000"/>
+              </a:solidFill>
+            </a:endParaRPr>
+          </a:p>
+        </p:txBody>
+      </p:sp>
+      <p:sp>
+        <p:nvSpPr>
+          <p:cNvPr id="35" name="TextBox 34"/>
+          <p:cNvSpPr txBox="1"/>
+          <p:nvPr/>
+        </p:nvSpPr>
+        <p:spPr>
+          <a:xfrm>
+            <a:off x="4427984" y="1250176"/>
+            <a:ext cx="4608512" cy="738664"/>
+          </a:xfrm>
+          <a:prstGeom prst="rect">
+            <a:avLst/>
+          </a:prstGeom>
+          <a:noFill/>
+        </p:spPr>
+        <p:txBody>
+          <a:bodyPr wrap="square" rtlCol="0">
+            <a:spAutoFit/>
+          </a:bodyPr>
+          <a:lstStyle/>
+          <a:p>
+            <a:r>
+              <a:rPr lang="en-US" altLang="ja-JP" sz="1400" dirty="0"/>
+              <a:t>In order for B to access to URL-C:</a:t>
+            </a:r>
+          </a:p>
+          <a:p>
+            <a:r>
+              <a:rPr lang="en-US" altLang="ja-JP" sz="1400" dirty="0"/>
+              <a:t>LP1 provides URL-LP1-C to allow B to access to URL-GP1-C.</a:t>
+            </a:r>
+          </a:p>
+          <a:p>
+            <a:r>
+              <a:rPr lang="en-US" altLang="ja-JP" sz="1400" dirty="0"/>
+              <a:t>GP1 provides URL-GP1-C to allow B to access to URL-C.</a:t>
+            </a:r>
+          </a:p>
+        </p:txBody>
+      </p:sp>
+      <p:sp>
+        <p:nvSpPr>
+          <p:cNvPr id="73" name="TextBox 72"/>
+          <p:cNvSpPr txBox="1"/>
+          <p:nvPr/>
+        </p:nvSpPr>
+        <p:spPr>
+          <a:xfrm>
+            <a:off x="251520" y="1177588"/>
+            <a:ext cx="4183022" cy="523220"/>
+          </a:xfrm>
+          <a:prstGeom prst="rect">
+            <a:avLst/>
+          </a:prstGeom>
+          <a:noFill/>
+        </p:spPr>
+        <p:txBody>
+          <a:bodyPr wrap="square" rtlCol="0">
+            <a:spAutoFit/>
+          </a:bodyPr>
+          <a:lstStyle/>
+          <a:p>
+            <a:r>
+              <a:rPr lang="en-US" altLang="ja-JP" sz="1400" dirty="0"/>
+              <a:t>In order for Y to access to URL-A:</a:t>
+            </a:r>
+          </a:p>
+          <a:p>
+            <a:r>
+              <a:rPr lang="en-US" altLang="ja-JP" sz="1400" dirty="0"/>
+              <a:t>GP1 provides URL-GP1-A to allow an access to URL-A</a:t>
+            </a:r>
+            <a:r>
+              <a:rPr lang="en-US" altLang="ja-JP" sz="1400" dirty="0" smtClean="0"/>
+              <a:t>.</a:t>
+            </a:r>
+            <a:endParaRPr lang="en-US" altLang="ja-JP" sz="1400" dirty="0"/>
+          </a:p>
+        </p:txBody>
+      </p:sp>
+      <p:sp>
+        <p:nvSpPr>
+          <p:cNvPr id="74" name="Title 71"/>
+          <p:cNvSpPr txBox="1">
+            <a:spLocks/>
+          </p:cNvSpPr>
+          <p:nvPr/>
+        </p:nvSpPr>
+        <p:spPr>
+          <a:xfrm>
+            <a:off x="457200" y="21873"/>
+            <a:ext cx="8229600" cy="720551"/>
+          </a:xfrm>
+          <a:prstGeom prst="rect">
+            <a:avLst/>
+          </a:prstGeom>
+        </p:spPr>
+        <p:txBody>
+          <a:bodyPr/>
+          <a:lstStyle>
+            <a:lvl1pPr algn="ctr" defTabSz="457200" rtl="0" eaLnBrk="1" latinLnBrk="0" hangingPunct="1">
+              <a:spcBef>
+                <a:spcPct val="0"/>
+              </a:spcBef>
+              <a:buNone/>
+              <a:defRPr kumimoji="1" sz="4400" kern="1200">
+                <a:solidFill>
+                  <a:schemeClr val="tx1"/>
+                </a:solidFill>
+                <a:latin typeface="+mn-lt"/>
+                <a:ea typeface="+mj-ea"/>
+                <a:cs typeface="Apple Casual"/>
+              </a:defRPr>
+            </a:lvl1pPr>
+          </a:lstStyle>
+          <a:p>
+            <a:r>
+              <a:rPr lang="en-US" sz="4000" dirty="0" smtClean="0"/>
+              <a:t>IEEE1888 </a:t>
+            </a:r>
+            <a:r>
+              <a:rPr lang="en-US" sz="4000" dirty="0" err="1" smtClean="0"/>
+              <a:t>WebSocket</a:t>
+            </a:r>
+            <a:endParaRPr lang="en-US" sz="4000" dirty="0"/>
+          </a:p>
+        </p:txBody>
+      </p:sp>
+    </p:spTree>
+    <p:extLst>
+      <p:ext uri="{BB962C8B-B14F-4D97-AF65-F5344CB8AC3E}">
+        <p14:creationId xmlns:p14="http://schemas.microsoft.com/office/powerpoint/2010/main" val="2145887835"/>
+      </p:ext>
+    </p:extLst>
+  </p:cSld>
+  <p:clrMapOvr>
+    <a:masterClrMapping/>
+  </p:clrMapOvr>
+</p:sld>
+</file>
+
+<file path=ppt/slides/slide6.xml><?xml version="1.0" encoding="utf-8"?>
+<p:sld xmlns:a="http://schemas.openxmlformats.org/drawingml/2006/main" xmlns:r="http://schemas.openxmlformats.org/officeDocument/2006/relationships" xmlns:p="http://schemas.openxmlformats.org/presentationml/2006/main">
+  <p:cSld>
+    <p:spTree>
+      <p:nvGrpSpPr>
+        <p:cNvPr id="1" name=""/>
+        <p:cNvGrpSpPr/>
+        <p:nvPr/>
+      </p:nvGrpSpPr>
+      <p:grpSpPr>
+        <a:xfrm>
+          <a:off x="0" y="0"/>
+          <a:ext cx="0" cy="0"/>
+          <a:chOff x="0" y="0"/>
+          <a:chExt cx="0" cy="0"/>
+        </a:xfrm>
+      </p:grpSpPr>
+      <p:sp>
+        <p:nvSpPr>
+          <p:cNvPr id="111" name="Rectangle 110"/>
+          <p:cNvSpPr/>
+          <p:nvPr/>
+        </p:nvSpPr>
+        <p:spPr>
+          <a:xfrm>
+            <a:off x="539552" y="2680368"/>
+            <a:ext cx="4031631" cy="1092094"/>
+          </a:xfrm>
+          <a:prstGeom prst="rect">
+            <a:avLst/>
+          </a:prstGeom>
+          <a:solidFill>
+            <a:schemeClr val="accent6">
+              <a:lumMod val="20000"/>
+              <a:lumOff val="80000"/>
+            </a:schemeClr>
+          </a:solidFill>
+          <a:ln>
+            <a:noFill/>
+          </a:ln>
+        </p:spPr>
+        <p:style>
+          <a:lnRef idx="1">
+            <a:schemeClr val="accent1"/>
+          </a:lnRef>
+          <a:fillRef idx="3">
+            <a:schemeClr val="accent1"/>
+          </a:fillRef>
+          <a:effectRef idx="2">
+            <a:schemeClr val="accent1"/>
+          </a:effectRef>
+          <a:fontRef idx="minor">
+            <a:schemeClr val="lt1"/>
+          </a:fontRef>
+        </p:style>
+        <p:txBody>
+          <a:bodyPr rtlCol="0" anchor="ctr"/>
+          <a:lstStyle/>
+          <a:p>
+            <a:pPr algn="ctr"/>
+            <a:endParaRPr lang="en-US" dirty="0"/>
+          </a:p>
+        </p:txBody>
+      </p:sp>
+      <p:sp>
+        <p:nvSpPr>
+          <p:cNvPr id="109" name="Rectangle 108"/>
+          <p:cNvSpPr/>
+          <p:nvPr/>
+        </p:nvSpPr>
+        <p:spPr>
+          <a:xfrm>
+            <a:off x="539552" y="694024"/>
+            <a:ext cx="4031631" cy="1786902"/>
+          </a:xfrm>
+          <a:prstGeom prst="rect">
+            <a:avLst/>
+          </a:prstGeom>
+          <a:solidFill>
+            <a:schemeClr val="accent6">
+              <a:lumMod val="20000"/>
+              <a:lumOff val="80000"/>
+            </a:schemeClr>
+          </a:solidFill>
+          <a:ln>
+            <a:noFill/>
+          </a:ln>
+        </p:spPr>
+        <p:style>
+          <a:lnRef idx="1">
+            <a:schemeClr val="accent1"/>
+          </a:lnRef>
+          <a:fillRef idx="3">
+            <a:schemeClr val="accent1"/>
+          </a:fillRef>
+          <a:effectRef idx="2">
+            <a:schemeClr val="accent1"/>
+          </a:effectRef>
+          <a:fontRef idx="minor">
+            <a:schemeClr val="lt1"/>
+          </a:fontRef>
+        </p:style>
+        <p:txBody>
+          <a:bodyPr rtlCol="0" anchor="ctr"/>
+          <a:lstStyle/>
+          <a:p>
+            <a:pPr algn="ctr"/>
+            <a:endParaRPr lang="en-US"/>
+          </a:p>
+        </p:txBody>
+      </p:sp>
+      <p:sp>
+        <p:nvSpPr>
+          <p:cNvPr id="4" name="Rounded Rectangle 3"/>
+          <p:cNvSpPr/>
+          <p:nvPr/>
+        </p:nvSpPr>
+        <p:spPr>
+          <a:xfrm>
+            <a:off x="827584" y="880912"/>
+            <a:ext cx="631034" cy="439295"/>
+          </a:xfrm>
+          <a:prstGeom prst="roundRect">
+            <a:avLst/>
+          </a:prstGeom>
+        </p:spPr>
+        <p:style>
+          <a:lnRef idx="1">
+            <a:schemeClr val="accent1"/>
+          </a:lnRef>
+          <a:fillRef idx="3">
+            <a:schemeClr val="accent1"/>
+          </a:fillRef>
+          <a:effectRef idx="2">
+            <a:schemeClr val="accent1"/>
+          </a:effectRef>
+          <a:fontRef idx="minor">
+            <a:schemeClr val="lt1"/>
+          </a:fontRef>
+        </p:style>
+        <p:txBody>
+          <a:bodyPr rtlCol="0" anchor="ctr"/>
+          <a:lstStyle/>
+          <a:p>
+            <a:pPr algn="ctr"/>
+            <a:r>
+              <a:rPr lang="en-US" dirty="0"/>
+              <a:t>A</a:t>
+            </a:r>
+          </a:p>
+        </p:txBody>
+      </p:sp>
+      <p:sp>
+        <p:nvSpPr>
+          <p:cNvPr id="5" name="Rounded Rectangle 4"/>
+          <p:cNvSpPr/>
+          <p:nvPr/>
+        </p:nvSpPr>
+        <p:spPr>
+          <a:xfrm>
+            <a:off x="833017" y="1922359"/>
+            <a:ext cx="631034" cy="439295"/>
+          </a:xfrm>
+          <a:prstGeom prst="roundRect">
+            <a:avLst/>
+          </a:prstGeom>
+        </p:spPr>
+        <p:style>
+          <a:lnRef idx="1">
+            <a:schemeClr val="accent1"/>
+          </a:lnRef>
+          <a:fillRef idx="3">
+            <a:schemeClr val="accent1"/>
+          </a:fillRef>
+          <a:effectRef idx="2">
+            <a:schemeClr val="accent1"/>
+          </a:effectRef>
+          <a:fontRef idx="minor">
+            <a:schemeClr val="lt1"/>
+          </a:fontRef>
+        </p:style>
+        <p:txBody>
+          <a:bodyPr rtlCol="0" anchor="ctr"/>
+          <a:lstStyle/>
+          <a:p>
+            <a:pPr algn="ctr"/>
+            <a:r>
+              <a:rPr lang="en-US" dirty="0" smtClean="0"/>
+              <a:t>B</a:t>
+            </a:r>
+            <a:endParaRPr lang="en-US" dirty="0"/>
+          </a:p>
+        </p:txBody>
+      </p:sp>
+      <p:sp>
+        <p:nvSpPr>
+          <p:cNvPr id="6" name="Rounded Rectangle 5"/>
+          <p:cNvSpPr/>
+          <p:nvPr/>
+        </p:nvSpPr>
+        <p:spPr>
+          <a:xfrm>
+            <a:off x="7677394" y="843376"/>
+            <a:ext cx="631034" cy="439295"/>
+          </a:xfrm>
+          <a:prstGeom prst="roundRect">
+            <a:avLst/>
+          </a:prstGeom>
+        </p:spPr>
+        <p:style>
+          <a:lnRef idx="1">
+            <a:schemeClr val="accent1"/>
+          </a:lnRef>
+          <a:fillRef idx="3">
+            <a:schemeClr val="accent1"/>
+          </a:fillRef>
+          <a:effectRef idx="2">
+            <a:schemeClr val="accent1"/>
+          </a:effectRef>
+          <a:fontRef idx="minor">
+            <a:schemeClr val="lt1"/>
+          </a:fontRef>
+        </p:style>
+        <p:txBody>
+          <a:bodyPr rtlCol="0" anchor="ctr"/>
+          <a:lstStyle/>
+          <a:p>
+            <a:pPr algn="ctr"/>
+            <a:r>
+              <a:rPr lang="en-US" dirty="0"/>
+              <a:t>X</a:t>
+            </a:r>
+          </a:p>
+        </p:txBody>
+      </p:sp>
+      <p:sp>
+        <p:nvSpPr>
+          <p:cNvPr id="7" name="Rounded Rectangle 6"/>
+          <p:cNvSpPr/>
+          <p:nvPr/>
+        </p:nvSpPr>
+        <p:spPr>
+          <a:xfrm>
+            <a:off x="7682827" y="1884823"/>
+            <a:ext cx="631034" cy="439295"/>
+          </a:xfrm>
+          <a:prstGeom prst="roundRect">
+            <a:avLst/>
+          </a:prstGeom>
+        </p:spPr>
+        <p:style>
+          <a:lnRef idx="1">
+            <a:schemeClr val="accent1"/>
+          </a:lnRef>
+          <a:fillRef idx="3">
+            <a:schemeClr val="accent1"/>
+          </a:fillRef>
+          <a:effectRef idx="2">
+            <a:schemeClr val="accent1"/>
+          </a:effectRef>
+          <a:fontRef idx="minor">
+            <a:schemeClr val="lt1"/>
+          </a:fontRef>
+        </p:style>
+        <p:txBody>
+          <a:bodyPr rtlCol="0" anchor="ctr"/>
+          <a:lstStyle/>
+          <a:p>
+            <a:pPr algn="ctr"/>
+            <a:r>
+              <a:rPr lang="en-US" dirty="0"/>
+              <a:t>Y</a:t>
+            </a:r>
+          </a:p>
+        </p:txBody>
+      </p:sp>
+      <p:sp>
+        <p:nvSpPr>
+          <p:cNvPr id="8" name="Rounded Rectangle 7"/>
+          <p:cNvSpPr/>
+          <p:nvPr/>
+        </p:nvSpPr>
+        <p:spPr>
+          <a:xfrm>
+            <a:off x="7685382" y="3034992"/>
+            <a:ext cx="631034" cy="439295"/>
+          </a:xfrm>
+          <a:prstGeom prst="roundRect">
+            <a:avLst/>
+          </a:prstGeom>
+        </p:spPr>
+        <p:style>
+          <a:lnRef idx="1">
+            <a:schemeClr val="accent1"/>
+          </a:lnRef>
+          <a:fillRef idx="3">
+            <a:schemeClr val="accent1"/>
+          </a:fillRef>
+          <a:effectRef idx="2">
+            <a:schemeClr val="accent1"/>
+          </a:effectRef>
+          <a:fontRef idx="minor">
+            <a:schemeClr val="lt1"/>
+          </a:fontRef>
+        </p:style>
+        <p:txBody>
+          <a:bodyPr rtlCol="0" anchor="ctr"/>
+          <a:lstStyle/>
+          <a:p>
+            <a:pPr algn="ctr"/>
+            <a:r>
+              <a:rPr lang="en-US" dirty="0" smtClean="0"/>
+              <a:t>Z</a:t>
+            </a:r>
+            <a:endParaRPr lang="en-US" dirty="0"/>
+          </a:p>
+        </p:txBody>
+      </p:sp>
+      <p:sp>
+        <p:nvSpPr>
+          <p:cNvPr id="11" name="Rectangle 10"/>
+          <p:cNvSpPr/>
+          <p:nvPr/>
+        </p:nvSpPr>
+        <p:spPr>
+          <a:xfrm>
+            <a:off x="2699792" y="1224960"/>
+            <a:ext cx="1224136" cy="628274"/>
+          </a:xfrm>
+          <a:prstGeom prst="rect">
+            <a:avLst/>
+          </a:prstGeom>
+        </p:spPr>
+        <p:style>
+          <a:lnRef idx="1">
+            <a:schemeClr val="accent1"/>
+          </a:lnRef>
+          <a:fillRef idx="3">
+            <a:schemeClr val="accent1"/>
+          </a:fillRef>
+          <a:effectRef idx="2">
+            <a:schemeClr val="accent1"/>
+          </a:effectRef>
+          <a:fontRef idx="minor">
+            <a:schemeClr val="lt1"/>
+          </a:fontRef>
+        </p:style>
+        <p:txBody>
+          <a:bodyPr rtlCol="0" anchor="ctr"/>
+          <a:lstStyle/>
+          <a:p>
+            <a:pPr algn="ctr"/>
+            <a:endParaRPr lang="en-US"/>
+          </a:p>
+        </p:txBody>
+      </p:sp>
+      <p:sp>
+        <p:nvSpPr>
+          <p:cNvPr id="12" name="TextBox 11"/>
+          <p:cNvSpPr txBox="1"/>
+          <p:nvPr/>
+        </p:nvSpPr>
+        <p:spPr>
+          <a:xfrm>
+            <a:off x="3419872" y="1202012"/>
+            <a:ext cx="576064" cy="369332"/>
+          </a:xfrm>
+          <a:prstGeom prst="rect">
+            <a:avLst/>
+          </a:prstGeom>
+          <a:noFill/>
+        </p:spPr>
+        <p:txBody>
+          <a:bodyPr wrap="square" rtlCol="0">
+            <a:spAutoFit/>
+          </a:bodyPr>
+          <a:lstStyle/>
+          <a:p>
+            <a:r>
+              <a:rPr lang="en-US" dirty="0">
+                <a:solidFill>
+                  <a:schemeClr val="bg1"/>
+                </a:solidFill>
+              </a:rPr>
+              <a:t>L</a:t>
+            </a:r>
+            <a:r>
+              <a:rPr lang="en-US" dirty="0" smtClean="0">
+                <a:solidFill>
+                  <a:schemeClr val="bg1"/>
+                </a:solidFill>
+              </a:rPr>
+              <a:t>P1</a:t>
+            </a:r>
+            <a:endParaRPr lang="en-US" dirty="0">
+              <a:solidFill>
+                <a:schemeClr val="bg1"/>
+              </a:solidFill>
+            </a:endParaRPr>
+          </a:p>
+        </p:txBody>
+      </p:sp>
+      <p:sp>
+        <p:nvSpPr>
+          <p:cNvPr id="13" name="Rectangle 12"/>
+          <p:cNvSpPr/>
+          <p:nvPr/>
+        </p:nvSpPr>
+        <p:spPr>
+          <a:xfrm>
+            <a:off x="2699792" y="2940144"/>
+            <a:ext cx="1224136" cy="631267"/>
+          </a:xfrm>
+          <a:prstGeom prst="rect">
+            <a:avLst/>
+          </a:prstGeom>
+        </p:spPr>
+        <p:style>
+          <a:lnRef idx="1">
+            <a:schemeClr val="accent1"/>
+          </a:lnRef>
+          <a:fillRef idx="3">
+            <a:schemeClr val="accent1"/>
+          </a:fillRef>
+          <a:effectRef idx="2">
+            <a:schemeClr val="accent1"/>
+          </a:effectRef>
+          <a:fontRef idx="minor">
+            <a:schemeClr val="lt1"/>
+          </a:fontRef>
+        </p:style>
+        <p:txBody>
+          <a:bodyPr rtlCol="0" anchor="ctr"/>
+          <a:lstStyle/>
+          <a:p>
+            <a:pPr algn="ctr"/>
+            <a:endParaRPr lang="en-US"/>
+          </a:p>
+        </p:txBody>
+      </p:sp>
+      <p:sp>
+        <p:nvSpPr>
+          <p:cNvPr id="14" name="TextBox 13"/>
+          <p:cNvSpPr txBox="1"/>
+          <p:nvPr/>
+        </p:nvSpPr>
+        <p:spPr>
+          <a:xfrm>
+            <a:off x="3419872" y="2914047"/>
+            <a:ext cx="576064" cy="369332"/>
+          </a:xfrm>
+          <a:prstGeom prst="rect">
+            <a:avLst/>
+          </a:prstGeom>
+          <a:noFill/>
+        </p:spPr>
+        <p:txBody>
+          <a:bodyPr wrap="square" rtlCol="0">
+            <a:spAutoFit/>
+          </a:bodyPr>
+          <a:lstStyle/>
+          <a:p>
+            <a:r>
+              <a:rPr lang="en-US" dirty="0">
+                <a:solidFill>
+                  <a:srgbClr val="FFFFFF"/>
+                </a:solidFill>
+              </a:rPr>
+              <a:t>L</a:t>
+            </a:r>
+            <a:r>
+              <a:rPr lang="en-US" dirty="0" smtClean="0">
+                <a:solidFill>
+                  <a:srgbClr val="FFFFFF"/>
+                </a:solidFill>
+              </a:rPr>
+              <a:t>P2</a:t>
+            </a:r>
+            <a:endParaRPr lang="en-US" dirty="0">
+              <a:solidFill>
+                <a:srgbClr val="FFFFFF"/>
+              </a:solidFill>
+            </a:endParaRPr>
+          </a:p>
+        </p:txBody>
+      </p:sp>
+      <p:sp>
+        <p:nvSpPr>
+          <p:cNvPr id="15" name="Rectangle 14"/>
+          <p:cNvSpPr/>
+          <p:nvPr/>
+        </p:nvSpPr>
+        <p:spPr>
+          <a:xfrm>
+            <a:off x="5220072" y="1224961"/>
+            <a:ext cx="1224136" cy="628273"/>
+          </a:xfrm>
+          <a:prstGeom prst="rect">
+            <a:avLst/>
+          </a:prstGeom>
+        </p:spPr>
+        <p:style>
+          <a:lnRef idx="1">
+            <a:schemeClr val="accent1"/>
+          </a:lnRef>
+          <a:fillRef idx="3">
+            <a:schemeClr val="accent1"/>
+          </a:fillRef>
+          <a:effectRef idx="2">
+            <a:schemeClr val="accent1"/>
+          </a:effectRef>
+          <a:fontRef idx="minor">
+            <a:schemeClr val="lt1"/>
+          </a:fontRef>
+        </p:style>
+        <p:txBody>
+          <a:bodyPr rtlCol="0" anchor="ctr"/>
+          <a:lstStyle/>
+          <a:p>
+            <a:pPr algn="ctr"/>
+            <a:endParaRPr lang="en-US"/>
+          </a:p>
+        </p:txBody>
+      </p:sp>
+      <p:sp>
+        <p:nvSpPr>
+          <p:cNvPr id="16" name="TextBox 15"/>
+          <p:cNvSpPr txBox="1"/>
+          <p:nvPr/>
+        </p:nvSpPr>
+        <p:spPr>
+          <a:xfrm>
+            <a:off x="5182536" y="1192720"/>
+            <a:ext cx="576064" cy="369332"/>
+          </a:xfrm>
+          <a:prstGeom prst="rect">
+            <a:avLst/>
+          </a:prstGeom>
+          <a:noFill/>
+        </p:spPr>
+        <p:txBody>
+          <a:bodyPr wrap="square" rtlCol="0">
+            <a:spAutoFit/>
+          </a:bodyPr>
+          <a:lstStyle/>
+          <a:p>
+            <a:r>
+              <a:rPr lang="en-US" dirty="0">
+                <a:solidFill>
+                  <a:schemeClr val="bg1"/>
+                </a:solidFill>
+              </a:rPr>
+              <a:t>G</a:t>
+            </a:r>
+            <a:r>
+              <a:rPr lang="en-US" dirty="0" smtClean="0">
+                <a:solidFill>
+                  <a:schemeClr val="bg1"/>
+                </a:solidFill>
+              </a:rPr>
+              <a:t>P1</a:t>
+            </a:r>
+            <a:endParaRPr lang="en-US" dirty="0">
+              <a:solidFill>
+                <a:schemeClr val="bg1"/>
+              </a:solidFill>
+            </a:endParaRPr>
+          </a:p>
+        </p:txBody>
+      </p:sp>
+      <p:cxnSp>
+        <p:nvCxnSpPr>
+          <p:cNvPr id="18" name="Straight Connector 17"/>
+          <p:cNvCxnSpPr>
+            <a:stCxn id="6" idx="1"/>
+            <a:endCxn id="15" idx="3"/>
+          </p:cNvCxnSpPr>
+          <p:nvPr/>
+        </p:nvCxnSpPr>
+        <p:spPr>
+          <a:xfrm flipH="1">
+            <a:off x="6444208" y="1063024"/>
+            <a:ext cx="1233186" cy="476074"/>
+          </a:xfrm>
+          <a:prstGeom prst="line">
+            <a:avLst/>
+          </a:prstGeom>
+        </p:spPr>
+        <p:style>
+          <a:lnRef idx="2">
+            <a:schemeClr val="accent1"/>
+          </a:lnRef>
+          <a:fillRef idx="0">
+            <a:schemeClr val="accent1"/>
+          </a:fillRef>
+          <a:effectRef idx="1">
+            <a:schemeClr val="accent1"/>
+          </a:effectRef>
+          <a:fontRef idx="minor">
+            <a:schemeClr val="tx1"/>
+          </a:fontRef>
+        </p:style>
+      </p:cxnSp>
+      <p:cxnSp>
+        <p:nvCxnSpPr>
+          <p:cNvPr id="19" name="Straight Connector 18"/>
+          <p:cNvCxnSpPr>
+            <a:stCxn id="7" idx="1"/>
+            <a:endCxn id="15" idx="3"/>
+          </p:cNvCxnSpPr>
+          <p:nvPr/>
+        </p:nvCxnSpPr>
+        <p:spPr>
+          <a:xfrm flipH="1" flipV="1">
+            <a:off x="6444208" y="1539098"/>
+            <a:ext cx="1238619" cy="565373"/>
+          </a:xfrm>
+          <a:prstGeom prst="line">
+            <a:avLst/>
+          </a:prstGeom>
+        </p:spPr>
+        <p:style>
+          <a:lnRef idx="2">
+            <a:schemeClr val="accent1"/>
+          </a:lnRef>
+          <a:fillRef idx="0">
+            <a:schemeClr val="accent1"/>
+          </a:fillRef>
+          <a:effectRef idx="1">
+            <a:schemeClr val="accent1"/>
+          </a:effectRef>
+          <a:fontRef idx="minor">
+            <a:schemeClr val="tx1"/>
+          </a:fontRef>
+        </p:style>
+      </p:cxnSp>
+      <p:cxnSp>
+        <p:nvCxnSpPr>
+          <p:cNvPr id="23" name="Straight Connector 22"/>
+          <p:cNvCxnSpPr>
+            <a:stCxn id="8" idx="1"/>
+            <a:endCxn id="24" idx="3"/>
+          </p:cNvCxnSpPr>
+          <p:nvPr/>
+        </p:nvCxnSpPr>
+        <p:spPr>
+          <a:xfrm flipH="1" flipV="1">
+            <a:off x="6444208" y="3242729"/>
+            <a:ext cx="1241174" cy="11911"/>
+          </a:xfrm>
+          <a:prstGeom prst="line">
+            <a:avLst/>
+          </a:prstGeom>
+        </p:spPr>
+        <p:style>
+          <a:lnRef idx="2">
+            <a:schemeClr val="accent1"/>
+          </a:lnRef>
+          <a:fillRef idx="0">
+            <a:schemeClr val="accent1"/>
+          </a:fillRef>
+          <a:effectRef idx="1">
+            <a:schemeClr val="accent1"/>
+          </a:effectRef>
+          <a:fontRef idx="minor">
+            <a:schemeClr val="tx1"/>
+          </a:fontRef>
+        </p:style>
+      </p:cxnSp>
+      <p:sp>
+        <p:nvSpPr>
+          <p:cNvPr id="24" name="Rectangle 23"/>
+          <p:cNvSpPr/>
+          <p:nvPr/>
+        </p:nvSpPr>
+        <p:spPr>
+          <a:xfrm>
+            <a:off x="5220072" y="2914047"/>
+            <a:ext cx="1224136" cy="657364"/>
+          </a:xfrm>
+          <a:prstGeom prst="rect">
+            <a:avLst/>
+          </a:prstGeom>
+        </p:spPr>
+        <p:style>
+          <a:lnRef idx="1">
+            <a:schemeClr val="accent1"/>
+          </a:lnRef>
+          <a:fillRef idx="3">
+            <a:schemeClr val="accent1"/>
+          </a:fillRef>
+          <a:effectRef idx="2">
+            <a:schemeClr val="accent1"/>
+          </a:effectRef>
+          <a:fontRef idx="minor">
+            <a:schemeClr val="lt1"/>
+          </a:fontRef>
+        </p:style>
+        <p:txBody>
+          <a:bodyPr rtlCol="0" anchor="ctr"/>
+          <a:lstStyle/>
+          <a:p>
+            <a:pPr algn="ctr"/>
+            <a:endParaRPr lang="en-US"/>
+          </a:p>
+        </p:txBody>
+      </p:sp>
+      <p:sp>
+        <p:nvSpPr>
+          <p:cNvPr id="25" name="TextBox 24"/>
+          <p:cNvSpPr txBox="1"/>
+          <p:nvPr/>
+        </p:nvSpPr>
+        <p:spPr>
+          <a:xfrm>
+            <a:off x="5176280" y="2842039"/>
+            <a:ext cx="576064" cy="369332"/>
+          </a:xfrm>
+          <a:prstGeom prst="rect">
+            <a:avLst/>
+          </a:prstGeom>
+          <a:noFill/>
+        </p:spPr>
+        <p:txBody>
+          <a:bodyPr wrap="square" rtlCol="0">
+            <a:spAutoFit/>
+          </a:bodyPr>
+          <a:lstStyle/>
+          <a:p>
+            <a:r>
+              <a:rPr lang="en-US" dirty="0">
+                <a:solidFill>
+                  <a:srgbClr val="FFFFFF"/>
+                </a:solidFill>
+              </a:rPr>
+              <a:t>G</a:t>
+            </a:r>
+            <a:r>
+              <a:rPr lang="en-US" dirty="0" smtClean="0">
+                <a:solidFill>
+                  <a:srgbClr val="FFFFFF"/>
+                </a:solidFill>
+              </a:rPr>
+              <a:t>P2</a:t>
+            </a:r>
+            <a:endParaRPr lang="en-US" dirty="0">
+              <a:solidFill>
+                <a:srgbClr val="FFFFFF"/>
+              </a:solidFill>
+            </a:endParaRPr>
+          </a:p>
+        </p:txBody>
+      </p:sp>
+      <p:cxnSp>
+        <p:nvCxnSpPr>
+          <p:cNvPr id="28" name="Straight Connector 27"/>
+          <p:cNvCxnSpPr>
+            <a:stCxn id="11" idx="1"/>
+            <a:endCxn id="4" idx="3"/>
+          </p:cNvCxnSpPr>
+          <p:nvPr/>
+        </p:nvCxnSpPr>
+        <p:spPr>
+          <a:xfrm flipH="1" flipV="1">
+            <a:off x="1458618" y="1100560"/>
+            <a:ext cx="1241174" cy="438537"/>
+          </a:xfrm>
+          <a:prstGeom prst="line">
+            <a:avLst/>
+          </a:prstGeom>
+        </p:spPr>
+        <p:style>
+          <a:lnRef idx="2">
+            <a:schemeClr val="accent1"/>
+          </a:lnRef>
+          <a:fillRef idx="0">
+            <a:schemeClr val="accent1"/>
+          </a:fillRef>
+          <a:effectRef idx="1">
+            <a:schemeClr val="accent1"/>
+          </a:effectRef>
+          <a:fontRef idx="minor">
+            <a:schemeClr val="tx1"/>
+          </a:fontRef>
+        </p:style>
+      </p:cxnSp>
+      <p:cxnSp>
+        <p:nvCxnSpPr>
+          <p:cNvPr id="31" name="Straight Connector 30"/>
+          <p:cNvCxnSpPr>
+            <a:stCxn id="11" idx="1"/>
+            <a:endCxn id="5" idx="3"/>
+          </p:cNvCxnSpPr>
+          <p:nvPr/>
+        </p:nvCxnSpPr>
+        <p:spPr>
+          <a:xfrm flipH="1">
+            <a:off x="1464051" y="1539097"/>
+            <a:ext cx="1235741" cy="602910"/>
+          </a:xfrm>
+          <a:prstGeom prst="line">
+            <a:avLst/>
+          </a:prstGeom>
+        </p:spPr>
+        <p:style>
+          <a:lnRef idx="2">
+            <a:schemeClr val="accent1"/>
+          </a:lnRef>
+          <a:fillRef idx="0">
+            <a:schemeClr val="accent1"/>
+          </a:fillRef>
+          <a:effectRef idx="1">
+            <a:schemeClr val="accent1"/>
+          </a:effectRef>
+          <a:fontRef idx="minor">
+            <a:schemeClr val="tx1"/>
+          </a:fontRef>
+        </p:style>
+      </p:cxnSp>
+      <p:sp>
+        <p:nvSpPr>
+          <p:cNvPr id="20" name="Rounded Rectangle 19"/>
+          <p:cNvSpPr/>
+          <p:nvPr/>
+        </p:nvSpPr>
+        <p:spPr>
+          <a:xfrm>
+            <a:off x="827584" y="3039985"/>
+            <a:ext cx="631034" cy="439295"/>
+          </a:xfrm>
+          <a:prstGeom prst="roundRect">
+            <a:avLst/>
+          </a:prstGeom>
+        </p:spPr>
+        <p:style>
+          <a:lnRef idx="1">
+            <a:schemeClr val="accent1"/>
+          </a:lnRef>
+          <a:fillRef idx="3">
+            <a:schemeClr val="accent1"/>
+          </a:fillRef>
+          <a:effectRef idx="2">
+            <a:schemeClr val="accent1"/>
+          </a:effectRef>
+          <a:fontRef idx="minor">
+            <a:schemeClr val="lt1"/>
+          </a:fontRef>
+        </p:style>
+        <p:txBody>
+          <a:bodyPr rtlCol="0" anchor="ctr"/>
+          <a:lstStyle/>
+          <a:p>
+            <a:pPr algn="ctr"/>
+            <a:r>
+              <a:rPr lang="en-US" dirty="0"/>
+              <a:t>C</a:t>
+            </a:r>
+          </a:p>
+        </p:txBody>
+      </p:sp>
+      <p:cxnSp>
+        <p:nvCxnSpPr>
+          <p:cNvPr id="21" name="Straight Connector 20"/>
+          <p:cNvCxnSpPr>
+            <a:stCxn id="13" idx="1"/>
+            <a:endCxn id="20" idx="3"/>
+          </p:cNvCxnSpPr>
+          <p:nvPr/>
+        </p:nvCxnSpPr>
+        <p:spPr>
+          <a:xfrm flipH="1">
+            <a:off x="1458618" y="3255778"/>
+            <a:ext cx="1241174" cy="3855"/>
+          </a:xfrm>
+          <a:prstGeom prst="line">
+            <a:avLst/>
+          </a:prstGeom>
+        </p:spPr>
+        <p:style>
+          <a:lnRef idx="2">
+            <a:schemeClr val="accent1"/>
+          </a:lnRef>
+          <a:fillRef idx="0">
+            <a:schemeClr val="accent1"/>
+          </a:fillRef>
+          <a:effectRef idx="1">
+            <a:schemeClr val="accent1"/>
+          </a:effectRef>
+          <a:fontRef idx="minor">
+            <a:schemeClr val="tx1"/>
+          </a:fontRef>
+        </p:style>
+      </p:cxnSp>
+      <p:cxnSp>
+        <p:nvCxnSpPr>
+          <p:cNvPr id="26" name="Straight Connector 25"/>
+          <p:cNvCxnSpPr>
+            <a:stCxn id="15" idx="1"/>
+            <a:endCxn id="11" idx="3"/>
+          </p:cNvCxnSpPr>
+          <p:nvPr/>
+        </p:nvCxnSpPr>
+        <p:spPr>
+          <a:xfrm flipH="1" flipV="1">
+            <a:off x="3923928" y="1539097"/>
+            <a:ext cx="1296144" cy="1"/>
+          </a:xfrm>
+          <a:prstGeom prst="line">
+            <a:avLst/>
+          </a:prstGeom>
+        </p:spPr>
+        <p:style>
+          <a:lnRef idx="2">
+            <a:schemeClr val="accent1"/>
+          </a:lnRef>
+          <a:fillRef idx="0">
+            <a:schemeClr val="accent1"/>
+          </a:fillRef>
+          <a:effectRef idx="1">
+            <a:schemeClr val="accent1"/>
+          </a:effectRef>
+          <a:fontRef idx="minor">
+            <a:schemeClr val="tx1"/>
+          </a:fontRef>
+        </p:style>
+      </p:cxnSp>
+      <p:cxnSp>
+        <p:nvCxnSpPr>
+          <p:cNvPr id="29" name="Straight Connector 28"/>
+          <p:cNvCxnSpPr>
+            <a:stCxn id="24" idx="1"/>
+            <a:endCxn id="13" idx="3"/>
+          </p:cNvCxnSpPr>
+          <p:nvPr/>
+        </p:nvCxnSpPr>
+        <p:spPr>
+          <a:xfrm flipH="1">
+            <a:off x="3923928" y="3242729"/>
+            <a:ext cx="1296144" cy="13049"/>
+          </a:xfrm>
+          <a:prstGeom prst="line">
+            <a:avLst/>
+          </a:prstGeom>
+        </p:spPr>
+        <p:style>
+          <a:lnRef idx="2">
+            <a:schemeClr val="accent1"/>
+          </a:lnRef>
+          <a:fillRef idx="0">
+            <a:schemeClr val="accent1"/>
+          </a:fillRef>
+          <a:effectRef idx="1">
+            <a:schemeClr val="accent1"/>
+          </a:effectRef>
+          <a:fontRef idx="minor">
+            <a:schemeClr val="tx1"/>
+          </a:fontRef>
+        </p:style>
+      </p:cxnSp>
+      <p:sp>
+        <p:nvSpPr>
+          <p:cNvPr id="2" name="TextBox 1"/>
+          <p:cNvSpPr txBox="1"/>
+          <p:nvPr/>
+        </p:nvSpPr>
+        <p:spPr>
+          <a:xfrm>
+            <a:off x="1979738" y="940442"/>
+            <a:ext cx="792038" cy="261610"/>
+          </a:xfrm>
+          <a:prstGeom prst="rect">
+            <a:avLst/>
+          </a:prstGeom>
+          <a:noFill/>
+        </p:spPr>
+        <p:txBody>
+          <a:bodyPr wrap="square" rtlCol="0">
+            <a:spAutoFit/>
+          </a:bodyPr>
+          <a:lstStyle/>
+          <a:p>
+            <a:r>
+              <a:rPr lang="en-US" sz="1100" dirty="0" smtClean="0">
+                <a:solidFill>
+                  <a:srgbClr val="FF0000"/>
+                </a:solidFill>
+              </a:rPr>
+              <a:t>URL-LP1-Y</a:t>
+            </a:r>
+            <a:endParaRPr lang="en-US" sz="1100" dirty="0">
+              <a:solidFill>
+                <a:srgbClr val="FF0000"/>
+              </a:solidFill>
+            </a:endParaRPr>
+          </a:p>
+        </p:txBody>
+      </p:sp>
+      <p:sp>
+        <p:nvSpPr>
+          <p:cNvPr id="32" name="TextBox 31"/>
+          <p:cNvSpPr txBox="1"/>
+          <p:nvPr/>
+        </p:nvSpPr>
+        <p:spPr>
+          <a:xfrm>
+            <a:off x="1979738" y="776260"/>
+            <a:ext cx="792038" cy="261610"/>
+          </a:xfrm>
+          <a:prstGeom prst="rect">
+            <a:avLst/>
+          </a:prstGeom>
+          <a:noFill/>
+        </p:spPr>
+        <p:txBody>
+          <a:bodyPr wrap="square" rtlCol="0">
+            <a:spAutoFit/>
+          </a:bodyPr>
+          <a:lstStyle/>
+          <a:p>
+            <a:r>
+              <a:rPr lang="en-US" sz="1100" dirty="0" smtClean="0">
+                <a:solidFill>
+                  <a:srgbClr val="FF0000"/>
+                </a:solidFill>
+              </a:rPr>
+              <a:t>URL-LP1-X</a:t>
+            </a:r>
+            <a:endParaRPr lang="en-US" sz="1100" dirty="0">
+              <a:solidFill>
+                <a:srgbClr val="FF0000"/>
+              </a:solidFill>
+            </a:endParaRPr>
+          </a:p>
+        </p:txBody>
+      </p:sp>
+      <p:sp>
+        <p:nvSpPr>
+          <p:cNvPr id="36" name="TextBox 35"/>
+          <p:cNvSpPr txBox="1"/>
+          <p:nvPr/>
+        </p:nvSpPr>
+        <p:spPr>
+          <a:xfrm>
+            <a:off x="7139264" y="705470"/>
+            <a:ext cx="648072" cy="261610"/>
+          </a:xfrm>
+          <a:prstGeom prst="rect">
+            <a:avLst/>
+          </a:prstGeom>
+          <a:noFill/>
+        </p:spPr>
+        <p:txBody>
+          <a:bodyPr wrap="square" rtlCol="0">
+            <a:spAutoFit/>
+          </a:bodyPr>
+          <a:lstStyle/>
+          <a:p>
+            <a:pPr algn="ctr"/>
+            <a:r>
+              <a:rPr lang="en-US" sz="1100" dirty="0" smtClean="0"/>
+              <a:t>URL-X</a:t>
+            </a:r>
+            <a:endParaRPr lang="en-US" sz="1100" dirty="0"/>
+          </a:p>
+        </p:txBody>
+      </p:sp>
+      <p:sp>
+        <p:nvSpPr>
+          <p:cNvPr id="37" name="TextBox 36"/>
+          <p:cNvSpPr txBox="1"/>
+          <p:nvPr/>
+        </p:nvSpPr>
+        <p:spPr>
+          <a:xfrm>
+            <a:off x="7145520" y="2104902"/>
+            <a:ext cx="648072" cy="261610"/>
+          </a:xfrm>
+          <a:prstGeom prst="rect">
+            <a:avLst/>
+          </a:prstGeom>
+          <a:noFill/>
+        </p:spPr>
+        <p:txBody>
+          <a:bodyPr wrap="square" rtlCol="0">
+            <a:spAutoFit/>
+          </a:bodyPr>
+          <a:lstStyle/>
+          <a:p>
+            <a:pPr algn="ctr"/>
+            <a:r>
+              <a:rPr lang="en-US" sz="1100" dirty="0" smtClean="0"/>
+              <a:t>URL-Y</a:t>
+            </a:r>
+            <a:endParaRPr lang="en-US" sz="1100" dirty="0"/>
+          </a:p>
+        </p:txBody>
+      </p:sp>
+      <p:sp>
+        <p:nvSpPr>
+          <p:cNvPr id="38" name="TextBox 37"/>
+          <p:cNvSpPr txBox="1"/>
+          <p:nvPr/>
+        </p:nvSpPr>
+        <p:spPr>
+          <a:xfrm>
+            <a:off x="1347344" y="2172052"/>
+            <a:ext cx="648072" cy="261610"/>
+          </a:xfrm>
+          <a:prstGeom prst="rect">
+            <a:avLst/>
+          </a:prstGeom>
+          <a:noFill/>
+        </p:spPr>
+        <p:txBody>
+          <a:bodyPr wrap="square" rtlCol="0">
+            <a:spAutoFit/>
+          </a:bodyPr>
+          <a:lstStyle/>
+          <a:p>
+            <a:pPr algn="ctr"/>
+            <a:r>
+              <a:rPr lang="en-US" sz="1100" dirty="0" smtClean="0"/>
+              <a:t>URL-B</a:t>
+            </a:r>
+            <a:endParaRPr lang="en-US" sz="1100" dirty="0"/>
+          </a:p>
+        </p:txBody>
+      </p:sp>
+      <p:sp>
+        <p:nvSpPr>
+          <p:cNvPr id="39" name="TextBox 38"/>
+          <p:cNvSpPr txBox="1"/>
+          <p:nvPr/>
+        </p:nvSpPr>
+        <p:spPr>
+          <a:xfrm>
+            <a:off x="1344152" y="783734"/>
+            <a:ext cx="648072" cy="261610"/>
+          </a:xfrm>
+          <a:prstGeom prst="rect">
+            <a:avLst/>
+          </a:prstGeom>
+          <a:noFill/>
+        </p:spPr>
+        <p:txBody>
+          <a:bodyPr wrap="square" rtlCol="0">
+            <a:spAutoFit/>
+          </a:bodyPr>
+          <a:lstStyle/>
+          <a:p>
+            <a:pPr algn="ctr"/>
+            <a:r>
+              <a:rPr lang="en-US" sz="1100" dirty="0" smtClean="0"/>
+              <a:t>URL-A</a:t>
+            </a:r>
+            <a:endParaRPr lang="en-US" sz="1100" dirty="0"/>
+          </a:p>
+        </p:txBody>
+      </p:sp>
+      <p:grpSp>
+        <p:nvGrpSpPr>
+          <p:cNvPr id="107" name="Group 106"/>
+          <p:cNvGrpSpPr/>
+          <p:nvPr/>
+        </p:nvGrpSpPr>
+        <p:grpSpPr>
+          <a:xfrm>
+            <a:off x="539552" y="768186"/>
+            <a:ext cx="4032448" cy="1737484"/>
+            <a:chOff x="395536" y="546902"/>
+            <a:chExt cx="4176464" cy="1737484"/>
+          </a:xfrm>
+        </p:grpSpPr>
+        <p:cxnSp>
+          <p:nvCxnSpPr>
+            <p:cNvPr id="40" name="Straight Connector 39"/>
+            <p:cNvCxnSpPr/>
+            <p:nvPr/>
+          </p:nvCxnSpPr>
+          <p:spPr>
+            <a:xfrm flipV="1">
+              <a:off x="4572000" y="546902"/>
+              <a:ext cx="0" cy="1737484"/>
+            </a:xfrm>
+            <a:prstGeom prst="line">
+              <a:avLst/>
+            </a:prstGeom>
+            <a:ln w="9525" cmpd="sng">
+              <a:solidFill>
+                <a:schemeClr val="tx1"/>
+              </a:solidFill>
+              <a:prstDash val="dash"/>
+            </a:ln>
+          </p:spPr>
+          <p:style>
+            <a:lnRef idx="2">
+              <a:schemeClr val="accent1"/>
+            </a:lnRef>
+            <a:fillRef idx="0">
+              <a:schemeClr val="accent1"/>
+            </a:fillRef>
+            <a:effectRef idx="1">
+              <a:schemeClr val="accent1"/>
+            </a:effectRef>
+            <a:fontRef idx="minor">
+              <a:schemeClr val="tx1"/>
+            </a:fontRef>
+          </p:style>
+        </p:cxnSp>
+        <p:cxnSp>
+          <p:nvCxnSpPr>
+            <p:cNvPr id="41" name="Straight Connector 40"/>
+            <p:cNvCxnSpPr/>
+            <p:nvPr/>
+          </p:nvCxnSpPr>
+          <p:spPr>
+            <a:xfrm>
+              <a:off x="395536" y="2284386"/>
+              <a:ext cx="4176464" cy="0"/>
+            </a:xfrm>
+            <a:prstGeom prst="line">
+              <a:avLst/>
+            </a:prstGeom>
+            <a:ln w="9525" cmpd="sng">
+              <a:solidFill>
+                <a:schemeClr val="tx1"/>
+              </a:solidFill>
+              <a:prstDash val="dash"/>
+            </a:ln>
+          </p:spPr>
+          <p:style>
+            <a:lnRef idx="2">
+              <a:schemeClr val="accent1"/>
+            </a:lnRef>
+            <a:fillRef idx="0">
+              <a:schemeClr val="accent1"/>
+            </a:fillRef>
+            <a:effectRef idx="1">
+              <a:schemeClr val="accent1"/>
+            </a:effectRef>
+            <a:fontRef idx="minor">
+              <a:schemeClr val="tx1"/>
+            </a:fontRef>
+          </p:style>
+        </p:cxnSp>
+      </p:grpSp>
+      <p:grpSp>
+        <p:nvGrpSpPr>
+          <p:cNvPr id="108" name="Group 107"/>
+          <p:cNvGrpSpPr/>
+          <p:nvPr/>
+        </p:nvGrpSpPr>
+        <p:grpSpPr>
+          <a:xfrm>
+            <a:off x="539552" y="2657200"/>
+            <a:ext cx="4032448" cy="1147806"/>
+            <a:chOff x="395536" y="2500410"/>
+            <a:chExt cx="4176464" cy="931765"/>
+          </a:xfrm>
+        </p:grpSpPr>
+        <p:cxnSp>
+          <p:nvCxnSpPr>
+            <p:cNvPr id="42" name="Straight Connector 41"/>
+            <p:cNvCxnSpPr/>
+            <p:nvPr/>
+          </p:nvCxnSpPr>
+          <p:spPr>
+            <a:xfrm>
+              <a:off x="395536" y="2509702"/>
+              <a:ext cx="4176464" cy="0"/>
+            </a:xfrm>
+            <a:prstGeom prst="line">
+              <a:avLst/>
+            </a:prstGeom>
+            <a:ln w="9525" cmpd="sng">
+              <a:solidFill>
+                <a:schemeClr val="tx1"/>
+              </a:solidFill>
+              <a:prstDash val="dash"/>
+            </a:ln>
+          </p:spPr>
+          <p:style>
+            <a:lnRef idx="2">
+              <a:schemeClr val="accent1"/>
+            </a:lnRef>
+            <a:fillRef idx="0">
+              <a:schemeClr val="accent1"/>
+            </a:fillRef>
+            <a:effectRef idx="1">
+              <a:schemeClr val="accent1"/>
+            </a:effectRef>
+            <a:fontRef idx="minor">
+              <a:schemeClr val="tx1"/>
+            </a:fontRef>
+          </p:style>
+        </p:cxnSp>
+        <p:cxnSp>
+          <p:nvCxnSpPr>
+            <p:cNvPr id="44" name="Straight Connector 43"/>
+            <p:cNvCxnSpPr/>
+            <p:nvPr/>
+          </p:nvCxnSpPr>
+          <p:spPr>
+            <a:xfrm flipV="1">
+              <a:off x="4572000" y="2500410"/>
+              <a:ext cx="0" cy="931765"/>
+            </a:xfrm>
+            <a:prstGeom prst="line">
+              <a:avLst/>
+            </a:prstGeom>
+            <a:ln w="9525" cmpd="sng">
+              <a:solidFill>
+                <a:schemeClr val="tx1"/>
+              </a:solidFill>
+              <a:prstDash val="dash"/>
+            </a:ln>
+          </p:spPr>
+          <p:style>
+            <a:lnRef idx="2">
+              <a:schemeClr val="accent1"/>
+            </a:lnRef>
+            <a:fillRef idx="0">
+              <a:schemeClr val="accent1"/>
+            </a:fillRef>
+            <a:effectRef idx="1">
+              <a:schemeClr val="accent1"/>
+            </a:effectRef>
+            <a:fontRef idx="minor">
+              <a:schemeClr val="tx1"/>
+            </a:fontRef>
+          </p:style>
+        </p:cxnSp>
+      </p:grpSp>
+      <p:sp>
+        <p:nvSpPr>
           <p:cNvPr id="47" name="TextBox 46"/>
           <p:cNvSpPr txBox="1"/>
           <p:nvPr/>
@@ -10880,14 +12350,14 @@
       </p:sp>
       <p:sp>
         <p:nvSpPr>
-          <p:cNvPr id="112" name="TextBox 111"/>
+          <p:cNvPr id="58" name="TextBox 57"/>
           <p:cNvSpPr txBox="1"/>
           <p:nvPr/>
         </p:nvSpPr>
         <p:spPr>
           <a:xfrm>
-            <a:off x="3851920" y="620688"/>
-            <a:ext cx="792088" cy="369332"/>
+            <a:off x="6403480" y="1050830"/>
+            <a:ext cx="841026" cy="261610"/>
           </a:xfrm>
           <a:prstGeom prst="rect">
             <a:avLst/>
@@ -10901,23 +12371,23 @@
           <a:lstStyle/>
           <a:p>
             <a:r>
-              <a:rPr lang="en-US" dirty="0" smtClean="0"/>
-              <a:t>Net-P</a:t>
-            </a:r>
-            <a:endParaRPr lang="en-US" dirty="0"/>
-          </a:p>
-        </p:txBody>
-      </p:sp>
-      <p:sp>
-        <p:nvSpPr>
-          <p:cNvPr id="113" name="TextBox 112"/>
+              <a:rPr lang="en-US" sz="1100" dirty="0" smtClean="0"/>
+              <a:t>URL-GP1-C</a:t>
+            </a:r>
+            <a:endParaRPr lang="en-US" sz="1100" dirty="0"/>
+          </a:p>
+        </p:txBody>
+      </p:sp>
+      <p:sp>
+        <p:nvSpPr>
+          <p:cNvPr id="59" name="TextBox 58"/>
           <p:cNvSpPr txBox="1"/>
           <p:nvPr/>
         </p:nvSpPr>
         <p:spPr>
           <a:xfrm>
-            <a:off x="3851920" y="3419708"/>
-            <a:ext cx="792088" cy="369332"/>
+            <a:off x="6406525" y="920845"/>
+            <a:ext cx="841027" cy="261610"/>
           </a:xfrm>
           <a:prstGeom prst="rect">
             <a:avLst/>
@@ -10931,23 +12401,23 @@
           <a:lstStyle/>
           <a:p>
             <a:r>
-              <a:rPr lang="en-US" dirty="0" smtClean="0"/>
-              <a:t>Net-Q</a:t>
-            </a:r>
-            <a:endParaRPr lang="en-US" dirty="0"/>
-          </a:p>
-        </p:txBody>
-      </p:sp>
-      <p:sp>
-        <p:nvSpPr>
-          <p:cNvPr id="58" name="TextBox 57"/>
+              <a:rPr lang="en-US" sz="1100" dirty="0" smtClean="0"/>
+              <a:t>URL-GP1-B</a:t>
+            </a:r>
+            <a:endParaRPr lang="en-US" sz="1100" dirty="0"/>
+          </a:p>
+        </p:txBody>
+      </p:sp>
+      <p:sp>
+        <p:nvSpPr>
+          <p:cNvPr id="62" name="TextBox 61"/>
           <p:cNvSpPr txBox="1"/>
           <p:nvPr/>
         </p:nvSpPr>
         <p:spPr>
           <a:xfrm>
-            <a:off x="6403480" y="1050830"/>
-            <a:ext cx="841026" cy="261610"/>
+            <a:off x="6403018" y="792164"/>
+            <a:ext cx="841027" cy="261610"/>
           </a:xfrm>
           <a:prstGeom prst="rect">
             <a:avLst/>
@@ -10962,7 +12432,7 @@
           <a:p>
             <a:r>
               <a:rPr lang="en-US" sz="1100" dirty="0" smtClean="0"/>
-              <a:t>URL-GP1-C</a:t>
+              <a:t>URL-GP1-A</a:t>
             </a:r>
             <a:endParaRPr lang="en-US" sz="1100" dirty="0"/>
           </a:p>
@@ -10970,14 +12440,14 @@
       </p:sp>
       <p:sp>
         <p:nvSpPr>
-          <p:cNvPr id="59" name="TextBox 58"/>
+          <p:cNvPr id="53" name="TextBox 52"/>
           <p:cNvSpPr txBox="1"/>
           <p:nvPr/>
         </p:nvSpPr>
         <p:spPr>
           <a:xfrm>
-            <a:off x="6406525" y="920845"/>
-            <a:ext cx="841027" cy="261610"/>
+            <a:off x="3635896" y="620688"/>
+            <a:ext cx="792088" cy="369332"/>
           </a:xfrm>
           <a:prstGeom prst="rect">
             <a:avLst/>
@@ -10991,23 +12461,23 @@
           <a:lstStyle/>
           <a:p>
             <a:r>
-              <a:rPr lang="en-US" sz="1100" dirty="0" smtClean="0"/>
-              <a:t>URL-GP1-B</a:t>
-            </a:r>
-            <a:endParaRPr lang="en-US" sz="1100" dirty="0"/>
-          </a:p>
-        </p:txBody>
-      </p:sp>
-      <p:sp>
-        <p:nvSpPr>
-          <p:cNvPr id="62" name="TextBox 61"/>
+              <a:rPr lang="en-US" dirty="0" smtClean="0"/>
+              <a:t>Net-P</a:t>
+            </a:r>
+            <a:endParaRPr lang="en-US" dirty="0"/>
+          </a:p>
+        </p:txBody>
+      </p:sp>
+      <p:sp>
+        <p:nvSpPr>
+          <p:cNvPr id="54" name="TextBox 53"/>
           <p:cNvSpPr txBox="1"/>
           <p:nvPr/>
         </p:nvSpPr>
         <p:spPr>
           <a:xfrm>
-            <a:off x="6403018" y="792164"/>
-            <a:ext cx="841027" cy="261610"/>
+            <a:off x="3635896" y="3419708"/>
+            <a:ext cx="792088" cy="369332"/>
           </a:xfrm>
           <a:prstGeom prst="rect">
             <a:avLst/>
@@ -11021,17 +12491,2351 @@
           <a:lstStyle/>
           <a:p>
             <a:r>
-              <a:rPr lang="en-US" sz="1100" dirty="0" smtClean="0"/>
-              <a:t>URL-GP1-A</a:t>
-            </a:r>
-            <a:endParaRPr lang="en-US" sz="1100" dirty="0"/>
-          </a:p>
-        </p:txBody>
-      </p:sp>
+              <a:rPr lang="en-US" dirty="0" smtClean="0"/>
+              <a:t>Net-Q</a:t>
+            </a:r>
+            <a:endParaRPr lang="en-US" dirty="0"/>
+          </a:p>
+        </p:txBody>
+      </p:sp>
+      <p:grpSp>
+        <p:nvGrpSpPr>
+          <p:cNvPr id="56" name="Group 55"/>
+          <p:cNvGrpSpPr/>
+          <p:nvPr/>
+        </p:nvGrpSpPr>
+        <p:grpSpPr>
+          <a:xfrm>
+            <a:off x="4427984" y="2762413"/>
+            <a:ext cx="294589" cy="932339"/>
+            <a:chOff x="4427984" y="990020"/>
+            <a:chExt cx="294589" cy="932339"/>
+          </a:xfrm>
+        </p:grpSpPr>
+        <p:sp>
+          <p:nvSpPr>
+            <p:cNvPr id="60" name="Rectangle 59"/>
+            <p:cNvSpPr/>
+            <p:nvPr/>
+          </p:nvSpPr>
+          <p:spPr>
+            <a:xfrm>
+              <a:off x="4427984" y="990020"/>
+              <a:ext cx="288032" cy="932339"/>
+            </a:xfrm>
+            <a:prstGeom prst="rect">
+              <a:avLst/>
+            </a:prstGeom>
+          </p:spPr>
+          <p:style>
+            <a:lnRef idx="1">
+              <a:schemeClr val="accent2"/>
+            </a:lnRef>
+            <a:fillRef idx="2">
+              <a:schemeClr val="accent2"/>
+            </a:fillRef>
+            <a:effectRef idx="1">
+              <a:schemeClr val="accent2"/>
+            </a:effectRef>
+            <a:fontRef idx="minor">
+              <a:schemeClr val="dk1"/>
+            </a:fontRef>
+          </p:style>
+          <p:txBody>
+            <a:bodyPr rtlCol="0" anchor="ctr"/>
+            <a:lstStyle/>
+            <a:p>
+              <a:pPr algn="ctr"/>
+              <a:endParaRPr lang="en-US"/>
+            </a:p>
+          </p:txBody>
+        </p:sp>
+        <p:sp>
+          <p:nvSpPr>
+            <p:cNvPr id="63" name="TextBox 62"/>
+            <p:cNvSpPr txBox="1"/>
+            <p:nvPr/>
+          </p:nvSpPr>
+          <p:spPr>
+            <a:xfrm rot="5400000">
+              <a:off x="4191721" y="1317730"/>
+              <a:ext cx="784706" cy="276999"/>
+            </a:xfrm>
+            <a:prstGeom prst="rect">
+              <a:avLst/>
+            </a:prstGeom>
+            <a:noFill/>
+          </p:spPr>
+          <p:txBody>
+            <a:bodyPr wrap="square" rtlCol="0">
+              <a:spAutoFit/>
+            </a:bodyPr>
+            <a:lstStyle/>
+            <a:p>
+              <a:pPr algn="ctr"/>
+              <a:r>
+                <a:rPr lang="en-US" sz="1200" dirty="0" smtClean="0"/>
+                <a:t>FW/NAT</a:t>
+              </a:r>
+              <a:endParaRPr lang="en-US" sz="1200" dirty="0"/>
+            </a:p>
+          </p:txBody>
+        </p:sp>
+      </p:grpSp>
+      <p:grpSp>
+        <p:nvGrpSpPr>
+          <p:cNvPr id="64" name="Group 63"/>
+          <p:cNvGrpSpPr/>
+          <p:nvPr/>
+        </p:nvGrpSpPr>
+        <p:grpSpPr>
+          <a:xfrm>
+            <a:off x="4427984" y="880912"/>
+            <a:ext cx="294589" cy="1513931"/>
+            <a:chOff x="4427984" y="990020"/>
+            <a:chExt cx="294589" cy="932339"/>
+          </a:xfrm>
+        </p:grpSpPr>
+        <p:sp>
+          <p:nvSpPr>
+            <p:cNvPr id="65" name="Rectangle 64"/>
+            <p:cNvSpPr/>
+            <p:nvPr/>
+          </p:nvSpPr>
+          <p:spPr>
+            <a:xfrm>
+              <a:off x="4427984" y="990020"/>
+              <a:ext cx="288032" cy="932339"/>
+            </a:xfrm>
+            <a:prstGeom prst="rect">
+              <a:avLst/>
+            </a:prstGeom>
+          </p:spPr>
+          <p:style>
+            <a:lnRef idx="1">
+              <a:schemeClr val="accent2"/>
+            </a:lnRef>
+            <a:fillRef idx="2">
+              <a:schemeClr val="accent2"/>
+            </a:fillRef>
+            <a:effectRef idx="1">
+              <a:schemeClr val="accent2"/>
+            </a:effectRef>
+            <a:fontRef idx="minor">
+              <a:schemeClr val="dk1"/>
+            </a:fontRef>
+          </p:style>
+          <p:txBody>
+            <a:bodyPr rtlCol="0" anchor="ctr"/>
+            <a:lstStyle/>
+            <a:p>
+              <a:pPr algn="ctr"/>
+              <a:endParaRPr lang="en-US"/>
+            </a:p>
+          </p:txBody>
+        </p:sp>
+        <p:sp>
+          <p:nvSpPr>
+            <p:cNvPr id="66" name="TextBox 65"/>
+            <p:cNvSpPr txBox="1"/>
+            <p:nvPr/>
+          </p:nvSpPr>
+          <p:spPr>
+            <a:xfrm rot="5400000">
+              <a:off x="4191721" y="1317730"/>
+              <a:ext cx="784706" cy="276999"/>
+            </a:xfrm>
+            <a:prstGeom prst="rect">
+              <a:avLst/>
+            </a:prstGeom>
+            <a:noFill/>
+          </p:spPr>
+          <p:txBody>
+            <a:bodyPr wrap="square" rtlCol="0">
+              <a:spAutoFit/>
+            </a:bodyPr>
+            <a:lstStyle/>
+            <a:p>
+              <a:pPr algn="ctr"/>
+              <a:r>
+                <a:rPr lang="en-US" sz="1200" dirty="0" smtClean="0"/>
+                <a:t>FW/NAT</a:t>
+              </a:r>
+              <a:endParaRPr lang="en-US" sz="1200" dirty="0"/>
+            </a:p>
+          </p:txBody>
+        </p:sp>
+      </p:grpSp>
     </p:spTree>
     <p:extLst>
       <p:ext uri="{BB962C8B-B14F-4D97-AF65-F5344CB8AC3E}">
-        <p14:creationId xmlns:p14="http://schemas.microsoft.com/office/powerpoint/2010/main" val="2145887835"/>
+        <p14:creationId xmlns:p14="http://schemas.microsoft.com/office/powerpoint/2010/main" val="2164152771"/>
+      </p:ext>
+    </p:extLst>
+  </p:cSld>
+  <p:clrMapOvr>
+    <a:masterClrMapping/>
+  </p:clrMapOvr>
+</p:sld>
+</file>
+
+<file path=ppt/slides/slide7.xml><?xml version="1.0" encoding="utf-8"?>
+<p:sld xmlns:a="http://schemas.openxmlformats.org/drawingml/2006/main" xmlns:r="http://schemas.openxmlformats.org/officeDocument/2006/relationships" xmlns:p="http://schemas.openxmlformats.org/presentationml/2006/main">
+  <p:cSld>
+    <p:spTree>
+      <p:nvGrpSpPr>
+        <p:cNvPr id="1" name=""/>
+        <p:cNvGrpSpPr/>
+        <p:nvPr/>
+      </p:nvGrpSpPr>
+      <p:grpSpPr>
+        <a:xfrm>
+          <a:off x="0" y="0"/>
+          <a:ext cx="0" cy="0"/>
+          <a:chOff x="0" y="0"/>
+          <a:chExt cx="0" cy="0"/>
+        </a:xfrm>
+      </p:grpSpPr>
+      <p:sp>
+        <p:nvSpPr>
+          <p:cNvPr id="111" name="Rectangle 110"/>
+          <p:cNvSpPr/>
+          <p:nvPr/>
+        </p:nvSpPr>
+        <p:spPr>
+          <a:xfrm>
+            <a:off x="539552" y="2680368"/>
+            <a:ext cx="4031631" cy="1092094"/>
+          </a:xfrm>
+          <a:prstGeom prst="rect">
+            <a:avLst/>
+          </a:prstGeom>
+          <a:solidFill>
+            <a:schemeClr val="accent6">
+              <a:lumMod val="20000"/>
+              <a:lumOff val="80000"/>
+            </a:schemeClr>
+          </a:solidFill>
+          <a:ln>
+            <a:noFill/>
+          </a:ln>
+        </p:spPr>
+        <p:style>
+          <a:lnRef idx="1">
+            <a:schemeClr val="accent1"/>
+          </a:lnRef>
+          <a:fillRef idx="3">
+            <a:schemeClr val="accent1"/>
+          </a:fillRef>
+          <a:effectRef idx="2">
+            <a:schemeClr val="accent1"/>
+          </a:effectRef>
+          <a:fontRef idx="minor">
+            <a:schemeClr val="lt1"/>
+          </a:fontRef>
+        </p:style>
+        <p:txBody>
+          <a:bodyPr rtlCol="0" anchor="ctr"/>
+          <a:lstStyle/>
+          <a:p>
+            <a:pPr algn="ctr"/>
+            <a:endParaRPr lang="en-US" dirty="0"/>
+          </a:p>
+        </p:txBody>
+      </p:sp>
+      <p:sp>
+        <p:nvSpPr>
+          <p:cNvPr id="109" name="Rectangle 108"/>
+          <p:cNvSpPr/>
+          <p:nvPr/>
+        </p:nvSpPr>
+        <p:spPr>
+          <a:xfrm>
+            <a:off x="539552" y="694024"/>
+            <a:ext cx="4031631" cy="1786902"/>
+          </a:xfrm>
+          <a:prstGeom prst="rect">
+            <a:avLst/>
+          </a:prstGeom>
+          <a:solidFill>
+            <a:schemeClr val="accent6">
+              <a:lumMod val="20000"/>
+              <a:lumOff val="80000"/>
+            </a:schemeClr>
+          </a:solidFill>
+          <a:ln>
+            <a:noFill/>
+          </a:ln>
+        </p:spPr>
+        <p:style>
+          <a:lnRef idx="1">
+            <a:schemeClr val="accent1"/>
+          </a:lnRef>
+          <a:fillRef idx="3">
+            <a:schemeClr val="accent1"/>
+          </a:fillRef>
+          <a:effectRef idx="2">
+            <a:schemeClr val="accent1"/>
+          </a:effectRef>
+          <a:fontRef idx="minor">
+            <a:schemeClr val="lt1"/>
+          </a:fontRef>
+        </p:style>
+        <p:txBody>
+          <a:bodyPr rtlCol="0" anchor="ctr"/>
+          <a:lstStyle/>
+          <a:p>
+            <a:pPr algn="ctr"/>
+            <a:endParaRPr lang="en-US"/>
+          </a:p>
+        </p:txBody>
+      </p:sp>
+      <p:sp>
+        <p:nvSpPr>
+          <p:cNvPr id="4" name="Rounded Rectangle 3"/>
+          <p:cNvSpPr/>
+          <p:nvPr/>
+        </p:nvSpPr>
+        <p:spPr>
+          <a:xfrm>
+            <a:off x="827584" y="880912"/>
+            <a:ext cx="631034" cy="439295"/>
+          </a:xfrm>
+          <a:prstGeom prst="roundRect">
+            <a:avLst/>
+          </a:prstGeom>
+        </p:spPr>
+        <p:style>
+          <a:lnRef idx="1">
+            <a:schemeClr val="accent1"/>
+          </a:lnRef>
+          <a:fillRef idx="3">
+            <a:schemeClr val="accent1"/>
+          </a:fillRef>
+          <a:effectRef idx="2">
+            <a:schemeClr val="accent1"/>
+          </a:effectRef>
+          <a:fontRef idx="minor">
+            <a:schemeClr val="lt1"/>
+          </a:fontRef>
+        </p:style>
+        <p:txBody>
+          <a:bodyPr rtlCol="0" anchor="ctr"/>
+          <a:lstStyle/>
+          <a:p>
+            <a:pPr algn="ctr"/>
+            <a:r>
+              <a:rPr lang="en-US" dirty="0"/>
+              <a:t>A</a:t>
+            </a:r>
+          </a:p>
+        </p:txBody>
+      </p:sp>
+      <p:sp>
+        <p:nvSpPr>
+          <p:cNvPr id="5" name="Rounded Rectangle 4"/>
+          <p:cNvSpPr/>
+          <p:nvPr/>
+        </p:nvSpPr>
+        <p:spPr>
+          <a:xfrm>
+            <a:off x="833017" y="1922359"/>
+            <a:ext cx="631034" cy="439295"/>
+          </a:xfrm>
+          <a:prstGeom prst="roundRect">
+            <a:avLst/>
+          </a:prstGeom>
+        </p:spPr>
+        <p:style>
+          <a:lnRef idx="1">
+            <a:schemeClr val="accent1"/>
+          </a:lnRef>
+          <a:fillRef idx="3">
+            <a:schemeClr val="accent1"/>
+          </a:fillRef>
+          <a:effectRef idx="2">
+            <a:schemeClr val="accent1"/>
+          </a:effectRef>
+          <a:fontRef idx="minor">
+            <a:schemeClr val="lt1"/>
+          </a:fontRef>
+        </p:style>
+        <p:txBody>
+          <a:bodyPr rtlCol="0" anchor="ctr"/>
+          <a:lstStyle/>
+          <a:p>
+            <a:pPr algn="ctr"/>
+            <a:r>
+              <a:rPr lang="en-US" dirty="0" smtClean="0"/>
+              <a:t>B</a:t>
+            </a:r>
+            <a:endParaRPr lang="en-US" dirty="0"/>
+          </a:p>
+        </p:txBody>
+      </p:sp>
+      <p:sp>
+        <p:nvSpPr>
+          <p:cNvPr id="6" name="Rounded Rectangle 5"/>
+          <p:cNvSpPr/>
+          <p:nvPr/>
+        </p:nvSpPr>
+        <p:spPr>
+          <a:xfrm>
+            <a:off x="7677394" y="843376"/>
+            <a:ext cx="631034" cy="439295"/>
+          </a:xfrm>
+          <a:prstGeom prst="roundRect">
+            <a:avLst/>
+          </a:prstGeom>
+        </p:spPr>
+        <p:style>
+          <a:lnRef idx="1">
+            <a:schemeClr val="accent1"/>
+          </a:lnRef>
+          <a:fillRef idx="3">
+            <a:schemeClr val="accent1"/>
+          </a:fillRef>
+          <a:effectRef idx="2">
+            <a:schemeClr val="accent1"/>
+          </a:effectRef>
+          <a:fontRef idx="minor">
+            <a:schemeClr val="lt1"/>
+          </a:fontRef>
+        </p:style>
+        <p:txBody>
+          <a:bodyPr rtlCol="0" anchor="ctr"/>
+          <a:lstStyle/>
+          <a:p>
+            <a:pPr algn="ctr"/>
+            <a:r>
+              <a:rPr lang="en-US" dirty="0"/>
+              <a:t>X</a:t>
+            </a:r>
+          </a:p>
+        </p:txBody>
+      </p:sp>
+      <p:sp>
+        <p:nvSpPr>
+          <p:cNvPr id="7" name="Rounded Rectangle 6"/>
+          <p:cNvSpPr/>
+          <p:nvPr/>
+        </p:nvSpPr>
+        <p:spPr>
+          <a:xfrm>
+            <a:off x="7682827" y="1884823"/>
+            <a:ext cx="631034" cy="439295"/>
+          </a:xfrm>
+          <a:prstGeom prst="roundRect">
+            <a:avLst/>
+          </a:prstGeom>
+        </p:spPr>
+        <p:style>
+          <a:lnRef idx="1">
+            <a:schemeClr val="accent1"/>
+          </a:lnRef>
+          <a:fillRef idx="3">
+            <a:schemeClr val="accent1"/>
+          </a:fillRef>
+          <a:effectRef idx="2">
+            <a:schemeClr val="accent1"/>
+          </a:effectRef>
+          <a:fontRef idx="minor">
+            <a:schemeClr val="lt1"/>
+          </a:fontRef>
+        </p:style>
+        <p:txBody>
+          <a:bodyPr rtlCol="0" anchor="ctr"/>
+          <a:lstStyle/>
+          <a:p>
+            <a:pPr algn="ctr"/>
+            <a:r>
+              <a:rPr lang="en-US" dirty="0"/>
+              <a:t>Y</a:t>
+            </a:r>
+          </a:p>
+        </p:txBody>
+      </p:sp>
+      <p:sp>
+        <p:nvSpPr>
+          <p:cNvPr id="8" name="Rounded Rectangle 7"/>
+          <p:cNvSpPr/>
+          <p:nvPr/>
+        </p:nvSpPr>
+        <p:spPr>
+          <a:xfrm>
+            <a:off x="7685382" y="3034992"/>
+            <a:ext cx="631034" cy="439295"/>
+          </a:xfrm>
+          <a:prstGeom prst="roundRect">
+            <a:avLst/>
+          </a:prstGeom>
+        </p:spPr>
+        <p:style>
+          <a:lnRef idx="1">
+            <a:schemeClr val="accent1"/>
+          </a:lnRef>
+          <a:fillRef idx="3">
+            <a:schemeClr val="accent1"/>
+          </a:fillRef>
+          <a:effectRef idx="2">
+            <a:schemeClr val="accent1"/>
+          </a:effectRef>
+          <a:fontRef idx="minor">
+            <a:schemeClr val="lt1"/>
+          </a:fontRef>
+        </p:style>
+        <p:txBody>
+          <a:bodyPr rtlCol="0" anchor="ctr"/>
+          <a:lstStyle/>
+          <a:p>
+            <a:pPr algn="ctr"/>
+            <a:r>
+              <a:rPr lang="en-US" dirty="0" smtClean="0"/>
+              <a:t>Z</a:t>
+            </a:r>
+            <a:endParaRPr lang="en-US" dirty="0"/>
+          </a:p>
+        </p:txBody>
+      </p:sp>
+      <p:sp>
+        <p:nvSpPr>
+          <p:cNvPr id="11" name="Rectangle 10"/>
+          <p:cNvSpPr/>
+          <p:nvPr/>
+        </p:nvSpPr>
+        <p:spPr>
+          <a:xfrm>
+            <a:off x="2699792" y="1224960"/>
+            <a:ext cx="1224136" cy="628274"/>
+          </a:xfrm>
+          <a:prstGeom prst="rect">
+            <a:avLst/>
+          </a:prstGeom>
+        </p:spPr>
+        <p:style>
+          <a:lnRef idx="1">
+            <a:schemeClr val="accent1"/>
+          </a:lnRef>
+          <a:fillRef idx="3">
+            <a:schemeClr val="accent1"/>
+          </a:fillRef>
+          <a:effectRef idx="2">
+            <a:schemeClr val="accent1"/>
+          </a:effectRef>
+          <a:fontRef idx="minor">
+            <a:schemeClr val="lt1"/>
+          </a:fontRef>
+        </p:style>
+        <p:txBody>
+          <a:bodyPr rtlCol="0" anchor="ctr"/>
+          <a:lstStyle/>
+          <a:p>
+            <a:pPr algn="ctr"/>
+            <a:endParaRPr lang="en-US"/>
+          </a:p>
+        </p:txBody>
+      </p:sp>
+      <p:sp>
+        <p:nvSpPr>
+          <p:cNvPr id="12" name="TextBox 11"/>
+          <p:cNvSpPr txBox="1"/>
+          <p:nvPr/>
+        </p:nvSpPr>
+        <p:spPr>
+          <a:xfrm>
+            <a:off x="3419872" y="1202012"/>
+            <a:ext cx="576064" cy="369332"/>
+          </a:xfrm>
+          <a:prstGeom prst="rect">
+            <a:avLst/>
+          </a:prstGeom>
+          <a:noFill/>
+        </p:spPr>
+        <p:txBody>
+          <a:bodyPr wrap="square" rtlCol="0">
+            <a:spAutoFit/>
+          </a:bodyPr>
+          <a:lstStyle/>
+          <a:p>
+            <a:r>
+              <a:rPr lang="en-US" dirty="0">
+                <a:solidFill>
+                  <a:schemeClr val="bg1"/>
+                </a:solidFill>
+              </a:rPr>
+              <a:t>L</a:t>
+            </a:r>
+            <a:r>
+              <a:rPr lang="en-US" dirty="0" smtClean="0">
+                <a:solidFill>
+                  <a:schemeClr val="bg1"/>
+                </a:solidFill>
+              </a:rPr>
+              <a:t>P1</a:t>
+            </a:r>
+            <a:endParaRPr lang="en-US" dirty="0">
+              <a:solidFill>
+                <a:schemeClr val="bg1"/>
+              </a:solidFill>
+            </a:endParaRPr>
+          </a:p>
+        </p:txBody>
+      </p:sp>
+      <p:sp>
+        <p:nvSpPr>
+          <p:cNvPr id="13" name="Rectangle 12"/>
+          <p:cNvSpPr/>
+          <p:nvPr/>
+        </p:nvSpPr>
+        <p:spPr>
+          <a:xfrm>
+            <a:off x="2699792" y="2940144"/>
+            <a:ext cx="1224136" cy="631267"/>
+          </a:xfrm>
+          <a:prstGeom prst="rect">
+            <a:avLst/>
+          </a:prstGeom>
+        </p:spPr>
+        <p:style>
+          <a:lnRef idx="1">
+            <a:schemeClr val="accent1"/>
+          </a:lnRef>
+          <a:fillRef idx="3">
+            <a:schemeClr val="accent1"/>
+          </a:fillRef>
+          <a:effectRef idx="2">
+            <a:schemeClr val="accent1"/>
+          </a:effectRef>
+          <a:fontRef idx="minor">
+            <a:schemeClr val="lt1"/>
+          </a:fontRef>
+        </p:style>
+        <p:txBody>
+          <a:bodyPr rtlCol="0" anchor="ctr"/>
+          <a:lstStyle/>
+          <a:p>
+            <a:pPr algn="ctr"/>
+            <a:endParaRPr lang="en-US"/>
+          </a:p>
+        </p:txBody>
+      </p:sp>
+      <p:sp>
+        <p:nvSpPr>
+          <p:cNvPr id="14" name="TextBox 13"/>
+          <p:cNvSpPr txBox="1"/>
+          <p:nvPr/>
+        </p:nvSpPr>
+        <p:spPr>
+          <a:xfrm>
+            <a:off x="3419872" y="2914047"/>
+            <a:ext cx="576064" cy="369332"/>
+          </a:xfrm>
+          <a:prstGeom prst="rect">
+            <a:avLst/>
+          </a:prstGeom>
+          <a:noFill/>
+        </p:spPr>
+        <p:txBody>
+          <a:bodyPr wrap="square" rtlCol="0">
+            <a:spAutoFit/>
+          </a:bodyPr>
+          <a:lstStyle/>
+          <a:p>
+            <a:r>
+              <a:rPr lang="en-US" dirty="0">
+                <a:solidFill>
+                  <a:srgbClr val="FFFFFF"/>
+                </a:solidFill>
+              </a:rPr>
+              <a:t>L</a:t>
+            </a:r>
+            <a:r>
+              <a:rPr lang="en-US" dirty="0" smtClean="0">
+                <a:solidFill>
+                  <a:srgbClr val="FFFFFF"/>
+                </a:solidFill>
+              </a:rPr>
+              <a:t>P2</a:t>
+            </a:r>
+            <a:endParaRPr lang="en-US" dirty="0">
+              <a:solidFill>
+                <a:srgbClr val="FFFFFF"/>
+              </a:solidFill>
+            </a:endParaRPr>
+          </a:p>
+        </p:txBody>
+      </p:sp>
+      <p:sp>
+        <p:nvSpPr>
+          <p:cNvPr id="15" name="Rectangle 14"/>
+          <p:cNvSpPr/>
+          <p:nvPr/>
+        </p:nvSpPr>
+        <p:spPr>
+          <a:xfrm>
+            <a:off x="5220072" y="1224961"/>
+            <a:ext cx="1224136" cy="628273"/>
+          </a:xfrm>
+          <a:prstGeom prst="rect">
+            <a:avLst/>
+          </a:prstGeom>
+        </p:spPr>
+        <p:style>
+          <a:lnRef idx="1">
+            <a:schemeClr val="accent1"/>
+          </a:lnRef>
+          <a:fillRef idx="3">
+            <a:schemeClr val="accent1"/>
+          </a:fillRef>
+          <a:effectRef idx="2">
+            <a:schemeClr val="accent1"/>
+          </a:effectRef>
+          <a:fontRef idx="minor">
+            <a:schemeClr val="lt1"/>
+          </a:fontRef>
+        </p:style>
+        <p:txBody>
+          <a:bodyPr rtlCol="0" anchor="ctr"/>
+          <a:lstStyle/>
+          <a:p>
+            <a:pPr algn="ctr"/>
+            <a:endParaRPr lang="en-US"/>
+          </a:p>
+        </p:txBody>
+      </p:sp>
+      <p:sp>
+        <p:nvSpPr>
+          <p:cNvPr id="16" name="TextBox 15"/>
+          <p:cNvSpPr txBox="1"/>
+          <p:nvPr/>
+        </p:nvSpPr>
+        <p:spPr>
+          <a:xfrm>
+            <a:off x="5182536" y="1192720"/>
+            <a:ext cx="576064" cy="369332"/>
+          </a:xfrm>
+          <a:prstGeom prst="rect">
+            <a:avLst/>
+          </a:prstGeom>
+          <a:noFill/>
+        </p:spPr>
+        <p:txBody>
+          <a:bodyPr wrap="square" rtlCol="0">
+            <a:spAutoFit/>
+          </a:bodyPr>
+          <a:lstStyle/>
+          <a:p>
+            <a:r>
+              <a:rPr lang="en-US" dirty="0">
+                <a:solidFill>
+                  <a:schemeClr val="bg1"/>
+                </a:solidFill>
+              </a:rPr>
+              <a:t>G</a:t>
+            </a:r>
+            <a:r>
+              <a:rPr lang="en-US" dirty="0" smtClean="0">
+                <a:solidFill>
+                  <a:schemeClr val="bg1"/>
+                </a:solidFill>
+              </a:rPr>
+              <a:t>P1</a:t>
+            </a:r>
+            <a:endParaRPr lang="en-US" dirty="0">
+              <a:solidFill>
+                <a:schemeClr val="bg1"/>
+              </a:solidFill>
+            </a:endParaRPr>
+          </a:p>
+        </p:txBody>
+      </p:sp>
+      <p:cxnSp>
+        <p:nvCxnSpPr>
+          <p:cNvPr id="18" name="Straight Connector 17"/>
+          <p:cNvCxnSpPr>
+            <a:stCxn id="6" idx="1"/>
+            <a:endCxn id="15" idx="3"/>
+          </p:cNvCxnSpPr>
+          <p:nvPr/>
+        </p:nvCxnSpPr>
+        <p:spPr>
+          <a:xfrm flipH="1">
+            <a:off x="6444208" y="1063024"/>
+            <a:ext cx="1233186" cy="476074"/>
+          </a:xfrm>
+          <a:prstGeom prst="line">
+            <a:avLst/>
+          </a:prstGeom>
+        </p:spPr>
+        <p:style>
+          <a:lnRef idx="2">
+            <a:schemeClr val="accent1"/>
+          </a:lnRef>
+          <a:fillRef idx="0">
+            <a:schemeClr val="accent1"/>
+          </a:fillRef>
+          <a:effectRef idx="1">
+            <a:schemeClr val="accent1"/>
+          </a:effectRef>
+          <a:fontRef idx="minor">
+            <a:schemeClr val="tx1"/>
+          </a:fontRef>
+        </p:style>
+      </p:cxnSp>
+      <p:cxnSp>
+        <p:nvCxnSpPr>
+          <p:cNvPr id="19" name="Straight Connector 18"/>
+          <p:cNvCxnSpPr>
+            <a:stCxn id="7" idx="1"/>
+            <a:endCxn id="15" idx="3"/>
+          </p:cNvCxnSpPr>
+          <p:nvPr/>
+        </p:nvCxnSpPr>
+        <p:spPr>
+          <a:xfrm flipH="1" flipV="1">
+            <a:off x="6444208" y="1539098"/>
+            <a:ext cx="1238619" cy="565373"/>
+          </a:xfrm>
+          <a:prstGeom prst="line">
+            <a:avLst/>
+          </a:prstGeom>
+        </p:spPr>
+        <p:style>
+          <a:lnRef idx="2">
+            <a:schemeClr val="accent1"/>
+          </a:lnRef>
+          <a:fillRef idx="0">
+            <a:schemeClr val="accent1"/>
+          </a:fillRef>
+          <a:effectRef idx="1">
+            <a:schemeClr val="accent1"/>
+          </a:effectRef>
+          <a:fontRef idx="minor">
+            <a:schemeClr val="tx1"/>
+          </a:fontRef>
+        </p:style>
+      </p:cxnSp>
+      <p:cxnSp>
+        <p:nvCxnSpPr>
+          <p:cNvPr id="23" name="Straight Connector 22"/>
+          <p:cNvCxnSpPr>
+            <a:stCxn id="8" idx="1"/>
+            <a:endCxn id="24" idx="3"/>
+          </p:cNvCxnSpPr>
+          <p:nvPr/>
+        </p:nvCxnSpPr>
+        <p:spPr>
+          <a:xfrm flipH="1" flipV="1">
+            <a:off x="6444208" y="3242729"/>
+            <a:ext cx="1241174" cy="11911"/>
+          </a:xfrm>
+          <a:prstGeom prst="line">
+            <a:avLst/>
+          </a:prstGeom>
+        </p:spPr>
+        <p:style>
+          <a:lnRef idx="2">
+            <a:schemeClr val="accent1"/>
+          </a:lnRef>
+          <a:fillRef idx="0">
+            <a:schemeClr val="accent1"/>
+          </a:fillRef>
+          <a:effectRef idx="1">
+            <a:schemeClr val="accent1"/>
+          </a:effectRef>
+          <a:fontRef idx="minor">
+            <a:schemeClr val="tx1"/>
+          </a:fontRef>
+        </p:style>
+      </p:cxnSp>
+      <p:sp>
+        <p:nvSpPr>
+          <p:cNvPr id="24" name="Rectangle 23"/>
+          <p:cNvSpPr/>
+          <p:nvPr/>
+        </p:nvSpPr>
+        <p:spPr>
+          <a:xfrm>
+            <a:off x="5220072" y="2914047"/>
+            <a:ext cx="1224136" cy="657364"/>
+          </a:xfrm>
+          <a:prstGeom prst="rect">
+            <a:avLst/>
+          </a:prstGeom>
+        </p:spPr>
+        <p:style>
+          <a:lnRef idx="1">
+            <a:schemeClr val="accent1"/>
+          </a:lnRef>
+          <a:fillRef idx="3">
+            <a:schemeClr val="accent1"/>
+          </a:fillRef>
+          <a:effectRef idx="2">
+            <a:schemeClr val="accent1"/>
+          </a:effectRef>
+          <a:fontRef idx="minor">
+            <a:schemeClr val="lt1"/>
+          </a:fontRef>
+        </p:style>
+        <p:txBody>
+          <a:bodyPr rtlCol="0" anchor="ctr"/>
+          <a:lstStyle/>
+          <a:p>
+            <a:pPr algn="ctr"/>
+            <a:endParaRPr lang="en-US"/>
+          </a:p>
+        </p:txBody>
+      </p:sp>
+      <p:sp>
+        <p:nvSpPr>
+          <p:cNvPr id="25" name="TextBox 24"/>
+          <p:cNvSpPr txBox="1"/>
+          <p:nvPr/>
+        </p:nvSpPr>
+        <p:spPr>
+          <a:xfrm>
+            <a:off x="5176280" y="2842039"/>
+            <a:ext cx="576064" cy="369332"/>
+          </a:xfrm>
+          <a:prstGeom prst="rect">
+            <a:avLst/>
+          </a:prstGeom>
+          <a:noFill/>
+        </p:spPr>
+        <p:txBody>
+          <a:bodyPr wrap="square" rtlCol="0">
+            <a:spAutoFit/>
+          </a:bodyPr>
+          <a:lstStyle/>
+          <a:p>
+            <a:r>
+              <a:rPr lang="en-US" dirty="0">
+                <a:solidFill>
+                  <a:srgbClr val="FFFFFF"/>
+                </a:solidFill>
+              </a:rPr>
+              <a:t>G</a:t>
+            </a:r>
+            <a:r>
+              <a:rPr lang="en-US" dirty="0" smtClean="0">
+                <a:solidFill>
+                  <a:srgbClr val="FFFFFF"/>
+                </a:solidFill>
+              </a:rPr>
+              <a:t>P2</a:t>
+            </a:r>
+            <a:endParaRPr lang="en-US" dirty="0">
+              <a:solidFill>
+                <a:srgbClr val="FFFFFF"/>
+              </a:solidFill>
+            </a:endParaRPr>
+          </a:p>
+        </p:txBody>
+      </p:sp>
+      <p:cxnSp>
+        <p:nvCxnSpPr>
+          <p:cNvPr id="28" name="Straight Connector 27"/>
+          <p:cNvCxnSpPr>
+            <a:stCxn id="11" idx="1"/>
+            <a:endCxn id="4" idx="3"/>
+          </p:cNvCxnSpPr>
+          <p:nvPr/>
+        </p:nvCxnSpPr>
+        <p:spPr>
+          <a:xfrm flipH="1" flipV="1">
+            <a:off x="1458618" y="1100560"/>
+            <a:ext cx="1241174" cy="438537"/>
+          </a:xfrm>
+          <a:prstGeom prst="line">
+            <a:avLst/>
+          </a:prstGeom>
+        </p:spPr>
+        <p:style>
+          <a:lnRef idx="2">
+            <a:schemeClr val="accent1"/>
+          </a:lnRef>
+          <a:fillRef idx="0">
+            <a:schemeClr val="accent1"/>
+          </a:fillRef>
+          <a:effectRef idx="1">
+            <a:schemeClr val="accent1"/>
+          </a:effectRef>
+          <a:fontRef idx="minor">
+            <a:schemeClr val="tx1"/>
+          </a:fontRef>
+        </p:style>
+      </p:cxnSp>
+      <p:cxnSp>
+        <p:nvCxnSpPr>
+          <p:cNvPr id="31" name="Straight Connector 30"/>
+          <p:cNvCxnSpPr>
+            <a:stCxn id="11" idx="1"/>
+            <a:endCxn id="5" idx="3"/>
+          </p:cNvCxnSpPr>
+          <p:nvPr/>
+        </p:nvCxnSpPr>
+        <p:spPr>
+          <a:xfrm flipH="1">
+            <a:off x="1464051" y="1539097"/>
+            <a:ext cx="1235741" cy="602910"/>
+          </a:xfrm>
+          <a:prstGeom prst="line">
+            <a:avLst/>
+          </a:prstGeom>
+        </p:spPr>
+        <p:style>
+          <a:lnRef idx="2">
+            <a:schemeClr val="accent1"/>
+          </a:lnRef>
+          <a:fillRef idx="0">
+            <a:schemeClr val="accent1"/>
+          </a:fillRef>
+          <a:effectRef idx="1">
+            <a:schemeClr val="accent1"/>
+          </a:effectRef>
+          <a:fontRef idx="minor">
+            <a:schemeClr val="tx1"/>
+          </a:fontRef>
+        </p:style>
+      </p:cxnSp>
+      <p:sp>
+        <p:nvSpPr>
+          <p:cNvPr id="20" name="Rounded Rectangle 19"/>
+          <p:cNvSpPr/>
+          <p:nvPr/>
+        </p:nvSpPr>
+        <p:spPr>
+          <a:xfrm>
+            <a:off x="827584" y="3039985"/>
+            <a:ext cx="631034" cy="439295"/>
+          </a:xfrm>
+          <a:prstGeom prst="roundRect">
+            <a:avLst/>
+          </a:prstGeom>
+        </p:spPr>
+        <p:style>
+          <a:lnRef idx="1">
+            <a:schemeClr val="accent1"/>
+          </a:lnRef>
+          <a:fillRef idx="3">
+            <a:schemeClr val="accent1"/>
+          </a:fillRef>
+          <a:effectRef idx="2">
+            <a:schemeClr val="accent1"/>
+          </a:effectRef>
+          <a:fontRef idx="minor">
+            <a:schemeClr val="lt1"/>
+          </a:fontRef>
+        </p:style>
+        <p:txBody>
+          <a:bodyPr rtlCol="0" anchor="ctr"/>
+          <a:lstStyle/>
+          <a:p>
+            <a:pPr algn="ctr"/>
+            <a:r>
+              <a:rPr lang="en-US" dirty="0"/>
+              <a:t>C</a:t>
+            </a:r>
+          </a:p>
+        </p:txBody>
+      </p:sp>
+      <p:cxnSp>
+        <p:nvCxnSpPr>
+          <p:cNvPr id="21" name="Straight Connector 20"/>
+          <p:cNvCxnSpPr>
+            <a:stCxn id="13" idx="1"/>
+            <a:endCxn id="20" idx="3"/>
+          </p:cNvCxnSpPr>
+          <p:nvPr/>
+        </p:nvCxnSpPr>
+        <p:spPr>
+          <a:xfrm flipH="1">
+            <a:off x="1458618" y="3255778"/>
+            <a:ext cx="1241174" cy="3855"/>
+          </a:xfrm>
+          <a:prstGeom prst="line">
+            <a:avLst/>
+          </a:prstGeom>
+        </p:spPr>
+        <p:style>
+          <a:lnRef idx="2">
+            <a:schemeClr val="accent1"/>
+          </a:lnRef>
+          <a:fillRef idx="0">
+            <a:schemeClr val="accent1"/>
+          </a:fillRef>
+          <a:effectRef idx="1">
+            <a:schemeClr val="accent1"/>
+          </a:effectRef>
+          <a:fontRef idx="minor">
+            <a:schemeClr val="tx1"/>
+          </a:fontRef>
+        </p:style>
+      </p:cxnSp>
+      <p:cxnSp>
+        <p:nvCxnSpPr>
+          <p:cNvPr id="26" name="Straight Connector 25"/>
+          <p:cNvCxnSpPr>
+            <a:stCxn id="15" idx="1"/>
+            <a:endCxn id="11" idx="3"/>
+          </p:cNvCxnSpPr>
+          <p:nvPr/>
+        </p:nvCxnSpPr>
+        <p:spPr>
+          <a:xfrm flipH="1" flipV="1">
+            <a:off x="3923928" y="1539097"/>
+            <a:ext cx="1296144" cy="1"/>
+          </a:xfrm>
+          <a:prstGeom prst="line">
+            <a:avLst/>
+          </a:prstGeom>
+        </p:spPr>
+        <p:style>
+          <a:lnRef idx="2">
+            <a:schemeClr val="accent1"/>
+          </a:lnRef>
+          <a:fillRef idx="0">
+            <a:schemeClr val="accent1"/>
+          </a:fillRef>
+          <a:effectRef idx="1">
+            <a:schemeClr val="accent1"/>
+          </a:effectRef>
+          <a:fontRef idx="minor">
+            <a:schemeClr val="tx1"/>
+          </a:fontRef>
+        </p:style>
+      </p:cxnSp>
+      <p:cxnSp>
+        <p:nvCxnSpPr>
+          <p:cNvPr id="29" name="Straight Connector 28"/>
+          <p:cNvCxnSpPr>
+            <a:stCxn id="24" idx="1"/>
+            <a:endCxn id="13" idx="3"/>
+          </p:cNvCxnSpPr>
+          <p:nvPr/>
+        </p:nvCxnSpPr>
+        <p:spPr>
+          <a:xfrm flipH="1">
+            <a:off x="3923928" y="3242729"/>
+            <a:ext cx="1296144" cy="13049"/>
+          </a:xfrm>
+          <a:prstGeom prst="line">
+            <a:avLst/>
+          </a:prstGeom>
+        </p:spPr>
+        <p:style>
+          <a:lnRef idx="2">
+            <a:schemeClr val="accent1"/>
+          </a:lnRef>
+          <a:fillRef idx="0">
+            <a:schemeClr val="accent1"/>
+          </a:fillRef>
+          <a:effectRef idx="1">
+            <a:schemeClr val="accent1"/>
+          </a:effectRef>
+          <a:fontRef idx="minor">
+            <a:schemeClr val="tx1"/>
+          </a:fontRef>
+        </p:style>
+      </p:cxnSp>
+      <p:sp>
+        <p:nvSpPr>
+          <p:cNvPr id="27" name="TextBox 26"/>
+          <p:cNvSpPr txBox="1"/>
+          <p:nvPr/>
+        </p:nvSpPr>
+        <p:spPr>
+          <a:xfrm>
+            <a:off x="6403480" y="1050830"/>
+            <a:ext cx="841026" cy="261610"/>
+          </a:xfrm>
+          <a:prstGeom prst="rect">
+            <a:avLst/>
+          </a:prstGeom>
+          <a:noFill/>
+        </p:spPr>
+        <p:txBody>
+          <a:bodyPr wrap="square" rtlCol="0">
+            <a:spAutoFit/>
+          </a:bodyPr>
+          <a:lstStyle/>
+          <a:p>
+            <a:r>
+              <a:rPr lang="en-US" sz="1100" dirty="0" smtClean="0"/>
+              <a:t>URL-GP1-C</a:t>
+            </a:r>
+            <a:endParaRPr lang="en-US" sz="1100" dirty="0"/>
+          </a:p>
+        </p:txBody>
+      </p:sp>
+      <p:sp>
+        <p:nvSpPr>
+          <p:cNvPr id="30" name="TextBox 29"/>
+          <p:cNvSpPr txBox="1"/>
+          <p:nvPr/>
+        </p:nvSpPr>
+        <p:spPr>
+          <a:xfrm>
+            <a:off x="6406525" y="920845"/>
+            <a:ext cx="841027" cy="261610"/>
+          </a:xfrm>
+          <a:prstGeom prst="rect">
+            <a:avLst/>
+          </a:prstGeom>
+          <a:noFill/>
+        </p:spPr>
+        <p:txBody>
+          <a:bodyPr wrap="square" rtlCol="0">
+            <a:spAutoFit/>
+          </a:bodyPr>
+          <a:lstStyle/>
+          <a:p>
+            <a:r>
+              <a:rPr lang="en-US" sz="1100" dirty="0" smtClean="0"/>
+              <a:t>URL-GP1-B</a:t>
+            </a:r>
+            <a:endParaRPr lang="en-US" sz="1100" dirty="0"/>
+          </a:p>
+        </p:txBody>
+      </p:sp>
+      <p:sp>
+        <p:nvSpPr>
+          <p:cNvPr id="34" name="TextBox 33"/>
+          <p:cNvSpPr txBox="1"/>
+          <p:nvPr/>
+        </p:nvSpPr>
+        <p:spPr>
+          <a:xfrm>
+            <a:off x="434964" y="3801814"/>
+            <a:ext cx="4209044" cy="707886"/>
+          </a:xfrm>
+          <a:prstGeom prst="rect">
+            <a:avLst/>
+          </a:prstGeom>
+          <a:noFill/>
+        </p:spPr>
+        <p:txBody>
+          <a:bodyPr wrap="square" rtlCol="0">
+            <a:spAutoFit/>
+          </a:bodyPr>
+          <a:lstStyle/>
+          <a:p>
+            <a:r>
+              <a:rPr lang="ja-JP" altLang="en-US" sz="1600" dirty="0" smtClean="0">
+                <a:latin typeface="ＭＳ Ｐゴシック"/>
+                <a:ea typeface="ＭＳ Ｐゴシック"/>
+                <a:cs typeface="ＭＳ Ｐゴシック"/>
+              </a:rPr>
+              <a:t>内外</a:t>
+            </a:r>
+            <a:r>
+              <a:rPr lang="en-US" altLang="ja-JP" sz="1600" dirty="0" smtClean="0">
+                <a:latin typeface="ＭＳ Ｐゴシック"/>
+                <a:ea typeface="ＭＳ Ｐゴシック"/>
+                <a:cs typeface="ＭＳ Ｐゴシック"/>
+              </a:rPr>
+              <a:t>Proxy</a:t>
+            </a:r>
+            <a:r>
+              <a:rPr lang="ja-JP" altLang="en-US" sz="1600" dirty="0" smtClean="0">
+                <a:latin typeface="ＭＳ Ｐゴシック"/>
+                <a:ea typeface="ＭＳ Ｐゴシック"/>
+                <a:cs typeface="ＭＳ Ｐゴシック"/>
+              </a:rPr>
+              <a:t>方式＆外中仮想</a:t>
+            </a:r>
+            <a:r>
+              <a:rPr lang="en-US" altLang="ja-JP" sz="1600" dirty="0" smtClean="0">
+                <a:latin typeface="ＭＳ Ｐゴシック"/>
+                <a:ea typeface="ＭＳ Ｐゴシック"/>
+                <a:cs typeface="ＭＳ Ｐゴシック"/>
+              </a:rPr>
+              <a:t>URL</a:t>
+            </a:r>
+            <a:r>
+              <a:rPr lang="ja-JP" altLang="en-US" sz="1600" dirty="0" smtClean="0">
+                <a:latin typeface="ＭＳ Ｐゴシック"/>
+                <a:ea typeface="ＭＳ Ｐゴシック"/>
+                <a:cs typeface="ＭＳ Ｐゴシック"/>
+              </a:rPr>
+              <a:t>方式</a:t>
+            </a:r>
+            <a:endParaRPr lang="en-US" altLang="ja-JP" sz="1600" dirty="0" smtClean="0">
+              <a:latin typeface="ＭＳ Ｐゴシック"/>
+              <a:ea typeface="ＭＳ Ｐゴシック"/>
+              <a:cs typeface="ＭＳ Ｐゴシック"/>
+            </a:endParaRPr>
+          </a:p>
+          <a:p>
+            <a:r>
+              <a:rPr lang="ja-JP" altLang="en-US" sz="1200" dirty="0" smtClean="0">
+                <a:latin typeface="ＭＳ Ｐゴシック"/>
+                <a:ea typeface="ＭＳ Ｐゴシック"/>
+                <a:cs typeface="ＭＳ Ｐゴシック"/>
+              </a:rPr>
+              <a:t>プロキシをコンポーネントの外部で行えれば、コンポーネントに変更は必要ない。</a:t>
+            </a:r>
+            <a:endParaRPr lang="en-US" sz="1200" dirty="0" smtClean="0">
+              <a:latin typeface="ＭＳ Ｐゴシック"/>
+              <a:ea typeface="ＭＳ Ｐゴシック"/>
+              <a:cs typeface="ＭＳ Ｐゴシック"/>
+            </a:endParaRPr>
+          </a:p>
+        </p:txBody>
+      </p:sp>
+      <p:sp>
+        <p:nvSpPr>
+          <p:cNvPr id="36" name="TextBox 35"/>
+          <p:cNvSpPr txBox="1"/>
+          <p:nvPr/>
+        </p:nvSpPr>
+        <p:spPr>
+          <a:xfrm>
+            <a:off x="7139264" y="705470"/>
+            <a:ext cx="648072" cy="261610"/>
+          </a:xfrm>
+          <a:prstGeom prst="rect">
+            <a:avLst/>
+          </a:prstGeom>
+          <a:noFill/>
+        </p:spPr>
+        <p:txBody>
+          <a:bodyPr wrap="square" rtlCol="0">
+            <a:spAutoFit/>
+          </a:bodyPr>
+          <a:lstStyle/>
+          <a:p>
+            <a:pPr algn="ctr"/>
+            <a:r>
+              <a:rPr lang="en-US" sz="1100" dirty="0" smtClean="0"/>
+              <a:t>URL-X</a:t>
+            </a:r>
+            <a:endParaRPr lang="en-US" sz="1100" dirty="0"/>
+          </a:p>
+        </p:txBody>
+      </p:sp>
+      <p:sp>
+        <p:nvSpPr>
+          <p:cNvPr id="37" name="TextBox 36"/>
+          <p:cNvSpPr txBox="1"/>
+          <p:nvPr/>
+        </p:nvSpPr>
+        <p:spPr>
+          <a:xfrm>
+            <a:off x="7145520" y="2104902"/>
+            <a:ext cx="648072" cy="261610"/>
+          </a:xfrm>
+          <a:prstGeom prst="rect">
+            <a:avLst/>
+          </a:prstGeom>
+          <a:noFill/>
+        </p:spPr>
+        <p:txBody>
+          <a:bodyPr wrap="square" rtlCol="0">
+            <a:spAutoFit/>
+          </a:bodyPr>
+          <a:lstStyle/>
+          <a:p>
+            <a:pPr algn="ctr"/>
+            <a:r>
+              <a:rPr lang="en-US" sz="1100" dirty="0" smtClean="0"/>
+              <a:t>URL-Y</a:t>
+            </a:r>
+            <a:endParaRPr lang="en-US" sz="1100" dirty="0"/>
+          </a:p>
+        </p:txBody>
+      </p:sp>
+      <p:sp>
+        <p:nvSpPr>
+          <p:cNvPr id="38" name="TextBox 37"/>
+          <p:cNvSpPr txBox="1"/>
+          <p:nvPr/>
+        </p:nvSpPr>
+        <p:spPr>
+          <a:xfrm>
+            <a:off x="1347344" y="2172052"/>
+            <a:ext cx="648072" cy="261610"/>
+          </a:xfrm>
+          <a:prstGeom prst="rect">
+            <a:avLst/>
+          </a:prstGeom>
+          <a:noFill/>
+        </p:spPr>
+        <p:txBody>
+          <a:bodyPr wrap="square" rtlCol="0">
+            <a:spAutoFit/>
+          </a:bodyPr>
+          <a:lstStyle/>
+          <a:p>
+            <a:pPr algn="ctr"/>
+            <a:r>
+              <a:rPr lang="en-US" sz="1100" dirty="0" smtClean="0"/>
+              <a:t>URL-B</a:t>
+            </a:r>
+            <a:endParaRPr lang="en-US" sz="1100" dirty="0"/>
+          </a:p>
+        </p:txBody>
+      </p:sp>
+      <p:sp>
+        <p:nvSpPr>
+          <p:cNvPr id="39" name="TextBox 38"/>
+          <p:cNvSpPr txBox="1"/>
+          <p:nvPr/>
+        </p:nvSpPr>
+        <p:spPr>
+          <a:xfrm>
+            <a:off x="1344152" y="783734"/>
+            <a:ext cx="648072" cy="261610"/>
+          </a:xfrm>
+          <a:prstGeom prst="rect">
+            <a:avLst/>
+          </a:prstGeom>
+          <a:noFill/>
+        </p:spPr>
+        <p:txBody>
+          <a:bodyPr wrap="square" rtlCol="0">
+            <a:spAutoFit/>
+          </a:bodyPr>
+          <a:lstStyle/>
+          <a:p>
+            <a:pPr algn="ctr"/>
+            <a:r>
+              <a:rPr lang="en-US" sz="1100" dirty="0" smtClean="0"/>
+              <a:t>URL-A</a:t>
+            </a:r>
+            <a:endParaRPr lang="en-US" sz="1100" dirty="0"/>
+          </a:p>
+        </p:txBody>
+      </p:sp>
+      <p:grpSp>
+        <p:nvGrpSpPr>
+          <p:cNvPr id="107" name="Group 106"/>
+          <p:cNvGrpSpPr/>
+          <p:nvPr/>
+        </p:nvGrpSpPr>
+        <p:grpSpPr>
+          <a:xfrm>
+            <a:off x="539552" y="768186"/>
+            <a:ext cx="4032448" cy="1737484"/>
+            <a:chOff x="395536" y="546902"/>
+            <a:chExt cx="4176464" cy="1737484"/>
+          </a:xfrm>
+        </p:grpSpPr>
+        <p:cxnSp>
+          <p:nvCxnSpPr>
+            <p:cNvPr id="40" name="Straight Connector 39"/>
+            <p:cNvCxnSpPr/>
+            <p:nvPr/>
+          </p:nvCxnSpPr>
+          <p:spPr>
+            <a:xfrm flipV="1">
+              <a:off x="4572000" y="546902"/>
+              <a:ext cx="0" cy="1737484"/>
+            </a:xfrm>
+            <a:prstGeom prst="line">
+              <a:avLst/>
+            </a:prstGeom>
+            <a:ln w="9525" cmpd="sng">
+              <a:solidFill>
+                <a:schemeClr val="tx1"/>
+              </a:solidFill>
+              <a:prstDash val="dash"/>
+            </a:ln>
+          </p:spPr>
+          <p:style>
+            <a:lnRef idx="2">
+              <a:schemeClr val="accent1"/>
+            </a:lnRef>
+            <a:fillRef idx="0">
+              <a:schemeClr val="accent1"/>
+            </a:fillRef>
+            <a:effectRef idx="1">
+              <a:schemeClr val="accent1"/>
+            </a:effectRef>
+            <a:fontRef idx="minor">
+              <a:schemeClr val="tx1"/>
+            </a:fontRef>
+          </p:style>
+        </p:cxnSp>
+        <p:cxnSp>
+          <p:nvCxnSpPr>
+            <p:cNvPr id="41" name="Straight Connector 40"/>
+            <p:cNvCxnSpPr/>
+            <p:nvPr/>
+          </p:nvCxnSpPr>
+          <p:spPr>
+            <a:xfrm>
+              <a:off x="395536" y="2284386"/>
+              <a:ext cx="4176464" cy="0"/>
+            </a:xfrm>
+            <a:prstGeom prst="line">
+              <a:avLst/>
+            </a:prstGeom>
+            <a:ln w="9525" cmpd="sng">
+              <a:solidFill>
+                <a:schemeClr val="tx1"/>
+              </a:solidFill>
+              <a:prstDash val="dash"/>
+            </a:ln>
+          </p:spPr>
+          <p:style>
+            <a:lnRef idx="2">
+              <a:schemeClr val="accent1"/>
+            </a:lnRef>
+            <a:fillRef idx="0">
+              <a:schemeClr val="accent1"/>
+            </a:fillRef>
+            <a:effectRef idx="1">
+              <a:schemeClr val="accent1"/>
+            </a:effectRef>
+            <a:fontRef idx="minor">
+              <a:schemeClr val="tx1"/>
+            </a:fontRef>
+          </p:style>
+        </p:cxnSp>
+      </p:grpSp>
+      <p:grpSp>
+        <p:nvGrpSpPr>
+          <p:cNvPr id="108" name="Group 107"/>
+          <p:cNvGrpSpPr/>
+          <p:nvPr/>
+        </p:nvGrpSpPr>
+        <p:grpSpPr>
+          <a:xfrm>
+            <a:off x="539552" y="2657200"/>
+            <a:ext cx="4032448" cy="1147806"/>
+            <a:chOff x="395536" y="2500410"/>
+            <a:chExt cx="4176464" cy="931765"/>
+          </a:xfrm>
+        </p:grpSpPr>
+        <p:cxnSp>
+          <p:nvCxnSpPr>
+            <p:cNvPr id="42" name="Straight Connector 41"/>
+            <p:cNvCxnSpPr/>
+            <p:nvPr/>
+          </p:nvCxnSpPr>
+          <p:spPr>
+            <a:xfrm>
+              <a:off x="395536" y="2509702"/>
+              <a:ext cx="4176464" cy="0"/>
+            </a:xfrm>
+            <a:prstGeom prst="line">
+              <a:avLst/>
+            </a:prstGeom>
+            <a:ln w="9525" cmpd="sng">
+              <a:solidFill>
+                <a:schemeClr val="tx1"/>
+              </a:solidFill>
+              <a:prstDash val="dash"/>
+            </a:ln>
+          </p:spPr>
+          <p:style>
+            <a:lnRef idx="2">
+              <a:schemeClr val="accent1"/>
+            </a:lnRef>
+            <a:fillRef idx="0">
+              <a:schemeClr val="accent1"/>
+            </a:fillRef>
+            <a:effectRef idx="1">
+              <a:schemeClr val="accent1"/>
+            </a:effectRef>
+            <a:fontRef idx="minor">
+              <a:schemeClr val="tx1"/>
+            </a:fontRef>
+          </p:style>
+        </p:cxnSp>
+        <p:cxnSp>
+          <p:nvCxnSpPr>
+            <p:cNvPr id="44" name="Straight Connector 43"/>
+            <p:cNvCxnSpPr/>
+            <p:nvPr/>
+          </p:nvCxnSpPr>
+          <p:spPr>
+            <a:xfrm flipV="1">
+              <a:off x="4572000" y="2500410"/>
+              <a:ext cx="0" cy="931765"/>
+            </a:xfrm>
+            <a:prstGeom prst="line">
+              <a:avLst/>
+            </a:prstGeom>
+            <a:ln w="9525" cmpd="sng">
+              <a:solidFill>
+                <a:schemeClr val="tx1"/>
+              </a:solidFill>
+              <a:prstDash val="dash"/>
+            </a:ln>
+          </p:spPr>
+          <p:style>
+            <a:lnRef idx="2">
+              <a:schemeClr val="accent1"/>
+            </a:lnRef>
+            <a:fillRef idx="0">
+              <a:schemeClr val="accent1"/>
+            </a:fillRef>
+            <a:effectRef idx="1">
+              <a:schemeClr val="accent1"/>
+            </a:effectRef>
+            <a:fontRef idx="minor">
+              <a:schemeClr val="tx1"/>
+            </a:fontRef>
+          </p:style>
+        </p:cxnSp>
+      </p:grpSp>
+      <p:sp>
+        <p:nvSpPr>
+          <p:cNvPr id="47" name="TextBox 46"/>
+          <p:cNvSpPr txBox="1"/>
+          <p:nvPr/>
+        </p:nvSpPr>
+        <p:spPr>
+          <a:xfrm>
+            <a:off x="6398334" y="2728559"/>
+            <a:ext cx="856730" cy="261610"/>
+          </a:xfrm>
+          <a:prstGeom prst="rect">
+            <a:avLst/>
+          </a:prstGeom>
+          <a:noFill/>
+        </p:spPr>
+        <p:txBody>
+          <a:bodyPr wrap="square" rtlCol="0">
+            <a:spAutoFit/>
+          </a:bodyPr>
+          <a:lstStyle/>
+          <a:p>
+            <a:r>
+              <a:rPr lang="en-US" sz="1100" dirty="0" smtClean="0"/>
+              <a:t>URL-GP2-C</a:t>
+            </a:r>
+            <a:endParaRPr lang="en-US" sz="1100" dirty="0"/>
+          </a:p>
+        </p:txBody>
+      </p:sp>
+      <p:sp>
+        <p:nvSpPr>
+          <p:cNvPr id="48" name="TextBox 47"/>
+          <p:cNvSpPr txBox="1"/>
+          <p:nvPr/>
+        </p:nvSpPr>
+        <p:spPr>
+          <a:xfrm>
+            <a:off x="7139264" y="2885267"/>
+            <a:ext cx="648072" cy="261610"/>
+          </a:xfrm>
+          <a:prstGeom prst="rect">
+            <a:avLst/>
+          </a:prstGeom>
+          <a:noFill/>
+        </p:spPr>
+        <p:txBody>
+          <a:bodyPr wrap="square" rtlCol="0">
+            <a:spAutoFit/>
+          </a:bodyPr>
+          <a:lstStyle/>
+          <a:p>
+            <a:pPr algn="ctr"/>
+            <a:r>
+              <a:rPr lang="en-US" sz="1100" dirty="0" smtClean="0"/>
+              <a:t>URL-X</a:t>
+            </a:r>
+            <a:endParaRPr lang="en-US" sz="1100" dirty="0"/>
+          </a:p>
+        </p:txBody>
+      </p:sp>
+      <p:sp>
+        <p:nvSpPr>
+          <p:cNvPr id="49" name="TextBox 48"/>
+          <p:cNvSpPr txBox="1"/>
+          <p:nvPr/>
+        </p:nvSpPr>
+        <p:spPr>
+          <a:xfrm>
+            <a:off x="1344152" y="2894559"/>
+            <a:ext cx="648072" cy="261610"/>
+          </a:xfrm>
+          <a:prstGeom prst="rect">
+            <a:avLst/>
+          </a:prstGeom>
+          <a:noFill/>
+        </p:spPr>
+        <p:txBody>
+          <a:bodyPr wrap="square" rtlCol="0">
+            <a:spAutoFit/>
+          </a:bodyPr>
+          <a:lstStyle/>
+          <a:p>
+            <a:pPr algn="ctr"/>
+            <a:r>
+              <a:rPr lang="en-US" sz="1100" dirty="0" smtClean="0"/>
+              <a:t>URL-C</a:t>
+            </a:r>
+            <a:endParaRPr lang="en-US" sz="1100" dirty="0"/>
+          </a:p>
+        </p:txBody>
+      </p:sp>
+      <p:sp>
+        <p:nvSpPr>
+          <p:cNvPr id="53" name="TextBox 52"/>
+          <p:cNvSpPr txBox="1"/>
+          <p:nvPr/>
+        </p:nvSpPr>
+        <p:spPr>
+          <a:xfrm>
+            <a:off x="2065450" y="1079158"/>
+            <a:ext cx="792038" cy="261610"/>
+          </a:xfrm>
+          <a:prstGeom prst="rect">
+            <a:avLst/>
+          </a:prstGeom>
+          <a:noFill/>
+        </p:spPr>
+        <p:txBody>
+          <a:bodyPr wrap="square" rtlCol="0">
+            <a:spAutoFit/>
+          </a:bodyPr>
+          <a:lstStyle/>
+          <a:p>
+            <a:r>
+              <a:rPr lang="en-US" sz="1100" dirty="0" smtClean="0"/>
+              <a:t>URL-LP1</a:t>
+            </a:r>
+            <a:endParaRPr lang="en-US" sz="1100" dirty="0"/>
+          </a:p>
+        </p:txBody>
+      </p:sp>
+      <p:sp>
+        <p:nvSpPr>
+          <p:cNvPr id="54" name="TextBox 53"/>
+          <p:cNvSpPr txBox="1"/>
+          <p:nvPr/>
+        </p:nvSpPr>
+        <p:spPr>
+          <a:xfrm>
+            <a:off x="2070512" y="2879358"/>
+            <a:ext cx="773296" cy="261610"/>
+          </a:xfrm>
+          <a:prstGeom prst="rect">
+            <a:avLst/>
+          </a:prstGeom>
+          <a:noFill/>
+        </p:spPr>
+        <p:txBody>
+          <a:bodyPr wrap="square" rtlCol="0">
+            <a:spAutoFit/>
+          </a:bodyPr>
+          <a:lstStyle/>
+          <a:p>
+            <a:r>
+              <a:rPr lang="en-US" sz="1100" dirty="0" smtClean="0"/>
+              <a:t>URL-LP2</a:t>
+            </a:r>
+            <a:endParaRPr lang="en-US" sz="1100" dirty="0"/>
+          </a:p>
+        </p:txBody>
+      </p:sp>
+      <p:sp>
+        <p:nvSpPr>
+          <p:cNvPr id="56" name="TextBox 55"/>
+          <p:cNvSpPr txBox="1"/>
+          <p:nvPr/>
+        </p:nvSpPr>
+        <p:spPr>
+          <a:xfrm>
+            <a:off x="1259632" y="4526010"/>
+            <a:ext cx="3672408" cy="923330"/>
+          </a:xfrm>
+          <a:prstGeom prst="rect">
+            <a:avLst/>
+          </a:prstGeom>
+          <a:noFill/>
+        </p:spPr>
+        <p:txBody>
+          <a:bodyPr wrap="square" rtlCol="0">
+            <a:spAutoFit/>
+          </a:bodyPr>
+          <a:lstStyle/>
+          <a:p>
+            <a:r>
+              <a:rPr lang="en-US" sz="900" b="1" dirty="0" err="1" smtClean="0">
+                <a:latin typeface="Courier"/>
+                <a:cs typeface="Courier"/>
+              </a:rPr>
+              <a:t>A</a:t>
+            </a:r>
+            <a:r>
+              <a:rPr lang="en-US" sz="900" b="1" dirty="0" err="1" smtClean="0">
+                <a:latin typeface="Courier"/>
+                <a:cs typeface="Courier"/>
+                <a:sym typeface="Wingdings"/>
+              </a:rPr>
+              <a:t>X</a:t>
+            </a:r>
+            <a:endParaRPr lang="en-US" sz="900" b="1" dirty="0">
+              <a:latin typeface="Courier"/>
+              <a:cs typeface="Courier"/>
+              <a:sym typeface="Wingdings"/>
+            </a:endParaRPr>
+          </a:p>
+          <a:p>
+            <a:r>
+              <a:rPr lang="en-US" sz="900" dirty="0" smtClean="0">
+                <a:latin typeface="Courier"/>
+                <a:cs typeface="Courier"/>
+                <a:sym typeface="Wingdings"/>
+              </a:rPr>
+              <a:t>http://&lt;URL-X&gt;-_-&lt;URL-LP1&gt;/</a:t>
+            </a:r>
+          </a:p>
+          <a:p>
+            <a:r>
+              <a:rPr lang="en-US" sz="900" dirty="0">
+                <a:latin typeface="Courier"/>
+                <a:cs typeface="Courier"/>
+                <a:sym typeface="Wingdings"/>
+              </a:rPr>
+              <a:t>	</a:t>
+            </a:r>
+            <a:r>
+              <a:rPr lang="en-US" sz="900" dirty="0" smtClean="0">
+                <a:latin typeface="Courier"/>
+                <a:cs typeface="Courier"/>
+                <a:sym typeface="Wingdings"/>
+              </a:rPr>
+              <a:t>A&lt;URL-X&gt; via GP1</a:t>
+            </a:r>
+          </a:p>
+          <a:p>
+            <a:r>
+              <a:rPr lang="en-US" sz="900" b="1" dirty="0" err="1" smtClean="0">
+                <a:latin typeface="Courier"/>
+                <a:cs typeface="Courier"/>
+                <a:sym typeface="Wingdings"/>
+              </a:rPr>
+              <a:t>AC</a:t>
+            </a:r>
+            <a:endParaRPr lang="en-US" sz="900" b="1" dirty="0" smtClean="0">
+              <a:latin typeface="Courier"/>
+              <a:cs typeface="Courier"/>
+              <a:sym typeface="Wingdings"/>
+            </a:endParaRPr>
+          </a:p>
+          <a:p>
+            <a:r>
+              <a:rPr lang="en-US" sz="900" dirty="0" smtClean="0">
+                <a:latin typeface="Courier"/>
+                <a:cs typeface="Courier"/>
+                <a:sym typeface="Wingdings"/>
+              </a:rPr>
+              <a:t>http://&lt;URL-GP1-C&gt;-_-&lt;URL-LP1&gt;/</a:t>
+            </a:r>
+          </a:p>
+          <a:p>
+            <a:r>
+              <a:rPr lang="en-US" sz="900" dirty="0">
+                <a:latin typeface="Courier"/>
+                <a:cs typeface="Courier"/>
+                <a:sym typeface="Wingdings"/>
+              </a:rPr>
+              <a:t>	</a:t>
+            </a:r>
+            <a:r>
+              <a:rPr lang="en-US" sz="900" dirty="0" smtClean="0">
+                <a:latin typeface="Courier"/>
+                <a:cs typeface="Courier"/>
+                <a:sym typeface="Wingdings"/>
+              </a:rPr>
+              <a:t>A&lt;URL-GP1-C&gt; via GP1</a:t>
+            </a:r>
+          </a:p>
+        </p:txBody>
+      </p:sp>
+      <p:cxnSp>
+        <p:nvCxnSpPr>
+          <p:cNvPr id="57" name="Straight Connector 56"/>
+          <p:cNvCxnSpPr>
+            <a:stCxn id="15" idx="1"/>
+            <a:endCxn id="13" idx="3"/>
+          </p:cNvCxnSpPr>
+          <p:nvPr/>
+        </p:nvCxnSpPr>
+        <p:spPr>
+          <a:xfrm flipH="1">
+            <a:off x="3923928" y="1539098"/>
+            <a:ext cx="1296144" cy="1716680"/>
+          </a:xfrm>
+          <a:prstGeom prst="line">
+            <a:avLst/>
+          </a:prstGeom>
+        </p:spPr>
+        <p:style>
+          <a:lnRef idx="2">
+            <a:schemeClr val="accent1"/>
+          </a:lnRef>
+          <a:fillRef idx="0">
+            <a:schemeClr val="accent1"/>
+          </a:fillRef>
+          <a:effectRef idx="1">
+            <a:schemeClr val="accent1"/>
+          </a:effectRef>
+          <a:fontRef idx="minor">
+            <a:schemeClr val="tx1"/>
+          </a:fontRef>
+        </p:style>
+      </p:cxnSp>
+      <p:sp>
+        <p:nvSpPr>
+          <p:cNvPr id="60" name="TextBox 59"/>
+          <p:cNvSpPr txBox="1"/>
+          <p:nvPr/>
+        </p:nvSpPr>
+        <p:spPr>
+          <a:xfrm>
+            <a:off x="5115484" y="4437112"/>
+            <a:ext cx="3344948" cy="923330"/>
+          </a:xfrm>
+          <a:prstGeom prst="rect">
+            <a:avLst/>
+          </a:prstGeom>
+          <a:noFill/>
+        </p:spPr>
+        <p:txBody>
+          <a:bodyPr wrap="square" rtlCol="0">
+            <a:spAutoFit/>
+          </a:bodyPr>
+          <a:lstStyle/>
+          <a:p>
+            <a:r>
+              <a:rPr lang="en-US" sz="900" b="1" dirty="0" err="1" smtClean="0">
+                <a:latin typeface="Courier"/>
+                <a:cs typeface="Courier"/>
+                <a:sym typeface="Wingdings"/>
+              </a:rPr>
+              <a:t>YB</a:t>
+            </a:r>
+            <a:endParaRPr lang="en-US" sz="900" b="1" dirty="0" smtClean="0">
+              <a:latin typeface="Courier"/>
+              <a:cs typeface="Courier"/>
+              <a:sym typeface="Wingdings"/>
+            </a:endParaRPr>
+          </a:p>
+          <a:p>
+            <a:r>
+              <a:rPr lang="en-US" sz="900" dirty="0" smtClean="0">
+                <a:latin typeface="Courier"/>
+                <a:cs typeface="Courier"/>
+                <a:sym typeface="Wingdings"/>
+              </a:rPr>
+              <a:t>http://&lt;URL-GP1-B&gt;/</a:t>
+            </a:r>
+          </a:p>
+          <a:p>
+            <a:r>
+              <a:rPr lang="en-US" sz="900" dirty="0">
+                <a:latin typeface="Courier"/>
+                <a:cs typeface="Courier"/>
+                <a:sym typeface="Wingdings"/>
+              </a:rPr>
+              <a:t>	</a:t>
+            </a:r>
+            <a:r>
+              <a:rPr lang="en-US" sz="900" dirty="0" smtClean="0">
+                <a:latin typeface="Courier"/>
+                <a:cs typeface="Courier"/>
+                <a:sym typeface="Wingdings"/>
+              </a:rPr>
+              <a:t>Y&lt;URL-GP1-B&gt; to &lt;URL-B&gt; via LP1</a:t>
+            </a:r>
+          </a:p>
+          <a:p>
+            <a:r>
+              <a:rPr lang="en-US" sz="900" dirty="0" err="1" smtClean="0">
+                <a:latin typeface="Courier"/>
+                <a:cs typeface="Courier"/>
+                <a:sym typeface="Wingdings"/>
+              </a:rPr>
+              <a:t>AC</a:t>
+            </a:r>
+            <a:endParaRPr lang="en-US" sz="900" dirty="0" smtClean="0">
+              <a:latin typeface="Courier"/>
+              <a:cs typeface="Courier"/>
+              <a:sym typeface="Wingdings"/>
+            </a:endParaRPr>
+          </a:p>
+          <a:p>
+            <a:r>
+              <a:rPr lang="en-US" sz="900" dirty="0" smtClean="0">
+                <a:latin typeface="Courier"/>
+                <a:cs typeface="Courier"/>
+                <a:sym typeface="Wingdings"/>
+              </a:rPr>
+              <a:t>http://&lt;URL-GP1-C&gt;/</a:t>
+            </a:r>
+          </a:p>
+          <a:p>
+            <a:r>
+              <a:rPr lang="en-US" sz="900" dirty="0">
+                <a:latin typeface="Courier"/>
+                <a:cs typeface="Courier"/>
+                <a:sym typeface="Wingdings"/>
+              </a:rPr>
+              <a:t>	</a:t>
+            </a:r>
+            <a:r>
+              <a:rPr lang="en-US" sz="900" dirty="0" smtClean="0">
+                <a:latin typeface="Courier"/>
+                <a:cs typeface="Courier"/>
+                <a:sym typeface="Wingdings"/>
+              </a:rPr>
+              <a:t>A&lt;URL-GP1-C&gt; to &lt;URL-C&gt; via LP2</a:t>
+            </a:r>
+            <a:endParaRPr lang="en-US" sz="900" dirty="0">
+              <a:latin typeface="Courier"/>
+              <a:cs typeface="Courier"/>
+              <a:sym typeface="Wingdings"/>
+            </a:endParaRPr>
+          </a:p>
+        </p:txBody>
+      </p:sp>
+      <p:sp>
+        <p:nvSpPr>
+          <p:cNvPr id="3" name="TextBox 2"/>
+          <p:cNvSpPr txBox="1"/>
+          <p:nvPr/>
+        </p:nvSpPr>
+        <p:spPr>
+          <a:xfrm>
+            <a:off x="488139" y="35332"/>
+            <a:ext cx="8136904" cy="523220"/>
+          </a:xfrm>
+          <a:prstGeom prst="rect">
+            <a:avLst/>
+          </a:prstGeom>
+          <a:noFill/>
+        </p:spPr>
+        <p:txBody>
+          <a:bodyPr wrap="square" rtlCol="0">
+            <a:spAutoFit/>
+          </a:bodyPr>
+          <a:lstStyle/>
+          <a:p>
+            <a:r>
+              <a:rPr lang="ja-JP" altLang="en-US" sz="1400" dirty="0" smtClean="0"/>
+              <a:t>内部から外部への通信は自由に開始できるが、外部からの通信は制限しているようなドメイン（</a:t>
+            </a:r>
+            <a:r>
+              <a:rPr lang="en-US" altLang="ja-JP" sz="1400" dirty="0" smtClean="0"/>
+              <a:t>Net-P</a:t>
+            </a:r>
+            <a:r>
+              <a:rPr lang="ja-JP" altLang="en-US" sz="1400" dirty="0" smtClean="0"/>
+              <a:t>や</a:t>
+            </a:r>
+            <a:r>
+              <a:rPr lang="en-US" altLang="ja-JP" sz="1400" dirty="0" smtClean="0"/>
+              <a:t>Net-Q</a:t>
+            </a:r>
+            <a:r>
+              <a:rPr lang="ja-JP" altLang="en-US" sz="1400" dirty="0" smtClean="0"/>
+              <a:t>）においても、外部ホスト</a:t>
+            </a:r>
+            <a:r>
+              <a:rPr lang="en-US" sz="1400" dirty="0" smtClean="0"/>
+              <a:t>X</a:t>
+            </a:r>
+            <a:r>
+              <a:rPr lang="ja-JP" altLang="en-US" sz="1400" dirty="0" smtClean="0"/>
+              <a:t>から内部ホスト</a:t>
+            </a:r>
+            <a:r>
+              <a:rPr lang="en-US" altLang="ja-JP" sz="1400" dirty="0" smtClean="0"/>
+              <a:t>A</a:t>
+            </a:r>
+            <a:r>
+              <a:rPr lang="ja-JP" altLang="en-US" sz="1400" dirty="0" smtClean="0"/>
+              <a:t>や</a:t>
+            </a:r>
+            <a:r>
+              <a:rPr lang="en-US" altLang="ja-JP" sz="1400" dirty="0" smtClean="0"/>
+              <a:t>C</a:t>
+            </a:r>
+            <a:r>
+              <a:rPr lang="ja-JP" altLang="en-US" sz="1400" dirty="0" smtClean="0"/>
+              <a:t>に対して</a:t>
+            </a:r>
+            <a:r>
+              <a:rPr lang="en-US" altLang="ja-JP" sz="1400" dirty="0" smtClean="0"/>
+              <a:t>IEEE1888</a:t>
+            </a:r>
+            <a:r>
+              <a:rPr lang="ja-JP" altLang="en-US" sz="1400" dirty="0" smtClean="0"/>
+              <a:t>通信を開始したい問題を解決する。</a:t>
+            </a:r>
+            <a:endParaRPr lang="en-US" altLang="ja-JP" sz="1400" dirty="0" smtClean="0"/>
+          </a:p>
+        </p:txBody>
+      </p:sp>
+      <p:sp>
+        <p:nvSpPr>
+          <p:cNvPr id="114" name="TextBox 113"/>
+          <p:cNvSpPr txBox="1"/>
+          <p:nvPr/>
+        </p:nvSpPr>
+        <p:spPr>
+          <a:xfrm>
+            <a:off x="6403018" y="792164"/>
+            <a:ext cx="841027" cy="261610"/>
+          </a:xfrm>
+          <a:prstGeom prst="rect">
+            <a:avLst/>
+          </a:prstGeom>
+          <a:noFill/>
+        </p:spPr>
+        <p:txBody>
+          <a:bodyPr wrap="square" rtlCol="0">
+            <a:spAutoFit/>
+          </a:bodyPr>
+          <a:lstStyle/>
+          <a:p>
+            <a:r>
+              <a:rPr lang="en-US" sz="1100" dirty="0" smtClean="0"/>
+              <a:t>URL-GP1-A</a:t>
+            </a:r>
+            <a:endParaRPr lang="en-US" sz="1100" dirty="0"/>
+          </a:p>
+        </p:txBody>
+      </p:sp>
+      <p:sp>
+        <p:nvSpPr>
+          <p:cNvPr id="51" name="TextBox 50"/>
+          <p:cNvSpPr txBox="1"/>
+          <p:nvPr/>
+        </p:nvSpPr>
+        <p:spPr>
+          <a:xfrm>
+            <a:off x="3635896" y="620688"/>
+            <a:ext cx="792088" cy="369332"/>
+          </a:xfrm>
+          <a:prstGeom prst="rect">
+            <a:avLst/>
+          </a:prstGeom>
+          <a:noFill/>
+        </p:spPr>
+        <p:txBody>
+          <a:bodyPr wrap="square" rtlCol="0">
+            <a:spAutoFit/>
+          </a:bodyPr>
+          <a:lstStyle/>
+          <a:p>
+            <a:r>
+              <a:rPr lang="en-US" dirty="0" smtClean="0"/>
+              <a:t>Net-P</a:t>
+            </a:r>
+            <a:endParaRPr lang="en-US" dirty="0"/>
+          </a:p>
+        </p:txBody>
+      </p:sp>
+      <p:sp>
+        <p:nvSpPr>
+          <p:cNvPr id="52" name="TextBox 51"/>
+          <p:cNvSpPr txBox="1"/>
+          <p:nvPr/>
+        </p:nvSpPr>
+        <p:spPr>
+          <a:xfrm>
+            <a:off x="3635896" y="3419708"/>
+            <a:ext cx="792088" cy="369332"/>
+          </a:xfrm>
+          <a:prstGeom prst="rect">
+            <a:avLst/>
+          </a:prstGeom>
+          <a:noFill/>
+        </p:spPr>
+        <p:txBody>
+          <a:bodyPr wrap="square" rtlCol="0">
+            <a:spAutoFit/>
+          </a:bodyPr>
+          <a:lstStyle/>
+          <a:p>
+            <a:r>
+              <a:rPr lang="en-US" dirty="0" smtClean="0"/>
+              <a:t>Net-Q</a:t>
+            </a:r>
+            <a:endParaRPr lang="en-US" dirty="0"/>
+          </a:p>
+        </p:txBody>
+      </p:sp>
+      <p:grpSp>
+        <p:nvGrpSpPr>
+          <p:cNvPr id="55" name="Group 54"/>
+          <p:cNvGrpSpPr/>
+          <p:nvPr/>
+        </p:nvGrpSpPr>
+        <p:grpSpPr>
+          <a:xfrm>
+            <a:off x="4427984" y="2762413"/>
+            <a:ext cx="294589" cy="932339"/>
+            <a:chOff x="4427984" y="990020"/>
+            <a:chExt cx="294589" cy="932339"/>
+          </a:xfrm>
+        </p:grpSpPr>
+        <p:sp>
+          <p:nvSpPr>
+            <p:cNvPr id="58" name="Rectangle 57"/>
+            <p:cNvSpPr/>
+            <p:nvPr/>
+          </p:nvSpPr>
+          <p:spPr>
+            <a:xfrm>
+              <a:off x="4427984" y="990020"/>
+              <a:ext cx="288032" cy="932339"/>
+            </a:xfrm>
+            <a:prstGeom prst="rect">
+              <a:avLst/>
+            </a:prstGeom>
+          </p:spPr>
+          <p:style>
+            <a:lnRef idx="1">
+              <a:schemeClr val="accent2"/>
+            </a:lnRef>
+            <a:fillRef idx="2">
+              <a:schemeClr val="accent2"/>
+            </a:fillRef>
+            <a:effectRef idx="1">
+              <a:schemeClr val="accent2"/>
+            </a:effectRef>
+            <a:fontRef idx="minor">
+              <a:schemeClr val="dk1"/>
+            </a:fontRef>
+          </p:style>
+          <p:txBody>
+            <a:bodyPr rtlCol="0" anchor="ctr"/>
+            <a:lstStyle/>
+            <a:p>
+              <a:pPr algn="ctr"/>
+              <a:endParaRPr lang="en-US"/>
+            </a:p>
+          </p:txBody>
+        </p:sp>
+        <p:sp>
+          <p:nvSpPr>
+            <p:cNvPr id="59" name="TextBox 58"/>
+            <p:cNvSpPr txBox="1"/>
+            <p:nvPr/>
+          </p:nvSpPr>
+          <p:spPr>
+            <a:xfrm rot="5400000">
+              <a:off x="4191721" y="1317730"/>
+              <a:ext cx="784706" cy="276999"/>
+            </a:xfrm>
+            <a:prstGeom prst="rect">
+              <a:avLst/>
+            </a:prstGeom>
+            <a:noFill/>
+          </p:spPr>
+          <p:txBody>
+            <a:bodyPr wrap="square" rtlCol="0">
+              <a:spAutoFit/>
+            </a:bodyPr>
+            <a:lstStyle/>
+            <a:p>
+              <a:pPr algn="ctr"/>
+              <a:r>
+                <a:rPr lang="en-US" sz="1200" dirty="0" smtClean="0"/>
+                <a:t>FW/NAT</a:t>
+              </a:r>
+              <a:endParaRPr lang="en-US" sz="1200" dirty="0"/>
+            </a:p>
+          </p:txBody>
+        </p:sp>
+      </p:grpSp>
+      <p:grpSp>
+        <p:nvGrpSpPr>
+          <p:cNvPr id="61" name="Group 60"/>
+          <p:cNvGrpSpPr/>
+          <p:nvPr/>
+        </p:nvGrpSpPr>
+        <p:grpSpPr>
+          <a:xfrm>
+            <a:off x="4427984" y="880912"/>
+            <a:ext cx="294589" cy="1513931"/>
+            <a:chOff x="4427984" y="990020"/>
+            <a:chExt cx="294589" cy="932339"/>
+          </a:xfrm>
+        </p:grpSpPr>
+        <p:sp>
+          <p:nvSpPr>
+            <p:cNvPr id="62" name="Rectangle 61"/>
+            <p:cNvSpPr/>
+            <p:nvPr/>
+          </p:nvSpPr>
+          <p:spPr>
+            <a:xfrm>
+              <a:off x="4427984" y="990020"/>
+              <a:ext cx="288032" cy="932339"/>
+            </a:xfrm>
+            <a:prstGeom prst="rect">
+              <a:avLst/>
+            </a:prstGeom>
+          </p:spPr>
+          <p:style>
+            <a:lnRef idx="1">
+              <a:schemeClr val="accent2"/>
+            </a:lnRef>
+            <a:fillRef idx="2">
+              <a:schemeClr val="accent2"/>
+            </a:fillRef>
+            <a:effectRef idx="1">
+              <a:schemeClr val="accent2"/>
+            </a:effectRef>
+            <a:fontRef idx="minor">
+              <a:schemeClr val="dk1"/>
+            </a:fontRef>
+          </p:style>
+          <p:txBody>
+            <a:bodyPr rtlCol="0" anchor="ctr"/>
+            <a:lstStyle/>
+            <a:p>
+              <a:pPr algn="ctr"/>
+              <a:endParaRPr lang="en-US"/>
+            </a:p>
+          </p:txBody>
+        </p:sp>
+        <p:sp>
+          <p:nvSpPr>
+            <p:cNvPr id="63" name="TextBox 62"/>
+            <p:cNvSpPr txBox="1"/>
+            <p:nvPr/>
+          </p:nvSpPr>
+          <p:spPr>
+            <a:xfrm rot="5400000">
+              <a:off x="4191721" y="1317730"/>
+              <a:ext cx="784706" cy="276999"/>
+            </a:xfrm>
+            <a:prstGeom prst="rect">
+              <a:avLst/>
+            </a:prstGeom>
+            <a:noFill/>
+          </p:spPr>
+          <p:txBody>
+            <a:bodyPr wrap="square" rtlCol="0">
+              <a:spAutoFit/>
+            </a:bodyPr>
+            <a:lstStyle/>
+            <a:p>
+              <a:pPr algn="ctr"/>
+              <a:r>
+                <a:rPr lang="en-US" sz="1200" dirty="0" smtClean="0"/>
+                <a:t>FW/NAT</a:t>
+              </a:r>
+              <a:endParaRPr lang="en-US" sz="1200" dirty="0"/>
+            </a:p>
+          </p:txBody>
+        </p:sp>
+      </p:grpSp>
+    </p:spTree>
+    <p:extLst>
+      <p:ext uri="{BB962C8B-B14F-4D97-AF65-F5344CB8AC3E}">
+        <p14:creationId xmlns:p14="http://schemas.microsoft.com/office/powerpoint/2010/main" val="2562700139"/>
       </p:ext>
     </p:extLst>
   </p:cSld>
